--- a/CSE101-S19/Slides/PPT/CSE101_Lec4.pptx
+++ b/CSE101-S19/Slides/PPT/CSE101_Lec4.pptx
@@ -5,7 +5,7 @@
     <p:sldMasterId id="2147483690" r:id="rId1"/>
   </p:sldMasterIdLst>
   <p:notesMasterIdLst>
-    <p:notesMasterId r:id="rId44"/>
+    <p:notesMasterId r:id="rId42"/>
   </p:notesMasterIdLst>
   <p:sldIdLst>
     <p:sldId id="256" r:id="rId2"/>
@@ -28,28 +28,26 @@
     <p:sldId id="379" r:id="rId19"/>
     <p:sldId id="378" r:id="rId20"/>
     <p:sldId id="377" r:id="rId21"/>
-    <p:sldId id="372" r:id="rId22"/>
-    <p:sldId id="371" r:id="rId23"/>
-    <p:sldId id="370" r:id="rId24"/>
-    <p:sldId id="369" r:id="rId25"/>
-    <p:sldId id="368" r:id="rId26"/>
-    <p:sldId id="367" r:id="rId27"/>
-    <p:sldId id="366" r:id="rId28"/>
-    <p:sldId id="365" r:id="rId29"/>
-    <p:sldId id="364" r:id="rId30"/>
-    <p:sldId id="389" r:id="rId31"/>
-    <p:sldId id="388" r:id="rId32"/>
-    <p:sldId id="387" r:id="rId33"/>
-    <p:sldId id="386" r:id="rId34"/>
-    <p:sldId id="385" r:id="rId35"/>
-    <p:sldId id="384" r:id="rId36"/>
-    <p:sldId id="383" r:id="rId37"/>
-    <p:sldId id="382" r:id="rId38"/>
-    <p:sldId id="391" r:id="rId39"/>
-    <p:sldId id="390" r:id="rId40"/>
-    <p:sldId id="324" r:id="rId41"/>
-    <p:sldId id="392" r:id="rId42"/>
-    <p:sldId id="318" r:id="rId43"/>
+    <p:sldId id="370" r:id="rId22"/>
+    <p:sldId id="369" r:id="rId23"/>
+    <p:sldId id="368" r:id="rId24"/>
+    <p:sldId id="367" r:id="rId25"/>
+    <p:sldId id="366" r:id="rId26"/>
+    <p:sldId id="365" r:id="rId27"/>
+    <p:sldId id="364" r:id="rId28"/>
+    <p:sldId id="389" r:id="rId29"/>
+    <p:sldId id="388" r:id="rId30"/>
+    <p:sldId id="387" r:id="rId31"/>
+    <p:sldId id="386" r:id="rId32"/>
+    <p:sldId id="385" r:id="rId33"/>
+    <p:sldId id="384" r:id="rId34"/>
+    <p:sldId id="383" r:id="rId35"/>
+    <p:sldId id="382" r:id="rId36"/>
+    <p:sldId id="391" r:id="rId37"/>
+    <p:sldId id="390" r:id="rId38"/>
+    <p:sldId id="324" r:id="rId39"/>
+    <p:sldId id="392" r:id="rId40"/>
+    <p:sldId id="318" r:id="rId41"/>
   </p:sldIdLst>
   <p:sldSz cx="12192000" cy="6858000"/>
   <p:notesSz cx="6858000" cy="9144000"/>
@@ -238,7 +236,7 @@
           <a:p>
             <a:fld id="{A25E667E-A4AF-489F-ABBC-742CDB752DA8}" type="datetimeFigureOut">
               <a:rPr lang="en-US" smtClean="0"/>
-              <a:t>3/7/2019</a:t>
+              <a:t>3/12/2019</a:t>
             </a:fld>
             <a:endParaRPr lang="en-US"/>
           </a:p>
@@ -731,7 +729,7 @@
           <a:p>
             <a:fld id="{5D487D00-93DD-4940-8FD7-72D171BB6C86}" type="datetime1">
               <a:rPr lang="en-US" smtClean="0"/>
-              <a:t>3/7/2019</a:t>
+              <a:t>3/12/2019</a:t>
             </a:fld>
             <a:endParaRPr lang="en-US"/>
           </a:p>
@@ -753,8 +751,16 @@
           <a:lstStyle/>
           <a:p>
             <a:r>
-              <a:rPr lang="en-US"/>
-              <a:t>(c) Arthur Lee, Tony Mione- SUNY Korea - CSE 101</a:t>
+              <a:rPr lang="en-US" dirty="0"/>
+              <a:t>(c) Pravin Pawar, Arthur Lee, Tony </a:t>
+            </a:r>
+            <a:r>
+              <a:rPr lang="en-US" dirty="0" err="1"/>
+              <a:t>Mione</a:t>
+            </a:r>
+            <a:r>
+              <a:rPr lang="en-US" dirty="0"/>
+              <a:t>- SUNY Korea - CSE 101</a:t>
             </a:r>
           </a:p>
         </p:txBody>
@@ -942,7 +948,7 @@
           <a:p>
             <a:fld id="{3831D43E-4F7E-4780-B70F-3538D32CF675}" type="datetime1">
               <a:rPr lang="en-US" smtClean="0"/>
-              <a:t>3/7/2019</a:t>
+              <a:t>3/12/2019</a:t>
             </a:fld>
             <a:endParaRPr lang="en-US"/>
           </a:p>
@@ -964,8 +970,16 @@
           <a:lstStyle/>
           <a:p>
             <a:r>
-              <a:rPr lang="en-US"/>
-              <a:t>(c) Arthur Lee, Tony Mione- SUNY Korea - CSE 101</a:t>
+              <a:rPr lang="en-US" dirty="0"/>
+              <a:t>(c) Pravin Pawar, Arthur Lee, Tony </a:t>
+            </a:r>
+            <a:r>
+              <a:rPr lang="en-US" dirty="0" err="1"/>
+              <a:t>Mione</a:t>
+            </a:r>
+            <a:r>
+              <a:rPr lang="en-US" dirty="0"/>
+              <a:t>- SUNY Korea - CSE 101</a:t>
             </a:r>
           </a:p>
         </p:txBody>
@@ -1201,7 +1215,7 @@
           <a:p>
             <a:fld id="{99B77B8B-6C04-436C-B9CA-7E32F910B067}" type="datetime1">
               <a:rPr lang="en-US" smtClean="0"/>
-              <a:t>3/7/2019</a:t>
+              <a:t>3/12/2019</a:t>
             </a:fld>
             <a:endParaRPr lang="en-US"/>
           </a:p>
@@ -1223,8 +1237,16 @@
           <a:lstStyle/>
           <a:p>
             <a:r>
-              <a:rPr lang="en-US"/>
-              <a:t>(c) Arthur Lee, Tony Mione- SUNY Korea - CSE 101</a:t>
+              <a:rPr lang="en-US" dirty="0"/>
+              <a:t>(c) Pravin Pawar, Arthur Lee, Tony </a:t>
+            </a:r>
+            <a:r>
+              <a:rPr lang="en-US" dirty="0" err="1"/>
+              <a:t>Mione</a:t>
+            </a:r>
+            <a:r>
+              <a:rPr lang="en-US" dirty="0"/>
+              <a:t>- SUNY Korea - CSE 101</a:t>
             </a:r>
           </a:p>
         </p:txBody>
@@ -1378,7 +1400,7 @@
           <a:p>
             <a:fld id="{41552D1F-A211-4519-B9B1-D59FC7C7B6E8}" type="datetime1">
               <a:rPr lang="en-US" smtClean="0"/>
-              <a:t>3/7/2019</a:t>
+              <a:t>3/12/2019</a:t>
             </a:fld>
             <a:endParaRPr lang="en-US"/>
           </a:p>
@@ -1400,8 +1422,16 @@
           <a:lstStyle/>
           <a:p>
             <a:r>
-              <a:rPr lang="en-US"/>
-              <a:t>(c) Arthur Lee, Tony Mione- SUNY Korea - CSE 101</a:t>
+              <a:rPr lang="en-US" dirty="0"/>
+              <a:t>(c) Pravin Pawar, Arthur Lee, Tony </a:t>
+            </a:r>
+            <a:r>
+              <a:rPr lang="en-US" dirty="0" err="1"/>
+              <a:t>Mione</a:t>
+            </a:r>
+            <a:r>
+              <a:rPr lang="en-US" dirty="0"/>
+              <a:t>- SUNY Korea - CSE 101</a:t>
             </a:r>
           </a:p>
         </p:txBody>
@@ -1724,7 +1754,7 @@
           <a:p>
             <a:fld id="{D3A158F4-4510-4835-B48A-C9692BE1A9BE}" type="datetime1">
               <a:rPr lang="en-US" smtClean="0"/>
-              <a:t>3/7/2019</a:t>
+              <a:t>3/12/2019</a:t>
             </a:fld>
             <a:endParaRPr lang="en-US"/>
           </a:p>
@@ -1746,8 +1776,16 @@
           <a:lstStyle/>
           <a:p>
             <a:r>
-              <a:rPr lang="en-US"/>
-              <a:t>(c) Arthur Lee, Tony Mione- SUNY Korea - CSE 101</a:t>
+              <a:rPr lang="en-US" dirty="0"/>
+              <a:t>(c) Pravin Pawar, Arthur Lee, Tony </a:t>
+            </a:r>
+            <a:r>
+              <a:rPr lang="en-US" dirty="0" err="1"/>
+              <a:t>Mione</a:t>
+            </a:r>
+            <a:r>
+              <a:rPr lang="en-US" dirty="0"/>
+              <a:t>- SUNY Korea - CSE 101</a:t>
             </a:r>
           </a:p>
         </p:txBody>
@@ -2002,7 +2040,7 @@
           <a:p>
             <a:fld id="{3D195FF9-7C0F-4578-9DA5-6E494F24FE4F}" type="datetime1">
               <a:rPr lang="en-US" smtClean="0"/>
-              <a:t>3/7/2019</a:t>
+              <a:t>3/12/2019</a:t>
             </a:fld>
             <a:endParaRPr lang="en-US"/>
           </a:p>
@@ -2024,8 +2062,16 @@
           <a:lstStyle/>
           <a:p>
             <a:r>
-              <a:rPr lang="en-US"/>
-              <a:t>(c) Arthur Lee, Tony Mione- SUNY Korea - CSE 101</a:t>
+              <a:rPr lang="en-US" dirty="0"/>
+              <a:t>(c) Pravin Pawar, Arthur Lee, Tony </a:t>
+            </a:r>
+            <a:r>
+              <a:rPr lang="en-US" dirty="0" err="1"/>
+              <a:t>Mione</a:t>
+            </a:r>
+            <a:r>
+              <a:rPr lang="en-US" dirty="0"/>
+              <a:t>- SUNY Korea - CSE 101</a:t>
             </a:r>
           </a:p>
         </p:txBody>
@@ -2384,7 +2430,7 @@
           <a:p>
             <a:fld id="{D6DE9C68-9D2B-475A-BAAD-95B35904D276}" type="datetime1">
               <a:rPr lang="en-US" smtClean="0"/>
-              <a:t>3/7/2019</a:t>
+              <a:t>3/12/2019</a:t>
             </a:fld>
             <a:endParaRPr lang="en-US"/>
           </a:p>
@@ -2406,8 +2452,16 @@
           <a:lstStyle/>
           <a:p>
             <a:r>
-              <a:rPr lang="en-US"/>
-              <a:t>(c) Arthur Lee, Tony Mione- SUNY Korea - CSE 101</a:t>
+              <a:rPr lang="en-US" dirty="0"/>
+              <a:t>(c) Pravin Pawar, Arthur Lee, Tony </a:t>
+            </a:r>
+            <a:r>
+              <a:rPr lang="en-US" dirty="0" err="1"/>
+              <a:t>Mione</a:t>
+            </a:r>
+            <a:r>
+              <a:rPr lang="en-US" dirty="0"/>
+              <a:t>- SUNY Korea - CSE 101</a:t>
             </a:r>
           </a:p>
         </p:txBody>
@@ -2505,7 +2559,7 @@
           <a:p>
             <a:fld id="{9A2381F3-F521-49F2-B6F8-8D7496925039}" type="datetime1">
               <a:rPr lang="en-US" smtClean="0"/>
-              <a:t>3/7/2019</a:t>
+              <a:t>3/12/2019</a:t>
             </a:fld>
             <a:endParaRPr lang="en-US"/>
           </a:p>
@@ -2527,8 +2581,16 @@
           <a:lstStyle/>
           <a:p>
             <a:r>
-              <a:rPr lang="en-US"/>
-              <a:t>(c) Arthur Lee, Tony Mione- SUNY Korea - CSE 101</a:t>
+              <a:rPr lang="en-US" dirty="0"/>
+              <a:t>(c) Pravin Pawar, Arthur Lee, Tony </a:t>
+            </a:r>
+            <a:r>
+              <a:rPr lang="en-US" dirty="0" err="1"/>
+              <a:t>Mione</a:t>
+            </a:r>
+            <a:r>
+              <a:rPr lang="en-US" dirty="0"/>
+              <a:t>- SUNY Korea - CSE 101</a:t>
             </a:r>
           </a:p>
         </p:txBody>
@@ -2679,7 +2741,7 @@
           <a:p>
             <a:fld id="{C663475C-C634-489E-AF93-64B17549A749}" type="datetime1">
               <a:rPr lang="en-US" smtClean="0"/>
-              <a:t>3/7/2019</a:t>
+              <a:t>3/12/2019</a:t>
             </a:fld>
             <a:endParaRPr lang="en-US"/>
           </a:p>
@@ -2709,8 +2771,16 @@
           </a:lstStyle>
           <a:p>
             <a:r>
-              <a:rPr lang="en-US"/>
-              <a:t>(c) Arthur Lee, Tony Mione- SUNY Korea - CSE 101</a:t>
+              <a:rPr lang="en-US" dirty="0"/>
+              <a:t>(c) Pravin Pawar, Arthur Lee, Tony </a:t>
+            </a:r>
+            <a:r>
+              <a:rPr lang="en-US" dirty="0" err="1"/>
+              <a:t>Mione</a:t>
+            </a:r>
+            <a:r>
+              <a:rPr lang="en-US" dirty="0"/>
+              <a:t>- SUNY Korea - CSE 101</a:t>
             </a:r>
           </a:p>
         </p:txBody>
@@ -3036,7 +3106,7 @@
           <a:p>
             <a:fld id="{10706907-04E0-4508-94B9-19529985F41D}" type="datetime1">
               <a:rPr lang="en-US" smtClean="0"/>
-              <a:t>3/7/2019</a:t>
+              <a:t>3/12/2019</a:t>
             </a:fld>
             <a:endParaRPr lang="en-US"/>
           </a:p>
@@ -3071,8 +3141,16 @@
           </a:lstStyle>
           <a:p>
             <a:r>
-              <a:rPr lang="en-US"/>
-              <a:t>(c) Arthur Lee, Tony Mione- SUNY Korea - CSE 101</a:t>
+              <a:rPr lang="en-US" dirty="0"/>
+              <a:t>(c) Pravin Pawar, Arthur Lee, Tony </a:t>
+            </a:r>
+            <a:r>
+              <a:rPr lang="en-US" dirty="0" err="1"/>
+              <a:t>Mione</a:t>
+            </a:r>
+            <a:r>
+              <a:rPr lang="en-US" dirty="0"/>
+              <a:t>- SUNY Korea - CSE 101</a:t>
             </a:r>
           </a:p>
         </p:txBody>
@@ -3421,7 +3499,7 @@
           <a:p>
             <a:fld id="{A13ADAF9-FDB7-4735-9CB1-5599909F77CE}" type="datetime1">
               <a:rPr lang="en-US" smtClean="0"/>
-              <a:t>3/7/2019</a:t>
+              <a:t>3/12/2019</a:t>
             </a:fld>
             <a:endParaRPr lang="en-US"/>
           </a:p>
@@ -3443,8 +3521,16 @@
           <a:lstStyle/>
           <a:p>
             <a:r>
-              <a:rPr lang="en-US"/>
-              <a:t>(c) Arthur Lee, Tony Mione- SUNY Korea - CSE 101</a:t>
+              <a:rPr lang="en-US" dirty="0"/>
+              <a:t>(c) Pravin Pawar, Arthur Lee, Tony </a:t>
+            </a:r>
+            <a:r>
+              <a:rPr lang="en-US" dirty="0" err="1"/>
+              <a:t>Mione</a:t>
+            </a:r>
+            <a:r>
+              <a:rPr lang="en-US" dirty="0"/>
+              <a:t>- SUNY Korea - CSE 101</a:t>
             </a:r>
           </a:p>
         </p:txBody>
@@ -3711,7 +3797,7 @@
           <a:p>
             <a:fld id="{101CA6E8-78F5-4EC8-8C98-EB073A8A7B4F}" type="datetime1">
               <a:rPr lang="en-US" smtClean="0"/>
-              <a:t>3/7/2019</a:t>
+              <a:t>3/12/2019</a:t>
             </a:fld>
             <a:endParaRPr lang="en-US"/>
           </a:p>
@@ -3749,8 +3835,16 @@
           </a:lstStyle>
           <a:p>
             <a:r>
-              <a:rPr lang="en-US"/>
-              <a:t>(c) Arthur Lee, Tony Mione- SUNY Korea - CSE 101</a:t>
+              <a:rPr lang="en-US" dirty="0"/>
+              <a:t>(c) Pravin Pawar, Arthur Lee, Tony </a:t>
+            </a:r>
+            <a:r>
+              <a:rPr lang="en-US" dirty="0" err="1"/>
+              <a:t>Mione</a:t>
+            </a:r>
+            <a:r>
+              <a:rPr lang="en-US" dirty="0"/>
+              <a:t>- SUNY Korea - CSE 101</a:t>
             </a:r>
           </a:p>
         </p:txBody>
@@ -4611,8 +4705,16 @@
           <a:lstStyle/>
           <a:p>
             <a:r>
-              <a:rPr lang="en-US"/>
-              <a:t>(c) Arthur Lee, Tony Mione- SUNY Korea - CSE 101</a:t>
+              <a:rPr lang="en-US" dirty="0"/>
+              <a:t>(c) Pravin Pawar, Arthur Lee, Tony </a:t>
+            </a:r>
+            <a:r>
+              <a:rPr lang="en-US" dirty="0" err="1"/>
+              <a:t>Mione</a:t>
+            </a:r>
+            <a:r>
+              <a:rPr lang="en-US" dirty="0"/>
+              <a:t>- SUNY Korea - CSE 101</a:t>
             </a:r>
           </a:p>
         </p:txBody>
@@ -4726,8 +4828,16 @@
           <a:lstStyle/>
           <a:p>
             <a:r>
-              <a:rPr lang="en-US"/>
-              <a:t>(c) Arthur Lee, Tony Mione- SUNY Korea - CSE 101</a:t>
+              <a:rPr lang="en-US" dirty="0"/>
+              <a:t>(c) Pravin Pawar, Arthur Lee, Tony </a:t>
+            </a:r>
+            <a:r>
+              <a:rPr lang="en-US" dirty="0" err="1"/>
+              <a:t>Mione</a:t>
+            </a:r>
+            <a:r>
+              <a:rPr lang="en-US" dirty="0"/>
+              <a:t>- SUNY Korea - CSE 101</a:t>
             </a:r>
           </a:p>
         </p:txBody>
@@ -5142,8 +5252,16 @@
           <a:lstStyle/>
           <a:p>
             <a:r>
-              <a:rPr lang="en-US"/>
-              <a:t>(c) Arthur Lee, Tony Mione- SUNY Korea - CSE 101</a:t>
+              <a:rPr lang="en-US" dirty="0"/>
+              <a:t>(c) Pravin Pawar, Arthur Lee, Tony </a:t>
+            </a:r>
+            <a:r>
+              <a:rPr lang="en-US" dirty="0" err="1"/>
+              <a:t>Mione</a:t>
+            </a:r>
+            <a:r>
+              <a:rPr lang="en-US" dirty="0"/>
+              <a:t>- SUNY Korea - CSE 101</a:t>
             </a:r>
           </a:p>
         </p:txBody>
@@ -5345,8 +5463,16 @@
           <a:lstStyle/>
           <a:p>
             <a:r>
-              <a:rPr lang="en-US"/>
-              <a:t>(c) Arthur Lee, Tony Mione- SUNY Korea - CSE 101</a:t>
+              <a:rPr lang="en-US" dirty="0"/>
+              <a:t>(c) Pravin Pawar, Arthur Lee, Tony </a:t>
+            </a:r>
+            <a:r>
+              <a:rPr lang="en-US" dirty="0" err="1"/>
+              <a:t>Mione</a:t>
+            </a:r>
+            <a:r>
+              <a:rPr lang="en-US" dirty="0"/>
+              <a:t>- SUNY Korea - CSE 101</a:t>
             </a:r>
           </a:p>
         </p:txBody>
@@ -5394,8 +5520,8 @@
         </p:nvSpPr>
         <p:spPr>
           <a:xfrm>
-            <a:off x="1174282" y="1982804"/>
-            <a:ext cx="3080084" cy="3908762"/>
+            <a:off x="1159577" y="1805832"/>
+            <a:ext cx="3080084" cy="4262705"/>
           </a:xfrm>
           <a:prstGeom prst="rect">
             <a:avLst/>
@@ -5543,11 +5669,21 @@
                 <a:spcPts val="600"/>
               </a:spcBef>
             </a:pPr>
+            <a:endParaRPr lang="en-US" dirty="0">
+              <a:latin typeface="Rockwell" panose="02060603020205020403" pitchFamily="18" charset="0"/>
+            </a:endParaRPr>
+          </a:p>
+          <a:p>
+            <a:pPr>
+              <a:spcBef>
+                <a:spcPts val="600"/>
+              </a:spcBef>
+            </a:pPr>
             <a:r>
               <a:rPr lang="en-US" dirty="0">
                 <a:latin typeface="Rockwell" panose="02060603020205020403" pitchFamily="18" charset="0"/>
               </a:rPr>
-              <a:t>    message()</a:t>
+              <a:t>message()</a:t>
             </a:r>
           </a:p>
         </p:txBody>
@@ -6144,8 +6280,16 @@
           <a:lstStyle/>
           <a:p>
             <a:r>
-              <a:rPr lang="en-US"/>
-              <a:t>(c) Arthur Lee, Tony Mione- SUNY Korea - CSE 101</a:t>
+              <a:rPr lang="en-US" dirty="0"/>
+              <a:t>(c) Pravin Pawar, Arthur Lee, Tony </a:t>
+            </a:r>
+            <a:r>
+              <a:rPr lang="en-US" dirty="0" err="1"/>
+              <a:t>Mione</a:t>
+            </a:r>
+            <a:r>
+              <a:rPr lang="en-US" dirty="0"/>
+              <a:t>- SUNY Korea - CSE 101</a:t>
             </a:r>
           </a:p>
         </p:txBody>
@@ -6908,8 +7052,16 @@
           <a:lstStyle/>
           <a:p>
             <a:r>
-              <a:rPr lang="en-US"/>
-              <a:t>(c) Arthur Lee, Tony Mione- SUNY Korea - CSE 101</a:t>
+              <a:rPr lang="en-US" dirty="0"/>
+              <a:t>(c) Pravin Pawar, Arthur Lee, Tony </a:t>
+            </a:r>
+            <a:r>
+              <a:rPr lang="en-US" dirty="0" err="1"/>
+              <a:t>Mione</a:t>
+            </a:r>
+            <a:r>
+              <a:rPr lang="en-US" dirty="0"/>
+              <a:t>- SUNY Korea - CSE 101</a:t>
             </a:r>
           </a:p>
         </p:txBody>
@@ -7296,8 +7448,16 @@
           <a:lstStyle/>
           <a:p>
             <a:r>
-              <a:rPr lang="en-US"/>
-              <a:t>(c) Arthur Lee, Tony Mione- SUNY Korea - CSE 101</a:t>
+              <a:rPr lang="en-US" dirty="0"/>
+              <a:t>(c) Pravin Pawar, Arthur Lee, Tony </a:t>
+            </a:r>
+            <a:r>
+              <a:rPr lang="en-US" dirty="0" err="1"/>
+              <a:t>Mione</a:t>
+            </a:r>
+            <a:r>
+              <a:rPr lang="en-US" dirty="0"/>
+              <a:t>- SUNY Korea - CSE 101</a:t>
             </a:r>
           </a:p>
         </p:txBody>
@@ -7548,8 +7708,16 @@
           <a:lstStyle/>
           <a:p>
             <a:r>
-              <a:rPr lang="en-US"/>
-              <a:t>(c) Arthur Lee, Tony Mione- SUNY Korea - CSE 101</a:t>
+              <a:rPr lang="en-US" dirty="0"/>
+              <a:t>(c) Pravin Pawar, Arthur Lee, Tony </a:t>
+            </a:r>
+            <a:r>
+              <a:rPr lang="en-US" dirty="0" err="1"/>
+              <a:t>Mione</a:t>
+            </a:r>
+            <a:r>
+              <a:rPr lang="en-US" dirty="0"/>
+              <a:t>- SUNY Korea - CSE 101</a:t>
             </a:r>
           </a:p>
         </p:txBody>
@@ -7998,8 +8166,16 @@
           <a:lstStyle/>
           <a:p>
             <a:r>
-              <a:rPr lang="en-US"/>
-              <a:t>(c) Arthur Lee, Tony Mione- SUNY Korea - CSE 101</a:t>
+              <a:rPr lang="en-US" dirty="0"/>
+              <a:t>(c) Pravin Pawar, Arthur Lee, Tony </a:t>
+            </a:r>
+            <a:r>
+              <a:rPr lang="en-US" dirty="0" err="1"/>
+              <a:t>Mione</a:t>
+            </a:r>
+            <a:r>
+              <a:rPr lang="en-US" dirty="0"/>
+              <a:t>- SUNY Korea - CSE 101</a:t>
             </a:r>
           </a:p>
         </p:txBody>
@@ -8286,8 +8462,16 @@
           <a:lstStyle/>
           <a:p>
             <a:r>
-              <a:rPr lang="en-US"/>
-              <a:t>(c) Arthur Lee, Tony Mione- SUNY Korea - CSE 101</a:t>
+              <a:rPr lang="en-US" dirty="0"/>
+              <a:t>(c) Pravin Pawar, Arthur Lee, Tony </a:t>
+            </a:r>
+            <a:r>
+              <a:rPr lang="en-US" dirty="0" err="1"/>
+              <a:t>Mione</a:t>
+            </a:r>
+            <a:r>
+              <a:rPr lang="en-US" dirty="0"/>
+              <a:t>- SUNY Korea - CSE 101</a:t>
             </a:r>
           </a:p>
         </p:txBody>
@@ -8481,8 +8665,16 @@
           <a:lstStyle/>
           <a:p>
             <a:r>
-              <a:rPr lang="en-US"/>
-              <a:t>(c) Arthur Lee, Tony Mione- SUNY Korea - CSE 101</a:t>
+              <a:rPr lang="en-US" dirty="0"/>
+              <a:t>(c) Pravin Pawar, Arthur Lee, Tony </a:t>
+            </a:r>
+            <a:r>
+              <a:rPr lang="en-US" dirty="0" err="1"/>
+              <a:t>Mione</a:t>
+            </a:r>
+            <a:r>
+              <a:rPr lang="en-US" dirty="0"/>
+              <a:t>- SUNY Korea - CSE 101</a:t>
             </a:r>
           </a:p>
         </p:txBody>
@@ -8878,8 +9070,16 @@
           <a:lstStyle/>
           <a:p>
             <a:r>
-              <a:rPr lang="en-US"/>
-              <a:t>(c) Arthur Lee, Tony Mione- SUNY Korea - CSE 101</a:t>
+              <a:rPr lang="en-US" dirty="0"/>
+              <a:t>(c) Pravin Pawar, Arthur Lee, Tony </a:t>
+            </a:r>
+            <a:r>
+              <a:rPr lang="en-US" dirty="0" err="1"/>
+              <a:t>Mione</a:t>
+            </a:r>
+            <a:r>
+              <a:rPr lang="en-US" dirty="0"/>
+              <a:t>- SUNY Korea - CSE 101</a:t>
             </a:r>
           </a:p>
         </p:txBody>
@@ -8966,7 +9166,7 @@
           <a:p>
             <a:r>
               <a:rPr lang="en-US" dirty="0"/>
-              <a:t>Example: Mortgage calculator</a:t>
+              <a:t>Conditional execution</a:t>
             </a:r>
           </a:p>
         </p:txBody>
@@ -8989,9 +9189,7 @@
         </p:nvSpPr>
         <p:spPr/>
         <p:txBody>
-          <a:bodyPr>
-            <a:normAutofit/>
-          </a:bodyPr>
+          <a:bodyPr/>
           <a:lstStyle/>
           <a:p>
             <a:pPr>
@@ -9006,34 +9204,7 @@
             </a:pPr>
             <a:r>
               <a:rPr lang="en-US" dirty="0"/>
-              <a:t>The monthly payment on a fixed-rate mortgage can be calculated using this formula: </a:t>
-            </a:r>
-          </a:p>
-          <a:p>
-            <a:pPr marL="201168" lvl="1" indent="0">
-              <a:spcBef>
-                <a:spcPts val="600"/>
-              </a:spcBef>
-              <a:spcAft>
-                <a:spcPts val="600"/>
-              </a:spcAft>
-              <a:buNone/>
-            </a:pPr>
-            <a:r>
-              <a:rPr lang="en-US" i="1" dirty="0" err="1"/>
-              <a:t>pmt</a:t>
-            </a:r>
-            <a:r>
-              <a:rPr lang="en-US" i="1" dirty="0"/>
-              <a:t> = (r * P) / (1 – (1 + r)</a:t>
-            </a:r>
-            <a:r>
-              <a:rPr lang="en-US" i="1" baseline="30000" dirty="0"/>
-              <a:t>-n</a:t>
-            </a:r>
-            <a:r>
-              <a:rPr lang="en-US" i="1" dirty="0"/>
-              <a:t>)</a:t>
+              <a:t>Often an algorithm needs to make a decision</a:t>
             </a:r>
           </a:p>
           <a:p>
@@ -9049,11 +9220,11 @@
             </a:pPr>
             <a:r>
               <a:rPr lang="en-US" dirty="0"/>
-              <a:t>Where</a:t>
-            </a:r>
-          </a:p>
-          <a:p>
-            <a:pPr lvl="1">
+              <a:t>The steps which are executed next depend on the outcome of the decision</a:t>
+            </a:r>
+          </a:p>
+          <a:p>
+            <a:pPr>
               <a:spcBef>
                 <a:spcPts val="600"/>
               </a:spcBef>
@@ -9065,7 +9236,7 @@
             </a:pPr>
             <a:r>
               <a:rPr lang="en-US" dirty="0"/>
-              <a:t>P is the principal (the amount we borrowed)</a:t>
+              <a:t>Example: a person’s income range determines the income taxation rate</a:t>
             </a:r>
           </a:p>
           <a:p>
@@ -9081,11 +9252,11 @@
             </a:pPr>
             <a:r>
               <a:rPr lang="en-US" dirty="0"/>
-              <a:t>r is the monthly interest rate as a decimal (i.e., the annual interest rate as a decimal divided by 12)</a:t>
-            </a:r>
-          </a:p>
-          <a:p>
-            <a:pPr lvl="1">
+              <a:t>If the income is above a certain minimum, use one tax rate; otherwise, use a lower rate</a:t>
+            </a:r>
+          </a:p>
+          <a:p>
+            <a:pPr>
               <a:spcBef>
                 <a:spcPts val="600"/>
               </a:spcBef>
@@ -9097,7 +9268,23 @@
             </a:pPr>
             <a:r>
               <a:rPr lang="en-US" dirty="0"/>
-              <a:t>n is the number of months the loan will last</a:t>
+              <a:t>In Python, an </a:t>
+            </a:r>
+            <a:r>
+              <a:rPr lang="en-US" b="1" dirty="0">
+                <a:solidFill>
+                  <a:srgbClr val="FF0000"/>
+                </a:solidFill>
+              </a:rPr>
+              <a:t>if-statement</a:t>
+            </a:r>
+            <a:r>
+              <a:rPr lang="en-US" b="1" dirty="0"/>
+              <a:t> </a:t>
+            </a:r>
+            <a:r>
+              <a:rPr lang="en-US" dirty="0"/>
+              <a:t>allows testing conditions and executing different steps depending on the outcome</a:t>
             </a:r>
           </a:p>
           <a:p>
@@ -9110,74 +9297,6 @@
               </a:spcAft>
               <a:buFont typeface="Arial" panose="020B0604020202020204" pitchFamily="34" charset="0"/>
               <a:buChar char="•"/>
-            </a:pPr>
-            <a:r>
-              <a:rPr lang="en-US" dirty="0"/>
-              <a:t>To include a comma every three digits, write the format string as `{:,.2f}’ for floats</a:t>
-            </a:r>
-          </a:p>
-          <a:p>
-            <a:pPr>
-              <a:spcBef>
-                <a:spcPts val="600"/>
-              </a:spcBef>
-              <a:spcAft>
-                <a:spcPts val="0"/>
-              </a:spcAft>
-              <a:buFont typeface="Arial" panose="020B0604020202020204" pitchFamily="34" charset="0"/>
-              <a:buChar char="•"/>
-            </a:pPr>
-            <a:r>
-              <a:rPr lang="en-US" dirty="0"/>
-              <a:t>Also, a format string can be saved in a variable if it’s needed to format several numbers in the same way:</a:t>
-            </a:r>
-          </a:p>
-          <a:p>
-            <a:pPr lvl="1">
-              <a:spcBef>
-                <a:spcPts val="600"/>
-              </a:spcBef>
-              <a:spcAft>
-                <a:spcPts val="0"/>
-              </a:spcAft>
-              <a:buFont typeface="Arial" panose="020B0604020202020204" pitchFamily="34" charset="0"/>
-              <a:buChar char="•"/>
-            </a:pPr>
-            <a:r>
-              <a:rPr lang="en-US" dirty="0" err="1"/>
-              <a:t>fmt</a:t>
-            </a:r>
-            <a:r>
-              <a:rPr lang="en-US" dirty="0"/>
-              <a:t> = `{:,.2f}’</a:t>
-            </a:r>
-          </a:p>
-          <a:p>
-            <a:pPr>
-              <a:spcBef>
-                <a:spcPts val="600"/>
-              </a:spcBef>
-              <a:spcAft>
-                <a:spcPts val="0"/>
-              </a:spcAft>
-              <a:buFont typeface="Arial" panose="020B0604020202020204" pitchFamily="34" charset="0"/>
-              <a:buChar char="•"/>
-            </a:pPr>
-            <a:r>
-              <a:rPr lang="en-US" dirty="0"/>
-              <a:t>Following is a function to compute </a:t>
-            </a:r>
-            <a:r>
-              <a:rPr lang="en-US" dirty="0" err="1"/>
-              <a:t>pmt</a:t>
-            </a:r>
-            <a:endParaRPr lang="en-US" dirty="0"/>
-          </a:p>
-          <a:p>
-            <a:pPr>
-              <a:spcBef>
-                <a:spcPts val="600"/>
-              </a:spcBef>
             </a:pPr>
             <a:endParaRPr lang="en-US" dirty="0"/>
           </a:p>
@@ -9205,8 +9324,16 @@
           <a:lstStyle/>
           <a:p>
             <a:r>
-              <a:rPr lang="en-US"/>
-              <a:t>(c) Arthur Lee, Tony Mione- SUNY Korea - CSE 101</a:t>
+              <a:rPr lang="en-US" dirty="0"/>
+              <a:t>(c) Pravin Pawar, Arthur Lee, Tony </a:t>
+            </a:r>
+            <a:r>
+              <a:rPr lang="en-US" dirty="0" err="1"/>
+              <a:t>Mione</a:t>
+            </a:r>
+            <a:r>
+              <a:rPr lang="en-US" dirty="0"/>
+              <a:t>- SUNY Korea - CSE 101</a:t>
             </a:r>
           </a:p>
         </p:txBody>
@@ -9243,7 +9370,7 @@
     </p:spTree>
     <p:extLst>
       <p:ext uri="{BB962C8B-B14F-4D97-AF65-F5344CB8AC3E}">
-        <p14:creationId xmlns:p14="http://schemas.microsoft.com/office/powerpoint/2010/main" val="2571323972"/>
+        <p14:creationId xmlns:p14="http://schemas.microsoft.com/office/powerpoint/2010/main" val="948575429"/>
       </p:ext>
     </p:extLst>
   </p:cSld>
@@ -9293,7 +9420,7 @@
           <a:p>
             <a:r>
               <a:rPr lang="en-US" dirty="0"/>
-              <a:t>Example: mortgage.py</a:t>
+              <a:t>Example: Tuition calculator</a:t>
             </a:r>
           </a:p>
         </p:txBody>
@@ -9314,671 +9441,52 @@
             <p:ph idx="1"/>
           </p:nvPr>
         </p:nvSpPr>
-        <p:spPr>
-          <a:xfrm>
-            <a:off x="1097280" y="1770233"/>
-            <a:ext cx="10058400" cy="4571844"/>
-          </a:xfrm>
-        </p:spPr>
-        <p:txBody>
-          <a:bodyPr>
-            <a:normAutofit fontScale="85000" lnSpcReduction="20000"/>
-          </a:bodyPr>
-          <a:lstStyle/>
-          <a:p>
-            <a:pPr>
-              <a:spcBef>
-                <a:spcPts val="0"/>
-              </a:spcBef>
-              <a:spcAft>
-                <a:spcPts val="0"/>
-              </a:spcAft>
-            </a:pPr>
-            <a:r>
-              <a:rPr lang="en-US" b="1" dirty="0">
-                <a:latin typeface="Rockwell" panose="02060603020205020403" pitchFamily="18" charset="0"/>
-              </a:rPr>
-              <a:t>def </a:t>
-            </a:r>
-            <a:r>
-              <a:rPr lang="en-US" b="1" dirty="0" err="1">
-                <a:latin typeface="Rockwell" panose="02060603020205020403" pitchFamily="18" charset="0"/>
-              </a:rPr>
-              <a:t>monthly_payment</a:t>
-            </a:r>
-            <a:r>
-              <a:rPr lang="en-US" b="1" dirty="0">
-                <a:latin typeface="Rockwell" panose="02060603020205020403" pitchFamily="18" charset="0"/>
-              </a:rPr>
-              <a:t>(</a:t>
-            </a:r>
-            <a:r>
-              <a:rPr lang="en-US" b="1" dirty="0" err="1">
-                <a:latin typeface="Rockwell" panose="02060603020205020403" pitchFamily="18" charset="0"/>
-              </a:rPr>
-              <a:t>borrow_amt</a:t>
-            </a:r>
-            <a:r>
-              <a:rPr lang="en-US" b="1" dirty="0">
-                <a:latin typeface="Rockwell" panose="02060603020205020403" pitchFamily="18" charset="0"/>
-              </a:rPr>
-              <a:t>, </a:t>
-            </a:r>
-            <a:r>
-              <a:rPr lang="en-US" b="1" dirty="0" err="1">
-                <a:latin typeface="Rockwell" panose="02060603020205020403" pitchFamily="18" charset="0"/>
-              </a:rPr>
-              <a:t>monthly_rate</a:t>
-            </a:r>
-            <a:r>
-              <a:rPr lang="en-US" b="1" dirty="0">
-                <a:latin typeface="Rockwell" panose="02060603020205020403" pitchFamily="18" charset="0"/>
-              </a:rPr>
-              <a:t>, </a:t>
-            </a:r>
-            <a:r>
-              <a:rPr lang="en-US" b="1" dirty="0" err="1">
-                <a:latin typeface="Rockwell" panose="02060603020205020403" pitchFamily="18" charset="0"/>
-              </a:rPr>
-              <a:t>num_months</a:t>
-            </a:r>
-            <a:r>
-              <a:rPr lang="en-US" b="1" dirty="0">
-                <a:latin typeface="Rockwell" panose="02060603020205020403" pitchFamily="18" charset="0"/>
-              </a:rPr>
-              <a:t>):</a:t>
-            </a:r>
-          </a:p>
-          <a:p>
-            <a:pPr>
-              <a:spcBef>
-                <a:spcPts val="0"/>
-              </a:spcBef>
-              <a:spcAft>
-                <a:spcPts val="0"/>
-              </a:spcAft>
-            </a:pPr>
-            <a:r>
-              <a:rPr lang="en-US" b="1" dirty="0">
-                <a:latin typeface="Rockwell" panose="02060603020205020403" pitchFamily="18" charset="0"/>
-              </a:rPr>
-              <a:t>    return (</a:t>
-            </a:r>
-            <a:r>
-              <a:rPr lang="en-US" b="1" dirty="0" err="1">
-                <a:latin typeface="Rockwell" panose="02060603020205020403" pitchFamily="18" charset="0"/>
-              </a:rPr>
-              <a:t>borrow_amt</a:t>
-            </a:r>
-            <a:r>
-              <a:rPr lang="en-US" b="1" dirty="0">
-                <a:latin typeface="Rockwell" panose="02060603020205020403" pitchFamily="18" charset="0"/>
-              </a:rPr>
-              <a:t> * </a:t>
-            </a:r>
-            <a:r>
-              <a:rPr lang="en-US" b="1" dirty="0" err="1">
-                <a:latin typeface="Rockwell" panose="02060603020205020403" pitchFamily="18" charset="0"/>
-              </a:rPr>
-              <a:t>monthly_rate</a:t>
-            </a:r>
-            <a:r>
-              <a:rPr lang="en-US" b="1" dirty="0">
-                <a:latin typeface="Rockwell" panose="02060603020205020403" pitchFamily="18" charset="0"/>
-              </a:rPr>
-              <a:t>) /</a:t>
-            </a:r>
-          </a:p>
-          <a:p>
-            <a:pPr>
-              <a:spcBef>
-                <a:spcPts val="0"/>
-              </a:spcBef>
-              <a:spcAft>
-                <a:spcPts val="0"/>
-              </a:spcAft>
-            </a:pPr>
-            <a:r>
-              <a:rPr lang="en-US" b="1" dirty="0">
-                <a:latin typeface="Rockwell" panose="02060603020205020403" pitchFamily="18" charset="0"/>
-              </a:rPr>
-              <a:t>                  (1 - 1 / (1 + </a:t>
-            </a:r>
-            <a:r>
-              <a:rPr lang="en-US" b="1" dirty="0" err="1">
-                <a:latin typeface="Rockwell" panose="02060603020205020403" pitchFamily="18" charset="0"/>
-              </a:rPr>
-              <a:t>monthly_rate</a:t>
-            </a:r>
-            <a:r>
-              <a:rPr lang="en-US" b="1" dirty="0">
-                <a:latin typeface="Rockwell" panose="02060603020205020403" pitchFamily="18" charset="0"/>
-              </a:rPr>
-              <a:t>) ** </a:t>
-            </a:r>
-            <a:r>
-              <a:rPr lang="en-US" b="1" dirty="0" err="1">
-                <a:latin typeface="Rockwell" panose="02060603020205020403" pitchFamily="18" charset="0"/>
-              </a:rPr>
-              <a:t>num_months</a:t>
-            </a:r>
-            <a:r>
-              <a:rPr lang="en-US" b="1" dirty="0">
-                <a:latin typeface="Rockwell" panose="02060603020205020403" pitchFamily="18" charset="0"/>
-              </a:rPr>
-              <a:t>)</a:t>
-            </a:r>
-          </a:p>
-          <a:p>
-            <a:pPr>
-              <a:spcBef>
-                <a:spcPts val="0"/>
-              </a:spcBef>
-              <a:spcAft>
-                <a:spcPts val="0"/>
-              </a:spcAft>
-            </a:pPr>
-            <a:endParaRPr lang="en-US" b="1" dirty="0">
-              <a:latin typeface="Rockwell" panose="02060603020205020403" pitchFamily="18" charset="0"/>
-            </a:endParaRPr>
-          </a:p>
-          <a:p>
-            <a:pPr>
-              <a:spcBef>
-                <a:spcPts val="0"/>
-              </a:spcBef>
-              <a:spcAft>
-                <a:spcPts val="0"/>
-              </a:spcAft>
-            </a:pPr>
-            <a:r>
-              <a:rPr lang="en-US" b="1" dirty="0">
-                <a:latin typeface="Rockwell" panose="02060603020205020403" pitchFamily="18" charset="0"/>
-              </a:rPr>
-              <a:t>def main():</a:t>
-            </a:r>
-          </a:p>
-          <a:p>
-            <a:pPr>
-              <a:spcBef>
-                <a:spcPts val="0"/>
-              </a:spcBef>
-              <a:spcAft>
-                <a:spcPts val="0"/>
-              </a:spcAft>
-            </a:pPr>
-            <a:r>
-              <a:rPr lang="en-US" b="1" dirty="0">
-                <a:latin typeface="Rockwell" panose="02060603020205020403" pitchFamily="18" charset="0"/>
-              </a:rPr>
-              <a:t>    principal = float(input('Enter principal: ‘))</a:t>
-            </a:r>
-          </a:p>
-          <a:p>
-            <a:pPr>
-              <a:spcBef>
-                <a:spcPts val="0"/>
-              </a:spcBef>
-              <a:spcAft>
-                <a:spcPts val="0"/>
-              </a:spcAft>
-            </a:pPr>
-            <a:r>
-              <a:rPr lang="en-US" b="1" dirty="0">
-                <a:latin typeface="Rockwell" panose="02060603020205020403" pitchFamily="18" charset="0"/>
-              </a:rPr>
-              <a:t>    </a:t>
-            </a:r>
-            <a:r>
-              <a:rPr lang="en-US" b="1" dirty="0" err="1">
-                <a:latin typeface="Rockwell" panose="02060603020205020403" pitchFamily="18" charset="0"/>
-              </a:rPr>
-              <a:t>annual_rate</a:t>
-            </a:r>
-            <a:r>
-              <a:rPr lang="en-US" b="1" dirty="0">
-                <a:latin typeface="Rockwell" panose="02060603020205020403" pitchFamily="18" charset="0"/>
-              </a:rPr>
-              <a:t> = float(input('Enter annual interest rate as a percentage: ‘))</a:t>
-            </a:r>
-          </a:p>
-          <a:p>
-            <a:pPr>
-              <a:spcBef>
-                <a:spcPts val="0"/>
-              </a:spcBef>
-              <a:spcAft>
-                <a:spcPts val="0"/>
-              </a:spcAft>
-            </a:pPr>
-            <a:r>
-              <a:rPr lang="en-US" b="1" dirty="0">
-                <a:latin typeface="Rockwell" panose="02060603020205020403" pitchFamily="18" charset="0"/>
-              </a:rPr>
-              <a:t>    years = </a:t>
-            </a:r>
-            <a:r>
-              <a:rPr lang="en-US" b="1" dirty="0" err="1">
-                <a:latin typeface="Rockwell" panose="02060603020205020403" pitchFamily="18" charset="0"/>
-              </a:rPr>
-              <a:t>int</a:t>
-            </a:r>
-            <a:r>
-              <a:rPr lang="en-US" b="1" dirty="0">
-                <a:latin typeface="Rockwell" panose="02060603020205020403" pitchFamily="18" charset="0"/>
-              </a:rPr>
-              <a:t>(input('Enter term of mortgage in years: ‘))</a:t>
-            </a:r>
-          </a:p>
-          <a:p>
-            <a:pPr>
-              <a:spcBef>
-                <a:spcPts val="0"/>
-              </a:spcBef>
-              <a:spcAft>
-                <a:spcPts val="0"/>
-              </a:spcAft>
-            </a:pPr>
-            <a:endParaRPr lang="en-US" b="1" dirty="0">
-              <a:latin typeface="Rockwell" panose="02060603020205020403" pitchFamily="18" charset="0"/>
-            </a:endParaRPr>
-          </a:p>
-          <a:p>
-            <a:pPr>
-              <a:spcBef>
-                <a:spcPts val="0"/>
-              </a:spcBef>
-              <a:spcAft>
-                <a:spcPts val="0"/>
-              </a:spcAft>
-            </a:pPr>
-            <a:r>
-              <a:rPr lang="en-US" b="1" dirty="0">
-                <a:latin typeface="Rockwell" panose="02060603020205020403" pitchFamily="18" charset="0"/>
-              </a:rPr>
-              <a:t>    payment = </a:t>
-            </a:r>
-            <a:r>
-              <a:rPr lang="en-US" b="1" dirty="0" err="1">
-                <a:latin typeface="Rockwell" panose="02060603020205020403" pitchFamily="18" charset="0"/>
-              </a:rPr>
-              <a:t>monthly_payment</a:t>
-            </a:r>
-            <a:r>
-              <a:rPr lang="en-US" b="1" dirty="0">
-                <a:latin typeface="Rockwell" panose="02060603020205020403" pitchFamily="18" charset="0"/>
-              </a:rPr>
-              <a:t>(principal, </a:t>
-            </a:r>
-            <a:r>
-              <a:rPr lang="en-US" b="1" dirty="0" err="1">
-                <a:latin typeface="Rockwell" panose="02060603020205020403" pitchFamily="18" charset="0"/>
-              </a:rPr>
-              <a:t>annual_rate</a:t>
-            </a:r>
-            <a:r>
-              <a:rPr lang="en-US" b="1" dirty="0">
-                <a:latin typeface="Rockwell" panose="02060603020205020403" pitchFamily="18" charset="0"/>
-              </a:rPr>
-              <a:t> / 12 / 100, years * 12)</a:t>
-            </a:r>
-          </a:p>
-          <a:p>
-            <a:pPr>
-              <a:spcBef>
-                <a:spcPts val="0"/>
-              </a:spcBef>
-              <a:spcAft>
-                <a:spcPts val="0"/>
-              </a:spcAft>
-            </a:pPr>
-            <a:r>
-              <a:rPr lang="en-US" b="1" dirty="0">
-                <a:latin typeface="Rockwell" panose="02060603020205020403" pitchFamily="18" charset="0"/>
-              </a:rPr>
-              <a:t>    </a:t>
-            </a:r>
-            <a:r>
-              <a:rPr lang="en-US" b="1" dirty="0" err="1">
-                <a:latin typeface="Rockwell" panose="02060603020205020403" pitchFamily="18" charset="0"/>
-              </a:rPr>
-              <a:t>totalPaid</a:t>
-            </a:r>
-            <a:r>
-              <a:rPr lang="en-US" b="1" dirty="0">
-                <a:latin typeface="Rockwell" panose="02060603020205020403" pitchFamily="18" charset="0"/>
-              </a:rPr>
-              <a:t> = payment * years * 12</a:t>
-            </a:r>
-          </a:p>
-          <a:p>
-            <a:pPr>
-              <a:spcBef>
-                <a:spcPts val="0"/>
-              </a:spcBef>
-              <a:spcAft>
-                <a:spcPts val="0"/>
-              </a:spcAft>
-            </a:pPr>
-            <a:r>
-              <a:rPr lang="en-US" b="1" dirty="0">
-                <a:latin typeface="Rockwell" panose="02060603020205020403" pitchFamily="18" charset="0"/>
-              </a:rPr>
-              <a:t>    </a:t>
-            </a:r>
-            <a:r>
-              <a:rPr lang="en-US" b="1" dirty="0" err="1">
-                <a:latin typeface="Rockwell" panose="02060603020205020403" pitchFamily="18" charset="0"/>
-              </a:rPr>
-              <a:t>totalInterest</a:t>
-            </a:r>
-            <a:r>
-              <a:rPr lang="en-US" b="1" dirty="0">
-                <a:latin typeface="Rockwell" panose="02060603020205020403" pitchFamily="18" charset="0"/>
-              </a:rPr>
-              <a:t> = </a:t>
-            </a:r>
-            <a:r>
-              <a:rPr lang="en-US" b="1" dirty="0" err="1">
-                <a:latin typeface="Rockwell" panose="02060603020205020403" pitchFamily="18" charset="0"/>
-              </a:rPr>
-              <a:t>totalPaid</a:t>
-            </a:r>
-            <a:r>
-              <a:rPr lang="en-US" b="1" dirty="0">
-                <a:latin typeface="Rockwell" panose="02060603020205020403" pitchFamily="18" charset="0"/>
-              </a:rPr>
-              <a:t> - principal</a:t>
-            </a:r>
-          </a:p>
-          <a:p>
-            <a:pPr>
-              <a:spcBef>
-                <a:spcPts val="0"/>
-              </a:spcBef>
-              <a:spcAft>
-                <a:spcPts val="0"/>
-              </a:spcAft>
-            </a:pPr>
-            <a:endParaRPr lang="en-US" b="1" dirty="0">
-              <a:latin typeface="Rockwell" panose="02060603020205020403" pitchFamily="18" charset="0"/>
-            </a:endParaRPr>
-          </a:p>
-          <a:p>
-            <a:pPr>
-              <a:spcBef>
-                <a:spcPts val="0"/>
-              </a:spcBef>
-              <a:spcAft>
-                <a:spcPts val="0"/>
-              </a:spcAft>
-            </a:pPr>
-            <a:r>
-              <a:rPr lang="en-US" b="1" dirty="0">
-                <a:latin typeface="Rockwell" panose="02060603020205020403" pitchFamily="18" charset="0"/>
-              </a:rPr>
-              <a:t>    </a:t>
-            </a:r>
-            <a:r>
-              <a:rPr lang="en-US" b="1" dirty="0" err="1">
-                <a:latin typeface="Rockwell" panose="02060603020205020403" pitchFamily="18" charset="0"/>
-              </a:rPr>
-              <a:t>fmt</a:t>
-            </a:r>
-            <a:r>
-              <a:rPr lang="en-US" b="1" dirty="0">
-                <a:latin typeface="Rockwell" panose="02060603020205020403" pitchFamily="18" charset="0"/>
-              </a:rPr>
-              <a:t> = '{:,.2f}' # formatter string</a:t>
-            </a:r>
-          </a:p>
-          <a:p>
-            <a:pPr>
-              <a:spcBef>
-                <a:spcPts val="0"/>
-              </a:spcBef>
-              <a:spcAft>
-                <a:spcPts val="0"/>
-              </a:spcAft>
-            </a:pPr>
-            <a:r>
-              <a:rPr lang="fr-FR" b="1" dirty="0">
-                <a:latin typeface="Rockwell" panose="02060603020205020403" pitchFamily="18" charset="0"/>
-              </a:rPr>
-              <a:t>    </a:t>
-            </a:r>
-            <a:r>
-              <a:rPr lang="fr-FR" b="1" dirty="0" err="1">
-                <a:latin typeface="Rockwell" panose="02060603020205020403" pitchFamily="18" charset="0"/>
-              </a:rPr>
-              <a:t>print</a:t>
-            </a:r>
-            <a:r>
-              <a:rPr lang="fr-FR" b="1" dirty="0">
-                <a:latin typeface="Rockwell" panose="02060603020205020403" pitchFamily="18" charset="0"/>
-              </a:rPr>
-              <a:t>('Principal: $' + </a:t>
-            </a:r>
-            <a:r>
-              <a:rPr lang="fr-FR" b="1" dirty="0" err="1">
-                <a:latin typeface="Rockwell" panose="02060603020205020403" pitchFamily="18" charset="0"/>
-              </a:rPr>
-              <a:t>fmt.format</a:t>
-            </a:r>
-            <a:r>
-              <a:rPr lang="fr-FR" b="1" dirty="0">
-                <a:latin typeface="Rockwell" panose="02060603020205020403" pitchFamily="18" charset="0"/>
-              </a:rPr>
-              <a:t>(principal))</a:t>
-            </a:r>
-          </a:p>
-          <a:p>
-            <a:pPr>
-              <a:spcBef>
-                <a:spcPts val="0"/>
-              </a:spcBef>
-              <a:spcAft>
-                <a:spcPts val="0"/>
-              </a:spcAft>
-            </a:pPr>
-            <a:r>
-              <a:rPr lang="en-US" b="1" dirty="0">
-                <a:latin typeface="Rockwell" panose="02060603020205020403" pitchFamily="18" charset="0"/>
-              </a:rPr>
-              <a:t>    print('Annual interest rate: ' + </a:t>
-            </a:r>
-            <a:r>
-              <a:rPr lang="en-US" b="1" dirty="0" err="1">
-                <a:latin typeface="Rockwell" panose="02060603020205020403" pitchFamily="18" charset="0"/>
-              </a:rPr>
-              <a:t>fmt.format</a:t>
-            </a:r>
-            <a:r>
-              <a:rPr lang="en-US" b="1" dirty="0">
-                <a:latin typeface="Rockwell" panose="02060603020205020403" pitchFamily="18" charset="0"/>
-              </a:rPr>
-              <a:t>(</a:t>
-            </a:r>
-            <a:r>
-              <a:rPr lang="en-US" b="1" dirty="0" err="1">
-                <a:latin typeface="Rockwell" panose="02060603020205020403" pitchFamily="18" charset="0"/>
-              </a:rPr>
-              <a:t>annual_rate</a:t>
-            </a:r>
-            <a:r>
-              <a:rPr lang="en-US" b="1" dirty="0">
-                <a:latin typeface="Rockwell" panose="02060603020205020403" pitchFamily="18" charset="0"/>
-              </a:rPr>
-              <a:t>) + '%’)</a:t>
-            </a:r>
-          </a:p>
-          <a:p>
-            <a:pPr>
-              <a:spcBef>
-                <a:spcPts val="0"/>
-              </a:spcBef>
-              <a:spcAft>
-                <a:spcPts val="0"/>
-              </a:spcAft>
-            </a:pPr>
-            <a:r>
-              <a:rPr lang="en-US" b="1" dirty="0">
-                <a:latin typeface="Rockwell" panose="02060603020205020403" pitchFamily="18" charset="0"/>
-              </a:rPr>
-              <a:t>    print('Term of loan in years: ' + </a:t>
-            </a:r>
-            <a:r>
-              <a:rPr lang="en-US" b="1" dirty="0" err="1">
-                <a:latin typeface="Rockwell" panose="02060603020205020403" pitchFamily="18" charset="0"/>
-              </a:rPr>
-              <a:t>str</a:t>
-            </a:r>
-            <a:r>
-              <a:rPr lang="en-US" b="1" dirty="0">
-                <a:latin typeface="Rockwell" panose="02060603020205020403" pitchFamily="18" charset="0"/>
-              </a:rPr>
-              <a:t>(years))</a:t>
-            </a:r>
-          </a:p>
-          <a:p>
-            <a:pPr>
-              <a:spcBef>
-                <a:spcPts val="0"/>
-              </a:spcBef>
-              <a:spcAft>
-                <a:spcPts val="0"/>
-              </a:spcAft>
-            </a:pPr>
-            <a:r>
-              <a:rPr lang="en-US" b="1" dirty="0">
-                <a:latin typeface="Rockwell" panose="02060603020205020403" pitchFamily="18" charset="0"/>
-              </a:rPr>
-              <a:t>    print('Monthly payment: $' + </a:t>
-            </a:r>
-            <a:r>
-              <a:rPr lang="en-US" b="1" dirty="0" err="1">
-                <a:latin typeface="Rockwell" panose="02060603020205020403" pitchFamily="18" charset="0"/>
-              </a:rPr>
-              <a:t>fmt.format</a:t>
-            </a:r>
-            <a:r>
-              <a:rPr lang="en-US" b="1" dirty="0">
-                <a:latin typeface="Rockwell" panose="02060603020205020403" pitchFamily="18" charset="0"/>
-              </a:rPr>
-              <a:t>(payment))</a:t>
-            </a:r>
-          </a:p>
-          <a:p>
-            <a:pPr>
-              <a:spcBef>
-                <a:spcPts val="0"/>
-              </a:spcBef>
-              <a:spcAft>
-                <a:spcPts val="0"/>
-              </a:spcAft>
-            </a:pPr>
-            <a:r>
-              <a:rPr lang="en-US" b="1" dirty="0">
-                <a:latin typeface="Rockwell" panose="02060603020205020403" pitchFamily="18" charset="0"/>
-              </a:rPr>
-              <a:t>    print('Total money paid back: $' + </a:t>
-            </a:r>
-            <a:r>
-              <a:rPr lang="en-US" b="1" dirty="0" err="1">
-                <a:latin typeface="Rockwell" panose="02060603020205020403" pitchFamily="18" charset="0"/>
-              </a:rPr>
-              <a:t>fmt.format</a:t>
-            </a:r>
-            <a:r>
-              <a:rPr lang="en-US" b="1" dirty="0">
-                <a:latin typeface="Rockwell" panose="02060603020205020403" pitchFamily="18" charset="0"/>
-              </a:rPr>
-              <a:t>(</a:t>
-            </a:r>
-            <a:r>
-              <a:rPr lang="en-US" b="1" dirty="0" err="1">
-                <a:latin typeface="Rockwell" panose="02060603020205020403" pitchFamily="18" charset="0"/>
-              </a:rPr>
-              <a:t>totalPaid</a:t>
-            </a:r>
-            <a:r>
-              <a:rPr lang="en-US" b="1" dirty="0">
-                <a:latin typeface="Rockwell" panose="02060603020205020403" pitchFamily="18" charset="0"/>
-              </a:rPr>
-              <a:t>))</a:t>
-            </a:r>
-          </a:p>
-          <a:p>
-            <a:pPr>
-              <a:spcBef>
-                <a:spcPts val="0"/>
-              </a:spcBef>
-              <a:spcAft>
-                <a:spcPts val="0"/>
-              </a:spcAft>
-            </a:pPr>
-            <a:r>
-              <a:rPr lang="en-US" b="1" dirty="0">
-                <a:latin typeface="Rockwell" panose="02060603020205020403" pitchFamily="18" charset="0"/>
-              </a:rPr>
-              <a:t>    print('Total interest paid: $' + </a:t>
-            </a:r>
-            <a:r>
-              <a:rPr lang="en-US" b="1" dirty="0" err="1">
-                <a:latin typeface="Rockwell" panose="02060603020205020403" pitchFamily="18" charset="0"/>
-              </a:rPr>
-              <a:t>fmt.format</a:t>
-            </a:r>
-            <a:r>
-              <a:rPr lang="en-US" b="1" dirty="0">
-                <a:latin typeface="Rockwell" panose="02060603020205020403" pitchFamily="18" charset="0"/>
-              </a:rPr>
-              <a:t>(</a:t>
-            </a:r>
-            <a:r>
-              <a:rPr lang="en-US" b="1" dirty="0" err="1">
-                <a:latin typeface="Rockwell" panose="02060603020205020403" pitchFamily="18" charset="0"/>
-              </a:rPr>
-              <a:t>totalInterest</a:t>
-            </a:r>
-            <a:r>
-              <a:rPr lang="en-US" b="1" dirty="0">
-                <a:latin typeface="Rockwell" panose="02060603020205020403" pitchFamily="18" charset="0"/>
-              </a:rPr>
-              <a:t>))</a:t>
-            </a:r>
-          </a:p>
-          <a:p>
-            <a:pPr>
-              <a:spcBef>
-                <a:spcPts val="0"/>
-              </a:spcBef>
-              <a:spcAft>
-                <a:spcPts val="0"/>
-              </a:spcAft>
-            </a:pPr>
-            <a:endParaRPr lang="en-US" b="1" dirty="0">
-              <a:latin typeface="Rockwell" panose="02060603020205020403" pitchFamily="18" charset="0"/>
-            </a:endParaRPr>
-          </a:p>
-          <a:p>
-            <a:pPr>
-              <a:spcBef>
-                <a:spcPts val="0"/>
-              </a:spcBef>
-              <a:spcAft>
-                <a:spcPts val="0"/>
-              </a:spcAft>
-            </a:pPr>
-            <a:r>
-              <a:rPr lang="en-US" b="1" dirty="0">
-                <a:latin typeface="Rockwell" panose="02060603020205020403" pitchFamily="18" charset="0"/>
-              </a:rPr>
-              <a:t>main()</a:t>
-            </a:r>
-            <a:endParaRPr lang="en-US" dirty="0">
-              <a:latin typeface="Rockwell" panose="02060603020205020403" pitchFamily="18" charset="0"/>
-            </a:endParaRPr>
+        <p:spPr/>
+        <p:txBody>
+          <a:bodyPr/>
+          <a:lstStyle/>
+          <a:p>
+            <a:pPr>
+              <a:spcBef>
+                <a:spcPts val="600"/>
+              </a:spcBef>
+              <a:spcAft>
+                <a:spcPts val="0"/>
+              </a:spcAft>
+              <a:buFont typeface="Arial" panose="020B0604020202020204" pitchFamily="34" charset="0"/>
+              <a:buChar char="•"/>
+            </a:pPr>
+            <a:r>
+              <a:rPr lang="en-US" dirty="0"/>
+              <a:t>Suppose part-time students (&lt; 12 credits) at a fictional college pay $600 per credit and full-time students pay $5,000 per semester.</a:t>
+            </a:r>
+          </a:p>
+          <a:p>
+            <a:pPr>
+              <a:spcBef>
+                <a:spcPts val="600"/>
+              </a:spcBef>
+              <a:spcAft>
+                <a:spcPts val="0"/>
+              </a:spcAft>
+              <a:buFont typeface="Arial" panose="020B0604020202020204" pitchFamily="34" charset="0"/>
+              <a:buChar char="•"/>
+            </a:pPr>
+            <a:r>
+              <a:rPr lang="en-US" dirty="0"/>
+              <a:t>Use an if-statement to write a short program that implements this logic</a:t>
+            </a:r>
+          </a:p>
+          <a:p>
+            <a:pPr>
+              <a:spcBef>
+                <a:spcPts val="600"/>
+              </a:spcBef>
+              <a:spcAft>
+                <a:spcPts val="0"/>
+              </a:spcAft>
+            </a:pPr>
+            <a:endParaRPr lang="en-US" dirty="0"/>
           </a:p>
         </p:txBody>
       </p:sp>
@@ -10004,8 +9512,16 @@
           <a:lstStyle/>
           <a:p>
             <a:r>
-              <a:rPr lang="en-US"/>
-              <a:t>(c) Arthur Lee, Tony Mione- SUNY Korea - CSE 101</a:t>
+              <a:rPr lang="en-US" dirty="0"/>
+              <a:t>(c) Pravin Pawar, Arthur Lee, Tony </a:t>
+            </a:r>
+            <a:r>
+              <a:rPr lang="en-US" dirty="0" err="1"/>
+              <a:t>Mione</a:t>
+            </a:r>
+            <a:r>
+              <a:rPr lang="en-US" dirty="0"/>
+              <a:t>- SUNY Korea - CSE 101</a:t>
             </a:r>
           </a:p>
         </p:txBody>
@@ -10042,7 +9558,7 @@
     </p:spTree>
     <p:extLst>
       <p:ext uri="{BB962C8B-B14F-4D97-AF65-F5344CB8AC3E}">
-        <p14:creationId xmlns:p14="http://schemas.microsoft.com/office/powerpoint/2010/main" val="3927912642"/>
+        <p14:creationId xmlns:p14="http://schemas.microsoft.com/office/powerpoint/2010/main" val="3793527445"/>
       </p:ext>
     </p:extLst>
   </p:cSld>
@@ -10092,7 +9608,7 @@
           <a:p>
             <a:r>
               <a:rPr lang="en-US" dirty="0"/>
-              <a:t>Conditional execution</a:t>
+              <a:t>Example: tuition.py</a:t>
             </a:r>
           </a:p>
         </p:txBody>
@@ -10115,116 +9631,287 @@
         </p:nvSpPr>
         <p:spPr/>
         <p:txBody>
-          <a:bodyPr/>
-          <a:lstStyle/>
-          <a:p>
-            <a:pPr>
-              <a:spcBef>
-                <a:spcPts val="600"/>
-              </a:spcBef>
-              <a:spcAft>
-                <a:spcPts val="0"/>
-              </a:spcAft>
-              <a:buFont typeface="Arial" panose="020B0604020202020204" pitchFamily="34" charset="0"/>
-              <a:buChar char="•"/>
-            </a:pPr>
-            <a:r>
-              <a:rPr lang="en-US" dirty="0"/>
-              <a:t>Often an algorithm needs to make a decision</a:t>
-            </a:r>
-          </a:p>
-          <a:p>
-            <a:pPr>
-              <a:spcBef>
-                <a:spcPts val="600"/>
-              </a:spcBef>
-              <a:spcAft>
-                <a:spcPts val="0"/>
-              </a:spcAft>
-              <a:buFont typeface="Arial" panose="020B0604020202020204" pitchFamily="34" charset="0"/>
-              <a:buChar char="•"/>
-            </a:pPr>
-            <a:r>
-              <a:rPr lang="en-US" dirty="0"/>
-              <a:t>The steps which are executed next depend on the outcome of the decision</a:t>
-            </a:r>
-          </a:p>
-          <a:p>
-            <a:pPr>
-              <a:spcBef>
-                <a:spcPts val="600"/>
-              </a:spcBef>
-              <a:spcAft>
-                <a:spcPts val="0"/>
-              </a:spcAft>
-              <a:buFont typeface="Arial" panose="020B0604020202020204" pitchFamily="34" charset="0"/>
-              <a:buChar char="•"/>
-            </a:pPr>
-            <a:r>
-              <a:rPr lang="en-US" dirty="0"/>
-              <a:t>Example: a person’s income range determines the income taxation rate</a:t>
-            </a:r>
-          </a:p>
-          <a:p>
-            <a:pPr lvl="1">
-              <a:spcBef>
-                <a:spcPts val="600"/>
-              </a:spcBef>
-              <a:spcAft>
-                <a:spcPts val="0"/>
-              </a:spcAft>
-              <a:buFont typeface="Arial" panose="020B0604020202020204" pitchFamily="34" charset="0"/>
-              <a:buChar char="•"/>
-            </a:pPr>
-            <a:r>
-              <a:rPr lang="en-US" dirty="0"/>
-              <a:t>If the income is above a certain minimum, use one tax rate; otherwise, use a lower rate</a:t>
-            </a:r>
-          </a:p>
-          <a:p>
-            <a:pPr>
-              <a:spcBef>
-                <a:spcPts val="600"/>
-              </a:spcBef>
-              <a:spcAft>
-                <a:spcPts val="0"/>
-              </a:spcAft>
-              <a:buFont typeface="Arial" panose="020B0604020202020204" pitchFamily="34" charset="0"/>
-              <a:buChar char="•"/>
-            </a:pPr>
-            <a:r>
-              <a:rPr lang="en-US" dirty="0"/>
-              <a:t>In Python, an </a:t>
+          <a:bodyPr>
+            <a:normAutofit/>
+          </a:bodyPr>
+          <a:lstStyle/>
+          <a:p>
+            <a:pPr>
+              <a:spcBef>
+                <a:spcPts val="600"/>
+              </a:spcBef>
+              <a:spcAft>
+                <a:spcPts val="0"/>
+              </a:spcAft>
+            </a:pPr>
+            <a:r>
+              <a:rPr lang="en-US" b="1" dirty="0" err="1">
+                <a:latin typeface="Rockwell" panose="02060603020205020403" pitchFamily="18" charset="0"/>
+              </a:rPr>
+              <a:t>numCredits</a:t>
             </a:r>
             <a:r>
               <a:rPr lang="en-US" b="1" dirty="0">
-                <a:solidFill>
-                  <a:srgbClr val="FF0000"/>
-                </a:solidFill>
-              </a:rPr>
-              <a:t>if-statement</a:t>
-            </a:r>
-            <a:r>
-              <a:rPr lang="en-US" b="1" dirty="0"/>
-              <a:t> </a:t>
-            </a:r>
-            <a:r>
-              <a:rPr lang="en-US" dirty="0"/>
-              <a:t>allows testing conditions and executing different steps depending on the outcome</a:t>
-            </a:r>
-          </a:p>
-          <a:p>
-            <a:pPr>
-              <a:spcBef>
-                <a:spcPts val="600"/>
-              </a:spcBef>
-              <a:spcAft>
-                <a:spcPts val="0"/>
-              </a:spcAft>
-              <a:buFont typeface="Arial" panose="020B0604020202020204" pitchFamily="34" charset="0"/>
-              <a:buChar char="•"/>
-            </a:pPr>
-            <a:endParaRPr lang="en-US" dirty="0"/>
+                <a:latin typeface="Rockwell" panose="02060603020205020403" pitchFamily="18" charset="0"/>
+              </a:rPr>
+              <a:t> = </a:t>
+            </a:r>
+            <a:r>
+              <a:rPr lang="en-US" b="1" dirty="0" err="1">
+                <a:latin typeface="Rockwell" panose="02060603020205020403" pitchFamily="18" charset="0"/>
+              </a:rPr>
+              <a:t>int</a:t>
+            </a:r>
+            <a:r>
+              <a:rPr lang="en-US" b="1" dirty="0">
+                <a:latin typeface="Rockwell" panose="02060603020205020403" pitchFamily="18" charset="0"/>
+              </a:rPr>
+              <a:t>(input('Enter number of credits: ‘))</a:t>
+            </a:r>
+          </a:p>
+          <a:p>
+            <a:pPr>
+              <a:spcBef>
+                <a:spcPts val="600"/>
+              </a:spcBef>
+              <a:spcAft>
+                <a:spcPts val="0"/>
+              </a:spcAft>
+            </a:pPr>
+            <a:endParaRPr lang="en-US" b="1" dirty="0">
+              <a:latin typeface="Rockwell" panose="02060603020205020403" pitchFamily="18" charset="0"/>
+            </a:endParaRPr>
+          </a:p>
+          <a:p>
+            <a:pPr>
+              <a:spcBef>
+                <a:spcPts val="600"/>
+              </a:spcBef>
+              <a:spcAft>
+                <a:spcPts val="0"/>
+              </a:spcAft>
+            </a:pPr>
+            <a:r>
+              <a:rPr lang="en-US" b="1" dirty="0">
+                <a:latin typeface="Rockwell" panose="02060603020205020403" pitchFamily="18" charset="0"/>
+              </a:rPr>
+              <a:t>if </a:t>
+            </a:r>
+            <a:r>
+              <a:rPr lang="en-US" b="1" dirty="0" err="1">
+                <a:latin typeface="Rockwell" panose="02060603020205020403" pitchFamily="18" charset="0"/>
+              </a:rPr>
+              <a:t>numCredits</a:t>
+            </a:r>
+            <a:r>
+              <a:rPr lang="en-US" b="1" dirty="0">
+                <a:latin typeface="Rockwell" panose="02060603020205020403" pitchFamily="18" charset="0"/>
+              </a:rPr>
+              <a:t> &lt; 12:</a:t>
+            </a:r>
+          </a:p>
+          <a:p>
+            <a:pPr>
+              <a:spcBef>
+                <a:spcPts val="600"/>
+              </a:spcBef>
+              <a:spcAft>
+                <a:spcPts val="0"/>
+              </a:spcAft>
+            </a:pPr>
+            <a:r>
+              <a:rPr lang="en-US" b="1" dirty="0">
+                <a:latin typeface="Rockwell" panose="02060603020205020403" pitchFamily="18" charset="0"/>
+              </a:rPr>
+              <a:t>    cost = </a:t>
+            </a:r>
+            <a:r>
+              <a:rPr lang="en-US" b="1" dirty="0" err="1">
+                <a:latin typeface="Rockwell" panose="02060603020205020403" pitchFamily="18" charset="0"/>
+              </a:rPr>
+              <a:t>numCredits</a:t>
+            </a:r>
+            <a:r>
+              <a:rPr lang="en-US" b="1" dirty="0">
+                <a:latin typeface="Rockwell" panose="02060603020205020403" pitchFamily="18" charset="0"/>
+              </a:rPr>
+              <a:t>*600</a:t>
+            </a:r>
+          </a:p>
+          <a:p>
+            <a:pPr>
+              <a:spcBef>
+                <a:spcPts val="600"/>
+              </a:spcBef>
+              <a:spcAft>
+                <a:spcPts val="0"/>
+              </a:spcAft>
+            </a:pPr>
+            <a:r>
+              <a:rPr lang="en-US" b="1" dirty="0">
+                <a:latin typeface="Rockwell" panose="02060603020205020403" pitchFamily="18" charset="0"/>
+              </a:rPr>
+              <a:t>    print('A student taking ' + </a:t>
+            </a:r>
+            <a:r>
+              <a:rPr lang="en-US" b="1" dirty="0" err="1">
+                <a:latin typeface="Rockwell" panose="02060603020205020403" pitchFamily="18" charset="0"/>
+              </a:rPr>
+              <a:t>str</a:t>
+            </a:r>
+            <a:r>
+              <a:rPr lang="en-US" b="1" dirty="0">
+                <a:latin typeface="Rockwell" panose="02060603020205020403" pitchFamily="18" charset="0"/>
+              </a:rPr>
+              <a:t>(</a:t>
+            </a:r>
+            <a:r>
+              <a:rPr lang="en-US" b="1" dirty="0" err="1">
+                <a:latin typeface="Rockwell" panose="02060603020205020403" pitchFamily="18" charset="0"/>
+              </a:rPr>
+              <a:t>numCredits</a:t>
+            </a:r>
+            <a:r>
+              <a:rPr lang="en-US" b="1" dirty="0">
+                <a:latin typeface="Rockwell" panose="02060603020205020403" pitchFamily="18" charset="0"/>
+              </a:rPr>
+              <a:t>) +</a:t>
+            </a:r>
+          </a:p>
+          <a:p>
+            <a:pPr>
+              <a:spcBef>
+                <a:spcPts val="600"/>
+              </a:spcBef>
+              <a:spcAft>
+                <a:spcPts val="0"/>
+              </a:spcAft>
+            </a:pPr>
+            <a:r>
+              <a:rPr lang="en-US" b="1" dirty="0">
+                <a:latin typeface="Rockwell" panose="02060603020205020403" pitchFamily="18" charset="0"/>
+              </a:rPr>
+              <a:t>              ' credits is part-time and will pay $’ +</a:t>
+            </a:r>
+          </a:p>
+          <a:p>
+            <a:pPr>
+              <a:spcBef>
+                <a:spcPts val="600"/>
+              </a:spcBef>
+              <a:spcAft>
+                <a:spcPts val="0"/>
+              </a:spcAft>
+            </a:pPr>
+            <a:r>
+              <a:rPr lang="en-US" b="1" dirty="0">
+                <a:latin typeface="Rockwell" panose="02060603020205020403" pitchFamily="18" charset="0"/>
+              </a:rPr>
+              <a:t>              </a:t>
+            </a:r>
+            <a:r>
+              <a:rPr lang="en-US" b="1" dirty="0" err="1">
+                <a:latin typeface="Rockwell" panose="02060603020205020403" pitchFamily="18" charset="0"/>
+              </a:rPr>
+              <a:t>str</a:t>
+            </a:r>
+            <a:r>
+              <a:rPr lang="en-US" b="1" dirty="0">
+                <a:latin typeface="Rockwell" panose="02060603020205020403" pitchFamily="18" charset="0"/>
+              </a:rPr>
+              <a:t>(cost) + ' in tuition.')</a:t>
+            </a:r>
+          </a:p>
+          <a:p>
+            <a:pPr>
+              <a:spcBef>
+                <a:spcPts val="600"/>
+              </a:spcBef>
+              <a:spcAft>
+                <a:spcPts val="0"/>
+              </a:spcAft>
+            </a:pPr>
+            <a:r>
+              <a:rPr lang="en-US" b="1" dirty="0">
+                <a:latin typeface="Rockwell" panose="02060603020205020403" pitchFamily="18" charset="0"/>
+              </a:rPr>
+              <a:t>else:</a:t>
+            </a:r>
+          </a:p>
+          <a:p>
+            <a:pPr>
+              <a:spcBef>
+                <a:spcPts val="600"/>
+              </a:spcBef>
+              <a:spcAft>
+                <a:spcPts val="0"/>
+              </a:spcAft>
+            </a:pPr>
+            <a:r>
+              <a:rPr lang="en-US" b="1" dirty="0">
+                <a:latin typeface="Rockwell" panose="02060603020205020403" pitchFamily="18" charset="0"/>
+              </a:rPr>
+              <a:t>    print('A student taking ' + </a:t>
+            </a:r>
+            <a:r>
+              <a:rPr lang="en-US" b="1" dirty="0" err="1">
+                <a:latin typeface="Rockwell" panose="02060603020205020403" pitchFamily="18" charset="0"/>
+              </a:rPr>
+              <a:t>str</a:t>
+            </a:r>
+            <a:r>
+              <a:rPr lang="en-US" b="1" dirty="0">
+                <a:latin typeface="Rockwell" panose="02060603020205020403" pitchFamily="18" charset="0"/>
+              </a:rPr>
+              <a:t>(</a:t>
+            </a:r>
+            <a:r>
+              <a:rPr lang="en-US" b="1" dirty="0" err="1">
+                <a:latin typeface="Rockwell" panose="02060603020205020403" pitchFamily="18" charset="0"/>
+              </a:rPr>
+              <a:t>numCredits</a:t>
+            </a:r>
+            <a:r>
+              <a:rPr lang="en-US" b="1" dirty="0">
+                <a:latin typeface="Rockwell" panose="02060603020205020403" pitchFamily="18" charset="0"/>
+              </a:rPr>
+              <a:t>) +</a:t>
+            </a:r>
+          </a:p>
+          <a:p>
+            <a:pPr>
+              <a:spcBef>
+                <a:spcPts val="600"/>
+              </a:spcBef>
+              <a:spcAft>
+                <a:spcPts val="0"/>
+              </a:spcAft>
+            </a:pPr>
+            <a:r>
+              <a:rPr lang="en-US" b="1" dirty="0">
+                <a:latin typeface="Rockwell" panose="02060603020205020403" pitchFamily="18" charset="0"/>
+              </a:rPr>
+              <a:t>              ' credits is full-time and will pay</a:t>
+            </a:r>
+          </a:p>
+          <a:p>
+            <a:pPr>
+              <a:spcBef>
+                <a:spcPts val="600"/>
+              </a:spcBef>
+              <a:spcAft>
+                <a:spcPts val="0"/>
+              </a:spcAft>
+            </a:pPr>
+            <a:r>
+              <a:rPr lang="en-US" b="1" dirty="0">
+                <a:latin typeface="Rockwell" panose="02060603020205020403" pitchFamily="18" charset="0"/>
+              </a:rPr>
+              <a:t>              $5,000 in tuition.')</a:t>
+            </a:r>
+            <a:endParaRPr lang="en-US" dirty="0">
+              <a:latin typeface="Rockwell" panose="02060603020205020403" pitchFamily="18" charset="0"/>
+            </a:endParaRPr>
           </a:p>
         </p:txBody>
       </p:sp>
@@ -10250,8 +9937,16 @@
           <a:lstStyle/>
           <a:p>
             <a:r>
-              <a:rPr lang="en-US"/>
-              <a:t>(c) Arthur Lee, Tony Mione- SUNY Korea - CSE 101</a:t>
+              <a:rPr lang="en-US" dirty="0"/>
+              <a:t>(c) Pravin Pawar, Arthur Lee, Tony </a:t>
+            </a:r>
+            <a:r>
+              <a:rPr lang="en-US" dirty="0" err="1"/>
+              <a:t>Mione</a:t>
+            </a:r>
+            <a:r>
+              <a:rPr lang="en-US" dirty="0"/>
+              <a:t>- SUNY Korea - CSE 101</a:t>
             </a:r>
           </a:p>
         </p:txBody>
@@ -10288,7 +9983,7 @@
     </p:spTree>
     <p:extLst>
       <p:ext uri="{BB962C8B-B14F-4D97-AF65-F5344CB8AC3E}">
-        <p14:creationId xmlns:p14="http://schemas.microsoft.com/office/powerpoint/2010/main" val="948575429"/>
+        <p14:creationId xmlns:p14="http://schemas.microsoft.com/office/powerpoint/2010/main" val="3468840434"/>
       </p:ext>
     </p:extLst>
   </p:cSld>
@@ -10338,7 +10033,7 @@
           <a:p>
             <a:r>
               <a:rPr lang="en-US" dirty="0"/>
-              <a:t>Example: Tuition calculator</a:t>
+              <a:t>Conditional execution</a:t>
             </a:r>
           </a:p>
         </p:txBody>
@@ -10359,9 +10054,16 @@
             <p:ph idx="1"/>
           </p:nvPr>
         </p:nvSpPr>
-        <p:spPr/>
-        <p:txBody>
-          <a:bodyPr/>
+        <p:spPr>
+          <a:xfrm>
+            <a:off x="1097280" y="1845734"/>
+            <a:ext cx="10115204" cy="4023360"/>
+          </a:xfrm>
+        </p:spPr>
+        <p:txBody>
+          <a:bodyPr>
+            <a:normAutofit/>
+          </a:bodyPr>
           <a:lstStyle/>
           <a:p>
             <a:pPr>
@@ -10376,7 +10078,104 @@
             </a:pPr>
             <a:r>
               <a:rPr lang="en-US" dirty="0"/>
-              <a:t>Suppose part-time students (&lt; 12 credits) at a fictional college pay $600 per credit and full-time students pay $5,000 per semester.</a:t>
+              <a:t>if-statements can also appear in functions:</a:t>
+            </a:r>
+          </a:p>
+          <a:p>
+            <a:pPr marL="201168" lvl="1" indent="0">
+              <a:spcBef>
+                <a:spcPts val="600"/>
+              </a:spcBef>
+              <a:spcAft>
+                <a:spcPts val="0"/>
+              </a:spcAft>
+              <a:buNone/>
+            </a:pPr>
+            <a:r>
+              <a:rPr lang="en-US" b="1" dirty="0">
+                <a:latin typeface="Rockwell" panose="02060603020205020403" pitchFamily="18" charset="0"/>
+              </a:rPr>
+              <a:t>    def </a:t>
+            </a:r>
+            <a:r>
+              <a:rPr lang="en-US" b="1" dirty="0" err="1">
+                <a:latin typeface="Rockwell" panose="02060603020205020403" pitchFamily="18" charset="0"/>
+              </a:rPr>
+              <a:t>tax_rate</a:t>
+            </a:r>
+            <a:r>
+              <a:rPr lang="en-US" b="1" dirty="0">
+                <a:latin typeface="Rockwell" panose="02060603020205020403" pitchFamily="18" charset="0"/>
+              </a:rPr>
+              <a:t>(income):</a:t>
+            </a:r>
+          </a:p>
+          <a:p>
+            <a:pPr marL="201168" lvl="1" indent="0">
+              <a:spcBef>
+                <a:spcPts val="600"/>
+              </a:spcBef>
+              <a:spcAft>
+                <a:spcPts val="0"/>
+              </a:spcAft>
+              <a:buNone/>
+            </a:pPr>
+            <a:r>
+              <a:rPr lang="en-US" b="1" dirty="0">
+                <a:latin typeface="Rockwell" panose="02060603020205020403" pitchFamily="18" charset="0"/>
+              </a:rPr>
+              <a:t>        if income &lt; 10000:</a:t>
+            </a:r>
+          </a:p>
+          <a:p>
+            <a:pPr marL="201168" lvl="1" indent="0">
+              <a:spcBef>
+                <a:spcPts val="600"/>
+              </a:spcBef>
+              <a:spcAft>
+                <a:spcPts val="0"/>
+              </a:spcAft>
+              <a:buNone/>
+            </a:pPr>
+            <a:r>
+              <a:rPr lang="en-US" b="1" dirty="0">
+                <a:latin typeface="Rockwell" panose="02060603020205020403" pitchFamily="18" charset="0"/>
+              </a:rPr>
+              <a:t>            return 0.0</a:t>
+            </a:r>
+          </a:p>
+          <a:p>
+            <a:pPr marL="201168" lvl="1" indent="0">
+              <a:spcBef>
+                <a:spcPts val="600"/>
+              </a:spcBef>
+              <a:spcAft>
+                <a:spcPts val="0"/>
+              </a:spcAft>
+              <a:buNone/>
+            </a:pPr>
+            <a:r>
+              <a:rPr lang="en-US" b="1" dirty="0">
+                <a:latin typeface="Rockwell" panose="02060603020205020403" pitchFamily="18" charset="0"/>
+              </a:rPr>
+              <a:t>       else:</a:t>
+            </a:r>
+          </a:p>
+          <a:p>
+            <a:pPr marL="201168" lvl="1" indent="0">
+              <a:spcBef>
+                <a:spcPts val="600"/>
+              </a:spcBef>
+              <a:spcAft>
+                <a:spcPts val="0"/>
+              </a:spcAft>
+              <a:buNone/>
+            </a:pPr>
+            <a:r>
+              <a:rPr lang="en-US" b="1" dirty="0">
+                <a:latin typeface="Rockwell" panose="02060603020205020403" pitchFamily="18" charset="0"/>
+              </a:rPr>
+              <a:t>           return 5.0</a:t>
             </a:r>
           </a:p>
           <a:p>
@@ -10392,18 +10191,130 @@
             </a:pPr>
             <a:r>
               <a:rPr lang="en-US" dirty="0"/>
-              <a:t>Use an if-statement to write a short program that implements this logic</a:t>
-            </a:r>
-          </a:p>
-          <a:p>
-            <a:pPr>
-              <a:spcBef>
-                <a:spcPts val="600"/>
-              </a:spcBef>
-              <a:spcAft>
-                <a:spcPts val="0"/>
-              </a:spcAft>
-            </a:pPr>
+              <a:t>Here, value returned by the function depends on value passed as an argument to the parameter</a:t>
+            </a:r>
+          </a:p>
+          <a:p>
+            <a:pPr>
+              <a:spcBef>
+                <a:spcPts val="600"/>
+              </a:spcBef>
+              <a:spcAft>
+                <a:spcPts val="0"/>
+              </a:spcAft>
+              <a:buFont typeface="Arial" panose="020B0604020202020204" pitchFamily="34" charset="0"/>
+              <a:buChar char="•"/>
+            </a:pPr>
+            <a:r>
+              <a:rPr lang="en-US" dirty="0"/>
+              <a:t>Things to note about the </a:t>
+            </a:r>
+            <a:r>
+              <a:rPr lang="en-US" b="1" dirty="0">
+                <a:latin typeface="Rockwell" panose="02060603020205020403" pitchFamily="18" charset="0"/>
+              </a:rPr>
+              <a:t>if</a:t>
+            </a:r>
+            <a:r>
+              <a:rPr lang="en-US" b="1" dirty="0"/>
+              <a:t> </a:t>
+            </a:r>
+            <a:r>
+              <a:rPr lang="en-US" dirty="0"/>
+              <a:t>statement:</a:t>
+            </a:r>
+          </a:p>
+          <a:p>
+            <a:pPr lvl="1">
+              <a:spcBef>
+                <a:spcPts val="600"/>
+              </a:spcBef>
+              <a:spcAft>
+                <a:spcPts val="0"/>
+              </a:spcAft>
+              <a:buFont typeface="Arial" panose="020B0604020202020204" pitchFamily="34" charset="0"/>
+              <a:buChar char="•"/>
+            </a:pPr>
+            <a:r>
+              <a:rPr lang="en-US" dirty="0"/>
+              <a:t>The words </a:t>
+            </a:r>
+            <a:r>
+              <a:rPr lang="en-US" b="1" dirty="0">
+                <a:latin typeface="Rockwell" panose="02060603020205020403" pitchFamily="18" charset="0"/>
+              </a:rPr>
+              <a:t>if</a:t>
+            </a:r>
+            <a:r>
+              <a:rPr lang="en-US" b="1" dirty="0"/>
+              <a:t> </a:t>
+            </a:r>
+            <a:r>
+              <a:rPr lang="en-US" dirty="0"/>
+              <a:t>and </a:t>
+            </a:r>
+            <a:r>
+              <a:rPr lang="en-US" b="1" dirty="0">
+                <a:latin typeface="Rockwell" panose="02060603020205020403" pitchFamily="18" charset="0"/>
+              </a:rPr>
+              <a:t>else</a:t>
+            </a:r>
+            <a:r>
+              <a:rPr lang="en-US" b="1" dirty="0"/>
+              <a:t> </a:t>
+            </a:r>
+            <a:r>
+              <a:rPr lang="en-US" dirty="0"/>
+              <a:t>are keywords</a:t>
+            </a:r>
+          </a:p>
+          <a:p>
+            <a:pPr lvl="1">
+              <a:spcBef>
+                <a:spcPts val="600"/>
+              </a:spcBef>
+              <a:spcAft>
+                <a:spcPts val="0"/>
+              </a:spcAft>
+              <a:buFont typeface="Arial" panose="020B0604020202020204" pitchFamily="34" charset="0"/>
+              <a:buChar char="•"/>
+            </a:pPr>
+            <a:r>
+              <a:rPr lang="en-US" dirty="0"/>
+              <a:t>There is a </a:t>
+            </a:r>
+            <a:r>
+              <a:rPr lang="en-US" b="1" dirty="0"/>
+              <a:t>colon (:) </a:t>
+            </a:r>
+            <a:r>
+              <a:rPr lang="en-US" dirty="0"/>
+              <a:t>at the end of the if and else </a:t>
+            </a:r>
+            <a:r>
+              <a:rPr lang="en-US" b="1" dirty="0"/>
+              <a:t>clauses</a:t>
+            </a:r>
+          </a:p>
+          <a:p>
+            <a:pPr lvl="1">
+              <a:spcBef>
+                <a:spcPts val="600"/>
+              </a:spcBef>
+              <a:spcAft>
+                <a:spcPts val="0"/>
+              </a:spcAft>
+              <a:buFont typeface="Arial" panose="020B0604020202020204" pitchFamily="34" charset="0"/>
+              <a:buChar char="•"/>
+            </a:pPr>
+            <a:r>
+              <a:rPr lang="en-US" dirty="0"/>
+              <a:t>The statements to be executed are </a:t>
+            </a:r>
+            <a:r>
+              <a:rPr lang="en-US" b="1" dirty="0"/>
+              <a:t>indented</a:t>
+            </a:r>
             <a:endParaRPr lang="en-US" dirty="0"/>
           </a:p>
         </p:txBody>
@@ -10430,8 +10341,16 @@
           <a:lstStyle/>
           <a:p>
             <a:r>
-              <a:rPr lang="en-US"/>
-              <a:t>(c) Arthur Lee, Tony Mione- SUNY Korea - CSE 101</a:t>
+              <a:rPr lang="en-US" dirty="0"/>
+              <a:t>(c) Pravin Pawar, Arthur Lee, Tony </a:t>
+            </a:r>
+            <a:r>
+              <a:rPr lang="en-US" dirty="0" err="1"/>
+              <a:t>Mione</a:t>
+            </a:r>
+            <a:r>
+              <a:rPr lang="en-US" dirty="0"/>
+              <a:t>- SUNY Korea - CSE 101</a:t>
             </a:r>
           </a:p>
         </p:txBody>
@@ -10468,7 +10387,7 @@
     </p:spTree>
     <p:extLst>
       <p:ext uri="{BB962C8B-B14F-4D97-AF65-F5344CB8AC3E}">
-        <p14:creationId xmlns:p14="http://schemas.microsoft.com/office/powerpoint/2010/main" val="3793527445"/>
+        <p14:creationId xmlns:p14="http://schemas.microsoft.com/office/powerpoint/2010/main" val="3175792979"/>
       </p:ext>
     </p:extLst>
   </p:cSld>
@@ -10518,7 +10437,7 @@
           <a:p>
             <a:r>
               <a:rPr lang="en-US" dirty="0"/>
-              <a:t>Example: tuition.py</a:t>
+              <a:t>Multi-way if-statements</a:t>
             </a:r>
           </a:p>
         </p:txBody>
@@ -10553,44 +10472,97 @@
               <a:spcAft>
                 <a:spcPts val="0"/>
               </a:spcAft>
-            </a:pPr>
+              <a:buFont typeface="Arial" panose="020B0604020202020204" pitchFamily="34" charset="0"/>
+              <a:buChar char="•"/>
+            </a:pPr>
+            <a:r>
+              <a:rPr lang="en-US" dirty="0"/>
+              <a:t>When an algorithm needs to choose among more than two alternatives, it can use </a:t>
+            </a:r>
             <a:r>
               <a:rPr lang="en-US" b="1" dirty="0" err="1">
-                <a:latin typeface="Rockwell" panose="02060603020205020403" pitchFamily="18" charset="0"/>
-              </a:rPr>
-              <a:t>numCredits</a:t>
-            </a:r>
+                <a:solidFill>
+                  <a:srgbClr val="0070C0"/>
+                </a:solidFill>
+              </a:rPr>
+              <a:t>elif</a:t>
+            </a:r>
+            <a:r>
+              <a:rPr lang="en-US" b="1" dirty="0"/>
+              <a:t> </a:t>
+            </a:r>
+            <a:r>
+              <a:rPr lang="en-US" dirty="0"/>
+              <a:t>clauses</a:t>
+            </a:r>
+          </a:p>
+          <a:p>
+            <a:pPr>
+              <a:spcBef>
+                <a:spcPts val="600"/>
+              </a:spcBef>
+              <a:spcAft>
+                <a:spcPts val="0"/>
+              </a:spcAft>
+              <a:buFont typeface="Arial" panose="020B0604020202020204" pitchFamily="34" charset="0"/>
+              <a:buChar char="•"/>
+            </a:pPr>
+            <a:r>
+              <a:rPr lang="en-US" b="1" dirty="0" err="1"/>
+              <a:t>elif</a:t>
+            </a:r>
+            <a:r>
+              <a:rPr lang="en-US" b="1" dirty="0"/>
+              <a:t> </a:t>
+            </a:r>
+            <a:r>
+              <a:rPr lang="en-US" dirty="0"/>
+              <a:t>is short for “else if”</a:t>
+            </a:r>
+          </a:p>
+          <a:p>
+            <a:pPr>
+              <a:spcBef>
+                <a:spcPts val="600"/>
+              </a:spcBef>
+              <a:spcAft>
+                <a:spcPts val="0"/>
+              </a:spcAft>
+              <a:buFont typeface="Arial" panose="020B0604020202020204" pitchFamily="34" charset="0"/>
+              <a:buChar char="•"/>
+            </a:pPr>
+            <a:r>
+              <a:rPr lang="en-US" dirty="0"/>
+              <a:t>This function distinguishes between three tax brackets:</a:t>
+            </a:r>
+          </a:p>
+          <a:p>
+            <a:pPr>
+              <a:spcBef>
+                <a:spcPts val="600"/>
+              </a:spcBef>
+              <a:spcAft>
+                <a:spcPts val="0"/>
+              </a:spcAft>
+            </a:pPr>
             <a:r>
               <a:rPr lang="en-US" b="1" dirty="0">
                 <a:latin typeface="Rockwell" panose="02060603020205020403" pitchFamily="18" charset="0"/>
               </a:rPr>
-              <a:t> = </a:t>
+              <a:t>def </a:t>
             </a:r>
             <a:r>
               <a:rPr lang="en-US" b="1" dirty="0" err="1">
                 <a:latin typeface="Rockwell" panose="02060603020205020403" pitchFamily="18" charset="0"/>
               </a:rPr>
-              <a:t>int</a:t>
+              <a:t>marginal_tax_rate</a:t>
             </a:r>
             <a:r>
               <a:rPr lang="en-US" b="1" dirty="0">
                 <a:latin typeface="Rockwell" panose="02060603020205020403" pitchFamily="18" charset="0"/>
               </a:rPr>
-              <a:t>(input('Enter number of credits: ‘))</a:t>
-            </a:r>
-          </a:p>
-          <a:p>
-            <a:pPr>
-              <a:spcBef>
-                <a:spcPts val="600"/>
-              </a:spcBef>
-              <a:spcAft>
-                <a:spcPts val="0"/>
-              </a:spcAft>
-            </a:pPr>
-            <a:endParaRPr lang="en-US" b="1" dirty="0">
-              <a:latin typeface="Rockwell" panose="02060603020205020403" pitchFamily="18" charset="0"/>
-            </a:endParaRPr>
+              <a:t>(income):</a:t>
+            </a:r>
           </a:p>
           <a:p>
             <a:pPr>
@@ -10605,19 +10577,51 @@
               <a:rPr lang="en-US" b="1" dirty="0">
                 <a:latin typeface="Rockwell" panose="02060603020205020403" pitchFamily="18" charset="0"/>
               </a:rPr>
-              <a:t>if </a:t>
+              <a:t>    if income &lt; 10000:</a:t>
+            </a:r>
+          </a:p>
+          <a:p>
+            <a:pPr>
+              <a:spcBef>
+                <a:spcPts val="600"/>
+              </a:spcBef>
+              <a:spcAft>
+                <a:spcPts val="0"/>
+              </a:spcAft>
+            </a:pPr>
+            <a:r>
+              <a:rPr lang="en-US" b="1" dirty="0">
+                <a:latin typeface="Rockwell" panose="02060603020205020403" pitchFamily="18" charset="0"/>
+              </a:rPr>
+              <a:t>        return 0.0</a:t>
+            </a:r>
+          </a:p>
+          <a:p>
+            <a:pPr>
+              <a:spcBef>
+                <a:spcPts val="600"/>
+              </a:spcBef>
+              <a:spcAft>
+                <a:spcPts val="0"/>
+              </a:spcAft>
+            </a:pPr>
+            <a:r>
+              <a:rPr lang="en-US" b="1" dirty="0">
+                <a:latin typeface="Rockwell" panose="02060603020205020403" pitchFamily="18" charset="0"/>
+              </a:rPr>
+              <a:t>    </a:t>
             </a:r>
             <a:r>
               <a:rPr lang="en-US" b="1" dirty="0" err="1">
                 <a:latin typeface="Rockwell" panose="02060603020205020403" pitchFamily="18" charset="0"/>
               </a:rPr>
-              <a:t>numCredits</a:t>
+              <a:t>elif</a:t>
             </a:r>
             <a:r>
               <a:rPr lang="en-US" b="1" dirty="0">
                 <a:latin typeface="Rockwell" panose="02060603020205020403" pitchFamily="18" charset="0"/>
               </a:rPr>
-              <a:t> &lt; 12:</a:t>
+              <a:t> income &lt; 20000:</a:t>
             </a:r>
           </a:p>
           <a:p>
@@ -10633,19 +10637,23 @@
               <a:rPr lang="en-US" b="1" dirty="0">
                 <a:latin typeface="Rockwell" panose="02060603020205020403" pitchFamily="18" charset="0"/>
               </a:rPr>
-              <a:t>    cost = </a:t>
-            </a:r>
-            <a:r>
-              <a:rPr lang="en-US" b="1" dirty="0" err="1">
-                <a:latin typeface="Rockwell" panose="02060603020205020403" pitchFamily="18" charset="0"/>
-              </a:rPr>
-              <a:t>numCredits</a:t>
-            </a:r>
+              <a:t>        return 5.0</a:t>
+            </a:r>
+          </a:p>
+          <a:p>
+            <a:pPr>
+              <a:spcBef>
+                <a:spcPts val="600"/>
+              </a:spcBef>
+              <a:spcAft>
+                <a:spcPts val="0"/>
+              </a:spcAft>
+            </a:pPr>
             <a:r>
               <a:rPr lang="en-US" b="1" dirty="0">
                 <a:latin typeface="Rockwell" panose="02060603020205020403" pitchFamily="18" charset="0"/>
               </a:rPr>
-              <a:t>*600</a:t>
+              <a:t>    else:</a:t>
             </a:r>
           </a:p>
           <a:p>
@@ -10661,167 +10669,36 @@
               <a:rPr lang="en-US" b="1" dirty="0">
                 <a:latin typeface="Rockwell" panose="02060603020205020403" pitchFamily="18" charset="0"/>
               </a:rPr>
-              <a:t>    print('A student taking ' + </a:t>
-            </a:r>
-            <a:r>
-              <a:rPr lang="en-US" b="1" dirty="0" err="1">
-                <a:latin typeface="Rockwell" panose="02060603020205020403" pitchFamily="18" charset="0"/>
-              </a:rPr>
-              <a:t>str</a:t>
-            </a:r>
-            <a:r>
-              <a:rPr lang="en-US" b="1" dirty="0">
-                <a:latin typeface="Rockwell" panose="02060603020205020403" pitchFamily="18" charset="0"/>
-              </a:rPr>
-              <a:t>(</a:t>
-            </a:r>
-            <a:r>
-              <a:rPr lang="en-US" b="1" dirty="0" err="1">
-                <a:latin typeface="Rockwell" panose="02060603020205020403" pitchFamily="18" charset="0"/>
-              </a:rPr>
-              <a:t>numCredits</a:t>
-            </a:r>
-            <a:r>
-              <a:rPr lang="en-US" b="1" dirty="0">
-                <a:latin typeface="Rockwell" panose="02060603020205020403" pitchFamily="18" charset="0"/>
-              </a:rPr>
-              <a:t>) +</a:t>
-            </a:r>
-          </a:p>
-          <a:p>
-            <a:pPr>
-              <a:spcBef>
-                <a:spcPts val="600"/>
-              </a:spcBef>
-              <a:spcAft>
-                <a:spcPts val="0"/>
-              </a:spcAft>
-            </a:pPr>
-            <a:r>
-              <a:rPr lang="en-US" b="1" dirty="0">
-                <a:latin typeface="Rockwell" panose="02060603020205020403" pitchFamily="18" charset="0"/>
-              </a:rPr>
-              <a:t>              ' credits is part-time and will pay $’ +</a:t>
-            </a:r>
-          </a:p>
-          <a:p>
-            <a:pPr>
-              <a:spcBef>
-                <a:spcPts val="600"/>
-              </a:spcBef>
-              <a:spcAft>
-                <a:spcPts val="0"/>
-              </a:spcAft>
-            </a:pPr>
-            <a:r>
-              <a:rPr lang="en-US" b="1" dirty="0">
-                <a:latin typeface="Rockwell" panose="02060603020205020403" pitchFamily="18" charset="0"/>
-              </a:rPr>
-              <a:t>              </a:t>
-            </a:r>
-            <a:r>
-              <a:rPr lang="en-US" b="1" dirty="0" err="1">
-                <a:latin typeface="Rockwell" panose="02060603020205020403" pitchFamily="18" charset="0"/>
-              </a:rPr>
-              <a:t>str</a:t>
-            </a:r>
-            <a:r>
-              <a:rPr lang="en-US" b="1" dirty="0">
-                <a:latin typeface="Rockwell" panose="02060603020205020403" pitchFamily="18" charset="0"/>
-              </a:rPr>
-              <a:t>(cost) + ' in tuition.')</a:t>
-            </a:r>
-          </a:p>
-          <a:p>
-            <a:pPr>
-              <a:spcBef>
-                <a:spcPts val="600"/>
-              </a:spcBef>
-              <a:spcAft>
-                <a:spcPts val="0"/>
-              </a:spcAft>
-            </a:pPr>
-            <a:r>
-              <a:rPr lang="en-US" b="1" dirty="0">
-                <a:latin typeface="Rockwell" panose="02060603020205020403" pitchFamily="18" charset="0"/>
-              </a:rPr>
-              <a:t>else:</a:t>
-            </a:r>
-          </a:p>
-          <a:p>
-            <a:pPr>
-              <a:spcBef>
-                <a:spcPts val="600"/>
-              </a:spcBef>
-              <a:spcAft>
-                <a:spcPts val="0"/>
-              </a:spcAft>
-            </a:pPr>
-            <a:r>
-              <a:rPr lang="en-US" b="1" dirty="0">
-                <a:latin typeface="Rockwell" panose="02060603020205020403" pitchFamily="18" charset="0"/>
-              </a:rPr>
-              <a:t>    print('A student taking ' + </a:t>
-            </a:r>
-            <a:r>
-              <a:rPr lang="en-US" b="1" dirty="0" err="1">
-                <a:latin typeface="Rockwell" panose="02060603020205020403" pitchFamily="18" charset="0"/>
-              </a:rPr>
-              <a:t>str</a:t>
-            </a:r>
-            <a:r>
-              <a:rPr lang="en-US" b="1" dirty="0">
-                <a:latin typeface="Rockwell" panose="02060603020205020403" pitchFamily="18" charset="0"/>
-              </a:rPr>
-              <a:t>(</a:t>
-            </a:r>
-            <a:r>
-              <a:rPr lang="en-US" b="1" dirty="0" err="1">
-                <a:latin typeface="Rockwell" panose="02060603020205020403" pitchFamily="18" charset="0"/>
-              </a:rPr>
-              <a:t>numCredits</a:t>
-            </a:r>
-            <a:r>
-              <a:rPr lang="en-US" b="1" dirty="0">
-                <a:latin typeface="Rockwell" panose="02060603020205020403" pitchFamily="18" charset="0"/>
-              </a:rPr>
-              <a:t>) +</a:t>
-            </a:r>
-          </a:p>
-          <a:p>
-            <a:pPr>
-              <a:spcBef>
-                <a:spcPts val="600"/>
-              </a:spcBef>
-              <a:spcAft>
-                <a:spcPts val="0"/>
-              </a:spcAft>
-            </a:pPr>
-            <a:r>
-              <a:rPr lang="en-US" b="1" dirty="0">
-                <a:latin typeface="Rockwell" panose="02060603020205020403" pitchFamily="18" charset="0"/>
-              </a:rPr>
-              <a:t>              ' credits is full-time and will pay</a:t>
-            </a:r>
-          </a:p>
-          <a:p>
-            <a:pPr>
-              <a:spcBef>
-                <a:spcPts val="600"/>
-              </a:spcBef>
-              <a:spcAft>
-                <a:spcPts val="0"/>
-              </a:spcAft>
-            </a:pPr>
-            <a:r>
-              <a:rPr lang="en-US" b="1" dirty="0">
-                <a:latin typeface="Rockwell" panose="02060603020205020403" pitchFamily="18" charset="0"/>
-              </a:rPr>
-              <a:t>              $5,000 in tuition.')</a:t>
-            </a:r>
-            <a:endParaRPr lang="en-US" dirty="0">
-              <a:latin typeface="Rockwell" panose="02060603020205020403" pitchFamily="18" charset="0"/>
-            </a:endParaRPr>
+              <a:t>        return 7.0</a:t>
+            </a:r>
+          </a:p>
+          <a:p>
+            <a:pPr>
+              <a:spcBef>
+                <a:spcPts val="600"/>
+              </a:spcBef>
+              <a:spcAft>
+                <a:spcPts val="0"/>
+              </a:spcAft>
+              <a:buFont typeface="Arial" panose="020B0604020202020204" pitchFamily="34" charset="0"/>
+              <a:buChar char="•"/>
+            </a:pPr>
+            <a:r>
+              <a:rPr lang="en-US" dirty="0"/>
+              <a:t>Can use as many </a:t>
+            </a:r>
+            <a:r>
+              <a:rPr lang="en-US" b="1" dirty="0" err="1"/>
+              <a:t>elif</a:t>
+            </a:r>
+            <a:r>
+              <a:rPr lang="en-US" b="1" dirty="0"/>
+              <a:t> </a:t>
+            </a:r>
+            <a:r>
+              <a:rPr lang="en-US" dirty="0"/>
+              <a:t>parts as needed</a:t>
+            </a:r>
           </a:p>
         </p:txBody>
       </p:sp>
@@ -10847,8 +10724,16 @@
           <a:lstStyle/>
           <a:p>
             <a:r>
-              <a:rPr lang="en-US"/>
-              <a:t>(c) Arthur Lee, Tony Mione- SUNY Korea - CSE 101</a:t>
+              <a:rPr lang="en-US" dirty="0"/>
+              <a:t>(c) Pravin Pawar, Arthur Lee, Tony </a:t>
+            </a:r>
+            <a:r>
+              <a:rPr lang="en-US" dirty="0" err="1"/>
+              <a:t>Mione</a:t>
+            </a:r>
+            <a:r>
+              <a:rPr lang="en-US" dirty="0"/>
+              <a:t>- SUNY Korea - CSE 101</a:t>
             </a:r>
           </a:p>
         </p:txBody>
@@ -10885,7 +10770,7 @@
     </p:spTree>
     <p:extLst>
       <p:ext uri="{BB962C8B-B14F-4D97-AF65-F5344CB8AC3E}">
-        <p14:creationId xmlns:p14="http://schemas.microsoft.com/office/powerpoint/2010/main" val="3468840434"/>
+        <p14:creationId xmlns:p14="http://schemas.microsoft.com/office/powerpoint/2010/main" val="570120910"/>
       </p:ext>
     </p:extLst>
   </p:cSld>
@@ -10935,7 +10820,7 @@
           <a:p>
             <a:r>
               <a:rPr lang="en-US" dirty="0"/>
-              <a:t>Conditional execution</a:t>
+              <a:t>Boolean expressions</a:t>
             </a:r>
           </a:p>
         </p:txBody>
@@ -10956,16 +10841,9 @@
             <p:ph idx="1"/>
           </p:nvPr>
         </p:nvSpPr>
-        <p:spPr>
-          <a:xfrm>
-            <a:off x="1097280" y="1845734"/>
-            <a:ext cx="10115204" cy="4023360"/>
-          </a:xfrm>
-        </p:spPr>
-        <p:txBody>
-          <a:bodyPr>
-            <a:normAutofit/>
-          </a:bodyPr>
+        <p:spPr/>
+        <p:txBody>
+          <a:bodyPr/>
           <a:lstStyle/>
           <a:p>
             <a:pPr>
@@ -10980,104 +10858,35 @@
             </a:pPr>
             <a:r>
               <a:rPr lang="en-US" dirty="0"/>
-              <a:t>if-statements can also appear in functions:</a:t>
-            </a:r>
-          </a:p>
-          <a:p>
-            <a:pPr marL="201168" lvl="1" indent="0">
-              <a:spcBef>
-                <a:spcPts val="600"/>
-              </a:spcBef>
-              <a:spcAft>
-                <a:spcPts val="0"/>
-              </a:spcAft>
-              <a:buNone/>
-            </a:pPr>
+              <a:t>The expressions inside </a:t>
+            </a:r>
             <a:r>
               <a:rPr lang="en-US" b="1" dirty="0">
                 <a:latin typeface="Rockwell" panose="02060603020205020403" pitchFamily="18" charset="0"/>
               </a:rPr>
-              <a:t>    def </a:t>
+              <a:t>if</a:t>
+            </a:r>
+            <a:r>
+              <a:rPr lang="en-US" b="1" dirty="0"/>
+              <a:t> </a:t>
+            </a:r>
+            <a:r>
+              <a:rPr lang="en-US" dirty="0"/>
+              <a:t>and </a:t>
             </a:r>
             <a:r>
               <a:rPr lang="en-US" b="1" dirty="0" err="1">
                 <a:latin typeface="Rockwell" panose="02060603020205020403" pitchFamily="18" charset="0"/>
               </a:rPr>
-              <a:t>tax_rate</a:t>
-            </a:r>
-            <a:r>
-              <a:rPr lang="en-US" b="1" dirty="0">
-                <a:latin typeface="Rockwell" panose="02060603020205020403" pitchFamily="18" charset="0"/>
-              </a:rPr>
-              <a:t>(income):</a:t>
-            </a:r>
-          </a:p>
-          <a:p>
-            <a:pPr marL="201168" lvl="1" indent="0">
-              <a:spcBef>
-                <a:spcPts val="600"/>
-              </a:spcBef>
-              <a:spcAft>
-                <a:spcPts val="0"/>
-              </a:spcAft>
-              <a:buNone/>
-            </a:pPr>
-            <a:r>
-              <a:rPr lang="en-US" b="1" dirty="0">
-                <a:latin typeface="Rockwell" panose="02060603020205020403" pitchFamily="18" charset="0"/>
-              </a:rPr>
-              <a:t>        if income &lt; 10000:</a:t>
-            </a:r>
-          </a:p>
-          <a:p>
-            <a:pPr marL="201168" lvl="1" indent="0">
-              <a:spcBef>
-                <a:spcPts val="600"/>
-              </a:spcBef>
-              <a:spcAft>
-                <a:spcPts val="0"/>
-              </a:spcAft>
-              <a:buNone/>
-            </a:pPr>
-            <a:r>
-              <a:rPr lang="en-US" b="1" dirty="0">
-                <a:latin typeface="Rockwell" panose="02060603020205020403" pitchFamily="18" charset="0"/>
-              </a:rPr>
-              <a:t>            return 0.0</a:t>
-            </a:r>
-          </a:p>
-          <a:p>
-            <a:pPr marL="201168" lvl="1" indent="0">
-              <a:spcBef>
-                <a:spcPts val="600"/>
-              </a:spcBef>
-              <a:spcAft>
-                <a:spcPts val="0"/>
-              </a:spcAft>
-              <a:buNone/>
-            </a:pPr>
-            <a:r>
-              <a:rPr lang="en-US" b="1" dirty="0">
-                <a:latin typeface="Rockwell" panose="02060603020205020403" pitchFamily="18" charset="0"/>
-              </a:rPr>
-              <a:t>       else:</a:t>
-            </a:r>
-          </a:p>
-          <a:p>
-            <a:pPr marL="201168" lvl="1" indent="0">
-              <a:spcBef>
-                <a:spcPts val="600"/>
-              </a:spcBef>
-              <a:spcAft>
-                <a:spcPts val="0"/>
-              </a:spcAft>
-              <a:buNone/>
-            </a:pPr>
-            <a:r>
-              <a:rPr lang="en-US" b="1" dirty="0">
-                <a:latin typeface="Rockwell" panose="02060603020205020403" pitchFamily="18" charset="0"/>
-              </a:rPr>
-              <a:t>           return 5.0</a:t>
+              <a:t>elif</a:t>
+            </a:r>
+            <a:r>
+              <a:rPr lang="en-US" b="1" dirty="0"/>
+              <a:t> </a:t>
+            </a:r>
+            <a:r>
+              <a:rPr lang="en-US" dirty="0"/>
+              <a:t>statements are special kinds of expressions</a:t>
             </a:r>
           </a:p>
           <a:p>
@@ -11093,7 +10902,27 @@
             </a:pPr>
             <a:r>
               <a:rPr lang="en-US" dirty="0"/>
-              <a:t>Here, value returned by the function depends on value passed as an argument to the parameter</a:t>
+              <a:t>The result of these expressions is either </a:t>
+            </a:r>
+            <a:r>
+              <a:rPr lang="en-US" b="1" dirty="0">
+                <a:latin typeface="Rockwell" panose="02060603020205020403" pitchFamily="18" charset="0"/>
+              </a:rPr>
+              <a:t>True</a:t>
+            </a:r>
+            <a:r>
+              <a:rPr lang="en-US" b="1" dirty="0"/>
+              <a:t> </a:t>
+            </a:r>
+            <a:r>
+              <a:rPr lang="en-US" dirty="0"/>
+              <a:t>or </a:t>
+            </a:r>
+            <a:r>
+              <a:rPr lang="en-US" b="1" dirty="0">
+                <a:latin typeface="Rockwell" panose="02060603020205020403" pitchFamily="18" charset="0"/>
+              </a:rPr>
+              <a:t>False</a:t>
             </a:r>
           </a:p>
           <a:p>
@@ -11109,13 +10938,13 @@
             </a:pPr>
             <a:r>
               <a:rPr lang="en-US" dirty="0"/>
-              <a:t>Things to note about the </a:t>
+              <a:t>An expression that evaluates to </a:t>
             </a:r>
             <a:r>
               <a:rPr lang="en-US" b="1" dirty="0">
                 <a:latin typeface="Rockwell" panose="02060603020205020403" pitchFamily="18" charset="0"/>
               </a:rPr>
-              <a:t>if</a:t>
+              <a:t>True</a:t>
             </a:r>
             <a:r>
               <a:rPr lang="en-US" b="1" dirty="0"/>
@@ -11123,11 +10952,29 @@
             </a:r>
             <a:r>
               <a:rPr lang="en-US" dirty="0"/>
-              <a:t>statement:</a:t>
-            </a:r>
-          </a:p>
-          <a:p>
-            <a:pPr lvl="1">
+              <a:t>or </a:t>
+            </a:r>
+            <a:r>
+              <a:rPr lang="en-US" b="1" dirty="0">
+                <a:latin typeface="Rockwell" panose="02060603020205020403" pitchFamily="18" charset="0"/>
+              </a:rPr>
+              <a:t>False</a:t>
+            </a:r>
+            <a:r>
+              <a:rPr lang="en-US" b="1" dirty="0"/>
+              <a:t> </a:t>
+            </a:r>
+            <a:r>
+              <a:rPr lang="en-US" dirty="0"/>
+              <a:t>is called a </a:t>
+            </a:r>
+            <a:r>
+              <a:rPr lang="en-US" b="1" dirty="0"/>
+              <a:t>Boolean expression</a:t>
+            </a:r>
+          </a:p>
+          <a:p>
+            <a:pPr>
               <a:spcBef>
                 <a:spcPts val="600"/>
               </a:spcBef>
@@ -11139,35 +10986,15 @@
             </a:pPr>
             <a:r>
               <a:rPr lang="en-US" dirty="0"/>
-              <a:t>The words </a:t>
-            </a:r>
-            <a:r>
-              <a:rPr lang="en-US" b="1" dirty="0">
-                <a:latin typeface="Rockwell" panose="02060603020205020403" pitchFamily="18" charset="0"/>
-              </a:rPr>
-              <a:t>if</a:t>
+              <a:t>Boolean expressions often involve </a:t>
             </a:r>
             <a:r>
               <a:rPr lang="en-US" b="1" dirty="0"/>
-              <a:t> </a:t>
-            </a:r>
-            <a:r>
-              <a:rPr lang="en-US" dirty="0"/>
-              <a:t>and </a:t>
-            </a:r>
-            <a:r>
-              <a:rPr lang="en-US" b="1" dirty="0">
-                <a:latin typeface="Rockwell" panose="02060603020205020403" pitchFamily="18" charset="0"/>
-              </a:rPr>
-              <a:t>else</a:t>
-            </a:r>
-            <a:r>
-              <a:rPr lang="en-US" b="1" dirty="0"/>
-              <a:t> </a:t>
-            </a:r>
-            <a:r>
-              <a:rPr lang="en-US" dirty="0"/>
-              <a:t>are keywords</a:t>
+              <a:t>relational operators</a:t>
+            </a:r>
+            <a:r>
+              <a:rPr lang="en-US" dirty="0"/>
+              <a:t>:</a:t>
             </a:r>
           </a:p>
           <a:p>
@@ -11183,19 +11010,7 @@
             </a:pPr>
             <a:r>
               <a:rPr lang="en-US" dirty="0"/>
-              <a:t>There is a </a:t>
-            </a:r>
-            <a:r>
-              <a:rPr lang="en-US" b="1" dirty="0"/>
-              <a:t>colon (:) </a:t>
-            </a:r>
-            <a:r>
-              <a:rPr lang="en-US" dirty="0"/>
-              <a:t>at the end of the if and else </a:t>
-            </a:r>
-            <a:r>
-              <a:rPr lang="en-US" b="1" dirty="0"/>
-              <a:t>clauses</a:t>
+              <a:t>equal to / not equal to</a:t>
             </a:r>
           </a:p>
           <a:p>
@@ -11211,12 +11026,34 @@
             </a:pPr>
             <a:r>
               <a:rPr lang="en-US" dirty="0"/>
-              <a:t>The statements to be executed are </a:t>
-            </a:r>
-            <a:r>
-              <a:rPr lang="en-US" b="1" dirty="0"/>
-              <a:t>indented</a:t>
-            </a:r>
+              <a:t>greater than / greater than or equal to</a:t>
+            </a:r>
+          </a:p>
+          <a:p>
+            <a:pPr lvl="1">
+              <a:spcBef>
+                <a:spcPts val="600"/>
+              </a:spcBef>
+              <a:spcAft>
+                <a:spcPts val="0"/>
+              </a:spcAft>
+              <a:buFont typeface="Arial" panose="020B0604020202020204" pitchFamily="34" charset="0"/>
+              <a:buChar char="•"/>
+            </a:pPr>
+            <a:r>
+              <a:rPr lang="en-US" dirty="0"/>
+              <a:t>less than / less than or equal to</a:t>
+            </a:r>
+          </a:p>
+          <a:p>
+            <a:pPr>
+              <a:spcBef>
+                <a:spcPts val="600"/>
+              </a:spcBef>
+              <a:spcAft>
+                <a:spcPts val="0"/>
+              </a:spcAft>
+            </a:pPr>
             <a:endParaRPr lang="en-US" dirty="0"/>
           </a:p>
         </p:txBody>
@@ -11243,8 +11080,16 @@
           <a:lstStyle/>
           <a:p>
             <a:r>
-              <a:rPr lang="en-US"/>
-              <a:t>(c) Arthur Lee, Tony Mione- SUNY Korea - CSE 101</a:t>
+              <a:rPr lang="en-US" dirty="0"/>
+              <a:t>(c) Pravin Pawar, Arthur Lee, Tony </a:t>
+            </a:r>
+            <a:r>
+              <a:rPr lang="en-US" dirty="0" err="1"/>
+              <a:t>Mione</a:t>
+            </a:r>
+            <a:r>
+              <a:rPr lang="en-US" dirty="0"/>
+              <a:t>- SUNY Korea - CSE 101</a:t>
             </a:r>
           </a:p>
         </p:txBody>
@@ -11281,7 +11126,7 @@
     </p:spTree>
     <p:extLst>
       <p:ext uri="{BB962C8B-B14F-4D97-AF65-F5344CB8AC3E}">
-        <p14:creationId xmlns:p14="http://schemas.microsoft.com/office/powerpoint/2010/main" val="3175792979"/>
+        <p14:creationId xmlns:p14="http://schemas.microsoft.com/office/powerpoint/2010/main" val="2731805071"/>
       </p:ext>
     </p:extLst>
   </p:cSld>
@@ -11331,7 +11176,7 @@
           <a:p>
             <a:r>
               <a:rPr lang="en-US" dirty="0"/>
-              <a:t>Multi-way if-statements</a:t>
+              <a:t>Boolean expressions</a:t>
             </a:r>
           </a:p>
         </p:txBody>
@@ -11352,7 +11197,12 @@
             <p:ph idx="1"/>
           </p:nvPr>
         </p:nvSpPr>
-        <p:spPr/>
+        <p:spPr>
+          <a:xfrm>
+            <a:off x="1097280" y="1845734"/>
+            <a:ext cx="10058400" cy="1677642"/>
+          </a:xfrm>
+        </p:spPr>
         <p:txBody>
           <a:bodyPr>
             <a:normAutofit/>
@@ -11366,233 +11216,27 @@
               <a:spcAft>
                 <a:spcPts val="0"/>
               </a:spcAft>
-              <a:buFont typeface="Arial" panose="020B0604020202020204" pitchFamily="34" charset="0"/>
-              <a:buChar char="•"/>
-            </a:pPr>
-            <a:r>
-              <a:rPr lang="en-US" dirty="0"/>
-              <a:t>When an algorithm needs to choose among more than two alternatives, it can use </a:t>
-            </a:r>
-            <a:r>
-              <a:rPr lang="en-US" b="1" dirty="0" err="1">
-                <a:solidFill>
-                  <a:srgbClr val="0070C0"/>
-                </a:solidFill>
-              </a:rPr>
-              <a:t>elif</a:t>
+            </a:pPr>
+            <a:r>
+              <a:rPr lang="en-US" dirty="0"/>
+              <a:t>The notation &gt;= means “greater than or equal to” and is one of six </a:t>
             </a:r>
             <a:r>
               <a:rPr lang="en-US" b="1" dirty="0"/>
-              <a:t> </a:t>
-            </a:r>
-            <a:r>
-              <a:rPr lang="en-US" dirty="0"/>
-              <a:t>clauses</a:t>
-            </a:r>
-          </a:p>
-          <a:p>
-            <a:pPr>
-              <a:spcBef>
-                <a:spcPts val="600"/>
-              </a:spcBef>
-              <a:spcAft>
-                <a:spcPts val="0"/>
-              </a:spcAft>
-              <a:buFont typeface="Arial" panose="020B0604020202020204" pitchFamily="34" charset="0"/>
-              <a:buChar char="•"/>
-            </a:pPr>
-            <a:r>
-              <a:rPr lang="en-US" b="1" dirty="0" err="1"/>
-              <a:t>elif</a:t>
-            </a:r>
-            <a:r>
-              <a:rPr lang="en-US" b="1" dirty="0"/>
-              <a:t> </a:t>
-            </a:r>
-            <a:r>
-              <a:rPr lang="en-US" dirty="0"/>
-              <a:t>is short for “else if”</a:t>
-            </a:r>
-          </a:p>
-          <a:p>
-            <a:pPr>
-              <a:spcBef>
-                <a:spcPts val="600"/>
-              </a:spcBef>
-              <a:spcAft>
-                <a:spcPts val="0"/>
-              </a:spcAft>
-              <a:buFont typeface="Arial" panose="020B0604020202020204" pitchFamily="34" charset="0"/>
-              <a:buChar char="•"/>
-            </a:pPr>
-            <a:r>
-              <a:rPr lang="en-US" dirty="0"/>
-              <a:t>This function distinguishes between three tax brackets:</a:t>
-            </a:r>
-          </a:p>
-          <a:p>
-            <a:pPr>
-              <a:spcBef>
-                <a:spcPts val="600"/>
-              </a:spcBef>
-              <a:spcAft>
-                <a:spcPts val="0"/>
-              </a:spcAft>
-            </a:pPr>
-            <a:r>
-              <a:rPr lang="en-US" b="1" dirty="0">
-                <a:latin typeface="Rockwell" panose="02060603020205020403" pitchFamily="18" charset="0"/>
-              </a:rPr>
-              <a:t>def </a:t>
-            </a:r>
-            <a:r>
-              <a:rPr lang="en-US" b="1" dirty="0" err="1">
-                <a:latin typeface="Rockwell" panose="02060603020205020403" pitchFamily="18" charset="0"/>
-              </a:rPr>
-              <a:t>marginal_tax_rate</a:t>
-            </a:r>
-            <a:r>
-              <a:rPr lang="en-US" b="1" dirty="0">
-                <a:latin typeface="Rockwell" panose="02060603020205020403" pitchFamily="18" charset="0"/>
-              </a:rPr>
-              <a:t>(income):</a:t>
-            </a:r>
-          </a:p>
-          <a:p>
-            <a:pPr>
-              <a:spcBef>
-                <a:spcPts val="600"/>
-              </a:spcBef>
-              <a:spcAft>
-                <a:spcPts val="0"/>
-              </a:spcAft>
-            </a:pPr>
-            <a:r>
-              <a:rPr lang="en-US" b="1" dirty="0">
-                <a:latin typeface="Rockwell" panose="02060603020205020403" pitchFamily="18" charset="0"/>
-              </a:rPr>
-              <a:t>    if income &lt; 10000:</a:t>
-            </a:r>
-          </a:p>
-          <a:p>
-            <a:pPr>
-              <a:spcBef>
-                <a:spcPts val="600"/>
-              </a:spcBef>
-              <a:spcAft>
-                <a:spcPts val="0"/>
-              </a:spcAft>
-            </a:pPr>
-            <a:r>
-              <a:rPr lang="en-US" b="1" dirty="0">
-                <a:latin typeface="Rockwell" panose="02060603020205020403" pitchFamily="18" charset="0"/>
-              </a:rPr>
-              <a:t>        return 0.0</a:t>
-            </a:r>
-          </a:p>
-          <a:p>
-            <a:pPr>
-              <a:spcBef>
-                <a:spcPts val="600"/>
-              </a:spcBef>
-              <a:spcAft>
-                <a:spcPts val="0"/>
-              </a:spcAft>
-            </a:pPr>
-            <a:r>
-              <a:rPr lang="en-US" b="1" dirty="0">
-                <a:latin typeface="Rockwell" panose="02060603020205020403" pitchFamily="18" charset="0"/>
-              </a:rPr>
-              <a:t>    </a:t>
-            </a:r>
-            <a:r>
-              <a:rPr lang="en-US" b="1" dirty="0" err="1">
-                <a:latin typeface="Rockwell" panose="02060603020205020403" pitchFamily="18" charset="0"/>
-              </a:rPr>
-              <a:t>elif</a:t>
-            </a:r>
-            <a:r>
-              <a:rPr lang="en-US" b="1" dirty="0">
-                <a:latin typeface="Rockwell" panose="02060603020205020403" pitchFamily="18" charset="0"/>
-              </a:rPr>
-              <a:t> income &lt; 20000:</a:t>
-            </a:r>
-          </a:p>
-          <a:p>
-            <a:pPr>
-              <a:spcBef>
-                <a:spcPts val="600"/>
-              </a:spcBef>
-              <a:spcAft>
-                <a:spcPts val="0"/>
-              </a:spcAft>
-            </a:pPr>
-            <a:r>
-              <a:rPr lang="en-US" b="1" dirty="0">
-                <a:latin typeface="Rockwell" panose="02060603020205020403" pitchFamily="18" charset="0"/>
-              </a:rPr>
-              <a:t>        return 5.0</a:t>
-            </a:r>
-          </a:p>
-          <a:p>
-            <a:pPr>
-              <a:spcBef>
-                <a:spcPts val="600"/>
-              </a:spcBef>
-              <a:spcAft>
-                <a:spcPts val="0"/>
-              </a:spcAft>
-            </a:pPr>
-            <a:r>
-              <a:rPr lang="en-US" b="1" dirty="0">
-                <a:latin typeface="Rockwell" panose="02060603020205020403" pitchFamily="18" charset="0"/>
-              </a:rPr>
-              <a:t>    else:</a:t>
-            </a:r>
-          </a:p>
-          <a:p>
-            <a:pPr>
-              <a:spcBef>
-                <a:spcPts val="600"/>
-              </a:spcBef>
-              <a:spcAft>
-                <a:spcPts val="0"/>
-              </a:spcAft>
-            </a:pPr>
-            <a:r>
-              <a:rPr lang="en-US" b="1" dirty="0">
-                <a:latin typeface="Rockwell" panose="02060603020205020403" pitchFamily="18" charset="0"/>
-              </a:rPr>
-              <a:t>        return 7.0</a:t>
-            </a:r>
-          </a:p>
-          <a:p>
-            <a:pPr>
-              <a:spcBef>
-                <a:spcPts val="600"/>
-              </a:spcBef>
-              <a:spcAft>
-                <a:spcPts val="0"/>
-              </a:spcAft>
-              <a:buFont typeface="Arial" panose="020B0604020202020204" pitchFamily="34" charset="0"/>
-              <a:buChar char="•"/>
-            </a:pPr>
-            <a:r>
-              <a:rPr lang="en-US" dirty="0"/>
-              <a:t>Can use as many </a:t>
-            </a:r>
-            <a:r>
-              <a:rPr lang="en-US" b="1" dirty="0" err="1"/>
-              <a:t>elif</a:t>
-            </a:r>
-            <a:r>
-              <a:rPr lang="en-US" b="1" dirty="0"/>
-              <a:t> </a:t>
-            </a:r>
-            <a:r>
-              <a:rPr lang="en-US" dirty="0"/>
-              <a:t>parts as needed</a:t>
-            </a:r>
+              <a:t>relational operators </a:t>
+            </a:r>
+            <a:r>
+              <a:rPr lang="en-US" dirty="0"/>
+              <a:t>supported by Python:</a:t>
+            </a:r>
+          </a:p>
+          <a:p>
+            <a:pPr>
+              <a:spcBef>
+                <a:spcPts val="600"/>
+              </a:spcBef>
+            </a:pPr>
+            <a:endParaRPr lang="en-US" dirty="0"/>
           </a:p>
         </p:txBody>
       </p:sp>
@@ -11618,8 +11262,16 @@
           <a:lstStyle/>
           <a:p>
             <a:r>
-              <a:rPr lang="en-US"/>
-              <a:t>(c) Arthur Lee, Tony Mione- SUNY Korea - CSE 101</a:t>
+              <a:rPr lang="en-US" dirty="0"/>
+              <a:t>(c) Pravin Pawar, Arthur Lee, Tony </a:t>
+            </a:r>
+            <a:r>
+              <a:rPr lang="en-US" dirty="0" err="1"/>
+              <a:t>Mione</a:t>
+            </a:r>
+            <a:r>
+              <a:rPr lang="en-US" dirty="0"/>
+              <a:t>- SUNY Korea - CSE 101</a:t>
             </a:r>
           </a:p>
         </p:txBody>
@@ -11648,528 +11300,6 @@
             <a:fld id="{DADD426C-F078-4967-9FE7-1015426B2B1F}" type="slidenum">
               <a:rPr lang="en-US" smtClean="0"/>
               <a:t>27</a:t>
-            </a:fld>
-            <a:endParaRPr lang="en-US"/>
-          </a:p>
-        </p:txBody>
-      </p:sp>
-    </p:spTree>
-    <p:extLst>
-      <p:ext uri="{BB962C8B-B14F-4D97-AF65-F5344CB8AC3E}">
-        <p14:creationId xmlns:p14="http://schemas.microsoft.com/office/powerpoint/2010/main" val="570120910"/>
-      </p:ext>
-    </p:extLst>
-  </p:cSld>
-  <p:clrMapOvr>
-    <a:masterClrMapping/>
-  </p:clrMapOvr>
-</p:sld>
-</file>
-
-<file path=ppt/slides/slide28.xml><?xml version="1.0" encoding="utf-8"?>
-<p:sld xmlns:a="http://schemas.openxmlformats.org/drawingml/2006/main" xmlns:r="http://schemas.openxmlformats.org/officeDocument/2006/relationships" xmlns:p="http://schemas.openxmlformats.org/presentationml/2006/main">
-  <p:cSld>
-    <p:spTree>
-      <p:nvGrpSpPr>
-        <p:cNvPr id="1" name=""/>
-        <p:cNvGrpSpPr/>
-        <p:nvPr/>
-      </p:nvGrpSpPr>
-      <p:grpSpPr>
-        <a:xfrm>
-          <a:off x="0" y="0"/>
-          <a:ext cx="0" cy="0"/>
-          <a:chOff x="0" y="0"/>
-          <a:chExt cx="0" cy="0"/>
-        </a:xfrm>
-      </p:grpSpPr>
-      <p:sp>
-        <p:nvSpPr>
-          <p:cNvPr id="2" name="Title 1">
-            <a:extLst>
-              <a:ext uri="{FF2B5EF4-FFF2-40B4-BE49-F238E27FC236}">
-                <a16:creationId xmlns:a16="http://schemas.microsoft.com/office/drawing/2014/main" id="{4B900408-3A2E-4501-B90F-06CB0E7ECF73}"/>
-              </a:ext>
-            </a:extLst>
-          </p:cNvPr>
-          <p:cNvSpPr>
-            <a:spLocks noGrp="1"/>
-          </p:cNvSpPr>
-          <p:nvPr>
-            <p:ph type="title"/>
-          </p:nvPr>
-        </p:nvSpPr>
-        <p:spPr/>
-        <p:txBody>
-          <a:bodyPr/>
-          <a:lstStyle/>
-          <a:p>
-            <a:r>
-              <a:rPr lang="en-US" dirty="0"/>
-              <a:t>Boolean expressions</a:t>
-            </a:r>
-          </a:p>
-        </p:txBody>
-      </p:sp>
-      <p:sp>
-        <p:nvSpPr>
-          <p:cNvPr id="3" name="Content Placeholder 2">
-            <a:extLst>
-              <a:ext uri="{FF2B5EF4-FFF2-40B4-BE49-F238E27FC236}">
-                <a16:creationId xmlns:a16="http://schemas.microsoft.com/office/drawing/2014/main" id="{3A6C5FCB-DEA5-4841-A001-A97AABD7A5F3}"/>
-              </a:ext>
-            </a:extLst>
-          </p:cNvPr>
-          <p:cNvSpPr>
-            <a:spLocks noGrp="1"/>
-          </p:cNvSpPr>
-          <p:nvPr>
-            <p:ph idx="1"/>
-          </p:nvPr>
-        </p:nvSpPr>
-        <p:spPr/>
-        <p:txBody>
-          <a:bodyPr/>
-          <a:lstStyle/>
-          <a:p>
-            <a:pPr>
-              <a:spcBef>
-                <a:spcPts val="600"/>
-              </a:spcBef>
-              <a:spcAft>
-                <a:spcPts val="0"/>
-              </a:spcAft>
-              <a:buFont typeface="Arial" panose="020B0604020202020204" pitchFamily="34" charset="0"/>
-              <a:buChar char="•"/>
-            </a:pPr>
-            <a:r>
-              <a:rPr lang="en-US" dirty="0"/>
-              <a:t>The expressions inside </a:t>
-            </a:r>
-            <a:r>
-              <a:rPr lang="en-US" b="1" dirty="0">
-                <a:latin typeface="Rockwell" panose="02060603020205020403" pitchFamily="18" charset="0"/>
-              </a:rPr>
-              <a:t>if</a:t>
-            </a:r>
-            <a:r>
-              <a:rPr lang="en-US" b="1" dirty="0"/>
-              <a:t> </a:t>
-            </a:r>
-            <a:r>
-              <a:rPr lang="en-US" dirty="0"/>
-              <a:t>and </a:t>
-            </a:r>
-            <a:r>
-              <a:rPr lang="en-US" b="1" dirty="0" err="1">
-                <a:latin typeface="Rockwell" panose="02060603020205020403" pitchFamily="18" charset="0"/>
-              </a:rPr>
-              <a:t>elif</a:t>
-            </a:r>
-            <a:r>
-              <a:rPr lang="en-US" b="1" dirty="0"/>
-              <a:t> </a:t>
-            </a:r>
-            <a:r>
-              <a:rPr lang="en-US" dirty="0"/>
-              <a:t>statements are special kinds of expressions</a:t>
-            </a:r>
-          </a:p>
-          <a:p>
-            <a:pPr>
-              <a:spcBef>
-                <a:spcPts val="600"/>
-              </a:spcBef>
-              <a:spcAft>
-                <a:spcPts val="0"/>
-              </a:spcAft>
-              <a:buFont typeface="Arial" panose="020B0604020202020204" pitchFamily="34" charset="0"/>
-              <a:buChar char="•"/>
-            </a:pPr>
-            <a:r>
-              <a:rPr lang="en-US" dirty="0"/>
-              <a:t>The result of these expressions is either </a:t>
-            </a:r>
-            <a:r>
-              <a:rPr lang="en-US" b="1" dirty="0">
-                <a:latin typeface="Rockwell" panose="02060603020205020403" pitchFamily="18" charset="0"/>
-              </a:rPr>
-              <a:t>True</a:t>
-            </a:r>
-            <a:r>
-              <a:rPr lang="en-US" b="1" dirty="0"/>
-              <a:t> </a:t>
-            </a:r>
-            <a:r>
-              <a:rPr lang="en-US" dirty="0"/>
-              <a:t>or </a:t>
-            </a:r>
-            <a:r>
-              <a:rPr lang="en-US" b="1" dirty="0">
-                <a:latin typeface="Rockwell" panose="02060603020205020403" pitchFamily="18" charset="0"/>
-              </a:rPr>
-              <a:t>False</a:t>
-            </a:r>
-          </a:p>
-          <a:p>
-            <a:pPr>
-              <a:spcBef>
-                <a:spcPts val="600"/>
-              </a:spcBef>
-              <a:spcAft>
-                <a:spcPts val="0"/>
-              </a:spcAft>
-              <a:buFont typeface="Arial" panose="020B0604020202020204" pitchFamily="34" charset="0"/>
-              <a:buChar char="•"/>
-            </a:pPr>
-            <a:r>
-              <a:rPr lang="en-US" dirty="0"/>
-              <a:t>An expression that evaluates to </a:t>
-            </a:r>
-            <a:r>
-              <a:rPr lang="en-US" b="1" dirty="0">
-                <a:latin typeface="Rockwell" panose="02060603020205020403" pitchFamily="18" charset="0"/>
-              </a:rPr>
-              <a:t>True</a:t>
-            </a:r>
-            <a:r>
-              <a:rPr lang="en-US" b="1" dirty="0"/>
-              <a:t> </a:t>
-            </a:r>
-            <a:r>
-              <a:rPr lang="en-US" dirty="0"/>
-              <a:t>or </a:t>
-            </a:r>
-            <a:r>
-              <a:rPr lang="en-US" b="1" dirty="0">
-                <a:latin typeface="Rockwell" panose="02060603020205020403" pitchFamily="18" charset="0"/>
-              </a:rPr>
-              <a:t>False</a:t>
-            </a:r>
-            <a:r>
-              <a:rPr lang="en-US" b="1" dirty="0"/>
-              <a:t> </a:t>
-            </a:r>
-            <a:r>
-              <a:rPr lang="en-US" dirty="0"/>
-              <a:t>is called a </a:t>
-            </a:r>
-            <a:r>
-              <a:rPr lang="en-US" b="1" dirty="0"/>
-              <a:t>Boolean expression</a:t>
-            </a:r>
-          </a:p>
-          <a:p>
-            <a:pPr>
-              <a:spcBef>
-                <a:spcPts val="600"/>
-              </a:spcBef>
-              <a:spcAft>
-                <a:spcPts val="0"/>
-              </a:spcAft>
-              <a:buFont typeface="Arial" panose="020B0604020202020204" pitchFamily="34" charset="0"/>
-              <a:buChar char="•"/>
-            </a:pPr>
-            <a:r>
-              <a:rPr lang="en-US" dirty="0"/>
-              <a:t>Boolean expressions often involve </a:t>
-            </a:r>
-            <a:r>
-              <a:rPr lang="en-US" b="1" dirty="0"/>
-              <a:t>relational operators</a:t>
-            </a:r>
-            <a:r>
-              <a:rPr lang="en-US" dirty="0"/>
-              <a:t>:</a:t>
-            </a:r>
-          </a:p>
-          <a:p>
-            <a:pPr lvl="1">
-              <a:spcBef>
-                <a:spcPts val="600"/>
-              </a:spcBef>
-              <a:spcAft>
-                <a:spcPts val="0"/>
-              </a:spcAft>
-              <a:buFont typeface="Arial" panose="020B0604020202020204" pitchFamily="34" charset="0"/>
-              <a:buChar char="•"/>
-            </a:pPr>
-            <a:r>
-              <a:rPr lang="en-US" dirty="0"/>
-              <a:t>equal to / not equal to</a:t>
-            </a:r>
-          </a:p>
-          <a:p>
-            <a:pPr lvl="1">
-              <a:spcBef>
-                <a:spcPts val="600"/>
-              </a:spcBef>
-              <a:spcAft>
-                <a:spcPts val="0"/>
-              </a:spcAft>
-              <a:buFont typeface="Arial" panose="020B0604020202020204" pitchFamily="34" charset="0"/>
-              <a:buChar char="•"/>
-            </a:pPr>
-            <a:r>
-              <a:rPr lang="en-US" dirty="0"/>
-              <a:t>greater than / greater than or equal to</a:t>
-            </a:r>
-          </a:p>
-          <a:p>
-            <a:pPr lvl="1">
-              <a:spcBef>
-                <a:spcPts val="600"/>
-              </a:spcBef>
-              <a:spcAft>
-                <a:spcPts val="0"/>
-              </a:spcAft>
-              <a:buFont typeface="Arial" panose="020B0604020202020204" pitchFamily="34" charset="0"/>
-              <a:buChar char="•"/>
-            </a:pPr>
-            <a:r>
-              <a:rPr lang="en-US" dirty="0"/>
-              <a:t>less than / less than or equal to</a:t>
-            </a:r>
-          </a:p>
-          <a:p>
-            <a:pPr>
-              <a:spcBef>
-                <a:spcPts val="600"/>
-              </a:spcBef>
-              <a:spcAft>
-                <a:spcPts val="0"/>
-              </a:spcAft>
-            </a:pPr>
-            <a:endParaRPr lang="en-US" dirty="0"/>
-          </a:p>
-        </p:txBody>
-      </p:sp>
-      <p:sp>
-        <p:nvSpPr>
-          <p:cNvPr id="4" name="Footer Placeholder 3">
-            <a:extLst>
-              <a:ext uri="{FF2B5EF4-FFF2-40B4-BE49-F238E27FC236}">
-                <a16:creationId xmlns:a16="http://schemas.microsoft.com/office/drawing/2014/main" id="{68184694-51DA-4051-A276-D93A36F4FACE}"/>
-              </a:ext>
-            </a:extLst>
-          </p:cNvPr>
-          <p:cNvSpPr>
-            <a:spLocks noGrp="1"/>
-          </p:cNvSpPr>
-          <p:nvPr>
-            <p:ph type="ftr" sz="quarter" idx="11"/>
-          </p:nvPr>
-        </p:nvSpPr>
-        <p:spPr/>
-        <p:txBody>
-          <a:bodyPr/>
-          <a:lstStyle/>
-          <a:p>
-            <a:r>
-              <a:rPr lang="en-US"/>
-              <a:t>(c) Arthur Lee, Tony Mione- SUNY Korea - CSE 101</a:t>
-            </a:r>
-          </a:p>
-        </p:txBody>
-      </p:sp>
-      <p:sp>
-        <p:nvSpPr>
-          <p:cNvPr id="5" name="Slide Number Placeholder 4">
-            <a:extLst>
-              <a:ext uri="{FF2B5EF4-FFF2-40B4-BE49-F238E27FC236}">
-                <a16:creationId xmlns:a16="http://schemas.microsoft.com/office/drawing/2014/main" id="{16E9A468-5BAF-43E3-89AC-06FC9FCA005C}"/>
-              </a:ext>
-            </a:extLst>
-          </p:cNvPr>
-          <p:cNvSpPr>
-            <a:spLocks noGrp="1"/>
-          </p:cNvSpPr>
-          <p:nvPr>
-            <p:ph type="sldNum" sz="quarter" idx="12"/>
-          </p:nvPr>
-        </p:nvSpPr>
-        <p:spPr/>
-        <p:txBody>
-          <a:bodyPr/>
-          <a:lstStyle/>
-          <a:p>
-            <a:fld id="{DADD426C-F078-4967-9FE7-1015426B2B1F}" type="slidenum">
-              <a:rPr lang="en-US" smtClean="0"/>
-              <a:t>28</a:t>
-            </a:fld>
-            <a:endParaRPr lang="en-US"/>
-          </a:p>
-        </p:txBody>
-      </p:sp>
-    </p:spTree>
-    <p:extLst>
-      <p:ext uri="{BB962C8B-B14F-4D97-AF65-F5344CB8AC3E}">
-        <p14:creationId xmlns:p14="http://schemas.microsoft.com/office/powerpoint/2010/main" val="2731805071"/>
-      </p:ext>
-    </p:extLst>
-  </p:cSld>
-  <p:clrMapOvr>
-    <a:masterClrMapping/>
-  </p:clrMapOvr>
-</p:sld>
-</file>
-
-<file path=ppt/slides/slide29.xml><?xml version="1.0" encoding="utf-8"?>
-<p:sld xmlns:a="http://schemas.openxmlformats.org/drawingml/2006/main" xmlns:r="http://schemas.openxmlformats.org/officeDocument/2006/relationships" xmlns:p="http://schemas.openxmlformats.org/presentationml/2006/main">
-  <p:cSld>
-    <p:spTree>
-      <p:nvGrpSpPr>
-        <p:cNvPr id="1" name=""/>
-        <p:cNvGrpSpPr/>
-        <p:nvPr/>
-      </p:nvGrpSpPr>
-      <p:grpSpPr>
-        <a:xfrm>
-          <a:off x="0" y="0"/>
-          <a:ext cx="0" cy="0"/>
-          <a:chOff x="0" y="0"/>
-          <a:chExt cx="0" cy="0"/>
-        </a:xfrm>
-      </p:grpSpPr>
-      <p:sp>
-        <p:nvSpPr>
-          <p:cNvPr id="2" name="Title 1">
-            <a:extLst>
-              <a:ext uri="{FF2B5EF4-FFF2-40B4-BE49-F238E27FC236}">
-                <a16:creationId xmlns:a16="http://schemas.microsoft.com/office/drawing/2014/main" id="{4B900408-3A2E-4501-B90F-06CB0E7ECF73}"/>
-              </a:ext>
-            </a:extLst>
-          </p:cNvPr>
-          <p:cNvSpPr>
-            <a:spLocks noGrp="1"/>
-          </p:cNvSpPr>
-          <p:nvPr>
-            <p:ph type="title"/>
-          </p:nvPr>
-        </p:nvSpPr>
-        <p:spPr/>
-        <p:txBody>
-          <a:bodyPr/>
-          <a:lstStyle/>
-          <a:p>
-            <a:r>
-              <a:rPr lang="en-US" dirty="0"/>
-              <a:t>Boolean expressions</a:t>
-            </a:r>
-          </a:p>
-        </p:txBody>
-      </p:sp>
-      <p:sp>
-        <p:nvSpPr>
-          <p:cNvPr id="3" name="Content Placeholder 2">
-            <a:extLst>
-              <a:ext uri="{FF2B5EF4-FFF2-40B4-BE49-F238E27FC236}">
-                <a16:creationId xmlns:a16="http://schemas.microsoft.com/office/drawing/2014/main" id="{3A6C5FCB-DEA5-4841-A001-A97AABD7A5F3}"/>
-              </a:ext>
-            </a:extLst>
-          </p:cNvPr>
-          <p:cNvSpPr>
-            <a:spLocks noGrp="1"/>
-          </p:cNvSpPr>
-          <p:nvPr>
-            <p:ph idx="1"/>
-          </p:nvPr>
-        </p:nvSpPr>
-        <p:spPr>
-          <a:xfrm>
-            <a:off x="1097280" y="1845734"/>
-            <a:ext cx="10058400" cy="1677642"/>
-          </a:xfrm>
-        </p:spPr>
-        <p:txBody>
-          <a:bodyPr>
-            <a:normAutofit/>
-          </a:bodyPr>
-          <a:lstStyle/>
-          <a:p>
-            <a:pPr>
-              <a:spcBef>
-                <a:spcPts val="600"/>
-              </a:spcBef>
-              <a:spcAft>
-                <a:spcPts val="0"/>
-              </a:spcAft>
-            </a:pPr>
-            <a:r>
-              <a:rPr lang="en-US" dirty="0"/>
-              <a:t>The notation &gt;= means “greater than or equal to” and is one of six </a:t>
-            </a:r>
-            <a:r>
-              <a:rPr lang="en-US" b="1" dirty="0"/>
-              <a:t>relational operators </a:t>
-            </a:r>
-            <a:r>
-              <a:rPr lang="en-US" dirty="0"/>
-              <a:t>supported by Python:</a:t>
-            </a:r>
-          </a:p>
-          <a:p>
-            <a:pPr>
-              <a:spcBef>
-                <a:spcPts val="600"/>
-              </a:spcBef>
-            </a:pPr>
-            <a:endParaRPr lang="en-US" dirty="0"/>
-          </a:p>
-        </p:txBody>
-      </p:sp>
-      <p:sp>
-        <p:nvSpPr>
-          <p:cNvPr id="4" name="Footer Placeholder 3">
-            <a:extLst>
-              <a:ext uri="{FF2B5EF4-FFF2-40B4-BE49-F238E27FC236}">
-                <a16:creationId xmlns:a16="http://schemas.microsoft.com/office/drawing/2014/main" id="{68184694-51DA-4051-A276-D93A36F4FACE}"/>
-              </a:ext>
-            </a:extLst>
-          </p:cNvPr>
-          <p:cNvSpPr>
-            <a:spLocks noGrp="1"/>
-          </p:cNvSpPr>
-          <p:nvPr>
-            <p:ph type="ftr" sz="quarter" idx="11"/>
-          </p:nvPr>
-        </p:nvSpPr>
-        <p:spPr/>
-        <p:txBody>
-          <a:bodyPr/>
-          <a:lstStyle/>
-          <a:p>
-            <a:r>
-              <a:rPr lang="en-US"/>
-              <a:t>(c) Arthur Lee, Tony Mione- SUNY Korea - CSE 101</a:t>
-            </a:r>
-          </a:p>
-        </p:txBody>
-      </p:sp>
-      <p:sp>
-        <p:nvSpPr>
-          <p:cNvPr id="5" name="Slide Number Placeholder 4">
-            <a:extLst>
-              <a:ext uri="{FF2B5EF4-FFF2-40B4-BE49-F238E27FC236}">
-                <a16:creationId xmlns:a16="http://schemas.microsoft.com/office/drawing/2014/main" id="{16E9A468-5BAF-43E3-89AC-06FC9FCA005C}"/>
-              </a:ext>
-            </a:extLst>
-          </p:cNvPr>
-          <p:cNvSpPr>
-            <a:spLocks noGrp="1"/>
-          </p:cNvSpPr>
-          <p:nvPr>
-            <p:ph type="sldNum" sz="quarter" idx="12"/>
-          </p:nvPr>
-        </p:nvSpPr>
-        <p:spPr/>
-        <p:txBody>
-          <a:bodyPr/>
-          <a:lstStyle/>
-          <a:p>
-            <a:fld id="{DADD426C-F078-4967-9FE7-1015426B2B1F}" type="slidenum">
-              <a:rPr lang="en-US" smtClean="0"/>
-              <a:t>29</a:t>
             </a:fld>
             <a:endParaRPr lang="en-US"/>
           </a:p>
@@ -12609,6 +11739,784 @@
 </p:sld>
 </file>
 
+<file path=ppt/slides/slide28.xml><?xml version="1.0" encoding="utf-8"?>
+<p:sld xmlns:a="http://schemas.openxmlformats.org/drawingml/2006/main" xmlns:r="http://schemas.openxmlformats.org/officeDocument/2006/relationships" xmlns:p="http://schemas.openxmlformats.org/presentationml/2006/main">
+  <p:cSld>
+    <p:spTree>
+      <p:nvGrpSpPr>
+        <p:cNvPr id="1" name=""/>
+        <p:cNvGrpSpPr/>
+        <p:nvPr/>
+      </p:nvGrpSpPr>
+      <p:grpSpPr>
+        <a:xfrm>
+          <a:off x="0" y="0"/>
+          <a:ext cx="0" cy="0"/>
+          <a:chOff x="0" y="0"/>
+          <a:chExt cx="0" cy="0"/>
+        </a:xfrm>
+      </p:grpSpPr>
+      <p:sp>
+        <p:nvSpPr>
+          <p:cNvPr id="2" name="Title 1">
+            <a:extLst>
+              <a:ext uri="{FF2B5EF4-FFF2-40B4-BE49-F238E27FC236}">
+                <a16:creationId xmlns:a16="http://schemas.microsoft.com/office/drawing/2014/main" id="{4B900408-3A2E-4501-B90F-06CB0E7ECF73}"/>
+              </a:ext>
+            </a:extLst>
+          </p:cNvPr>
+          <p:cNvSpPr>
+            <a:spLocks noGrp="1"/>
+          </p:cNvSpPr>
+          <p:nvPr>
+            <p:ph type="title"/>
+          </p:nvPr>
+        </p:nvSpPr>
+        <p:spPr/>
+        <p:txBody>
+          <a:bodyPr/>
+          <a:lstStyle/>
+          <a:p>
+            <a:r>
+              <a:rPr lang="en-US" dirty="0"/>
+              <a:t>Example: Overtime calculator</a:t>
+            </a:r>
+          </a:p>
+        </p:txBody>
+      </p:sp>
+      <p:sp>
+        <p:nvSpPr>
+          <p:cNvPr id="3" name="Content Placeholder 2">
+            <a:extLst>
+              <a:ext uri="{FF2B5EF4-FFF2-40B4-BE49-F238E27FC236}">
+                <a16:creationId xmlns:a16="http://schemas.microsoft.com/office/drawing/2014/main" id="{3A6C5FCB-DEA5-4841-A001-A97AABD7A5F3}"/>
+              </a:ext>
+            </a:extLst>
+          </p:cNvPr>
+          <p:cNvSpPr>
+            <a:spLocks noGrp="1"/>
+          </p:cNvSpPr>
+          <p:nvPr>
+            <p:ph idx="1"/>
+          </p:nvPr>
+        </p:nvSpPr>
+        <p:spPr/>
+        <p:txBody>
+          <a:bodyPr>
+            <a:normAutofit/>
+          </a:bodyPr>
+          <a:lstStyle/>
+          <a:p>
+            <a:pPr>
+              <a:spcBef>
+                <a:spcPts val="600"/>
+              </a:spcBef>
+              <a:spcAft>
+                <a:spcPts val="0"/>
+              </a:spcAft>
+              <a:buFont typeface="Arial" panose="020B0604020202020204" pitchFamily="34" charset="0"/>
+              <a:buChar char="•"/>
+            </a:pPr>
+            <a:r>
+              <a:rPr lang="en-US" dirty="0"/>
+              <a:t>Someone who works more than 40 hours a week is entitled to “time-and-a-half” overtime pay</a:t>
+            </a:r>
+          </a:p>
+          <a:p>
+            <a:pPr>
+              <a:spcBef>
+                <a:spcPts val="600"/>
+              </a:spcBef>
+              <a:spcAft>
+                <a:spcPts val="0"/>
+              </a:spcAft>
+              <a:buFont typeface="Arial" panose="020B0604020202020204" pitchFamily="34" charset="0"/>
+              <a:buChar char="•"/>
+            </a:pPr>
+            <a:r>
+              <a:rPr lang="en-US" dirty="0"/>
+              <a:t>How can the following be determined?</a:t>
+            </a:r>
+          </a:p>
+          <a:p>
+            <a:pPr marL="544068" lvl="1" indent="-342900">
+              <a:spcBef>
+                <a:spcPts val="600"/>
+              </a:spcBef>
+              <a:spcAft>
+                <a:spcPts val="0"/>
+              </a:spcAft>
+              <a:buFont typeface="+mj-lt"/>
+              <a:buAutoNum type="arabicPeriod"/>
+            </a:pPr>
+            <a:r>
+              <a:rPr lang="en-US" dirty="0"/>
+              <a:t>Whether or not an employee is entitled to overtime pay</a:t>
+            </a:r>
+          </a:p>
+          <a:p>
+            <a:pPr marL="544068" lvl="1" indent="-342900">
+              <a:spcBef>
+                <a:spcPts val="600"/>
+              </a:spcBef>
+              <a:spcAft>
+                <a:spcPts val="0"/>
+              </a:spcAft>
+              <a:buFont typeface="+mj-lt"/>
+              <a:buAutoNum type="arabicPeriod"/>
+            </a:pPr>
+            <a:r>
+              <a:rPr lang="en-US" dirty="0"/>
+              <a:t>If so, how much?</a:t>
+            </a:r>
+          </a:p>
+          <a:p>
+            <a:pPr>
+              <a:spcBef>
+                <a:spcPts val="600"/>
+              </a:spcBef>
+              <a:spcAft>
+                <a:spcPts val="0"/>
+              </a:spcAft>
+              <a:buFont typeface="Arial" panose="020B0604020202020204" pitchFamily="34" charset="0"/>
+              <a:buChar char="•"/>
+            </a:pPr>
+            <a:r>
+              <a:rPr lang="en-US" dirty="0"/>
+              <a:t>#1 is pretty simple: use an if-statement</a:t>
+            </a:r>
+          </a:p>
+          <a:p>
+            <a:pPr>
+              <a:spcBef>
+                <a:spcPts val="600"/>
+              </a:spcBef>
+              <a:spcAft>
+                <a:spcPts val="0"/>
+              </a:spcAft>
+              <a:buFont typeface="Arial" panose="020B0604020202020204" pitchFamily="34" charset="0"/>
+              <a:buChar char="•"/>
+            </a:pPr>
+            <a:r>
+              <a:rPr lang="en-US" dirty="0"/>
+              <a:t>For #2, a different calculation is required depending on whether employee will earn overtime pay or not</a:t>
+            </a:r>
+          </a:p>
+          <a:p>
+            <a:pPr>
+              <a:spcBef>
+                <a:spcPts val="600"/>
+              </a:spcBef>
+              <a:spcAft>
+                <a:spcPts val="0"/>
+              </a:spcAft>
+              <a:buFont typeface="Arial" panose="020B0604020202020204" pitchFamily="34" charset="0"/>
+              <a:buChar char="•"/>
+            </a:pPr>
+            <a:r>
+              <a:rPr lang="en-US" dirty="0"/>
+              <a:t>Regular pay formula: hourly wage × hours worked</a:t>
+            </a:r>
+          </a:p>
+          <a:p>
+            <a:pPr>
+              <a:spcBef>
+                <a:spcPts val="600"/>
+              </a:spcBef>
+              <a:spcAft>
+                <a:spcPts val="0"/>
+              </a:spcAft>
+              <a:buFont typeface="Arial" panose="020B0604020202020204" pitchFamily="34" charset="0"/>
+              <a:buChar char="•"/>
+            </a:pPr>
+            <a:r>
+              <a:rPr lang="en-US" dirty="0"/>
+              <a:t>The overtime formula has two parts:</a:t>
+            </a:r>
+          </a:p>
+          <a:p>
+            <a:pPr lvl="1">
+              <a:spcBef>
+                <a:spcPts val="600"/>
+              </a:spcBef>
+              <a:spcAft>
+                <a:spcPts val="0"/>
+              </a:spcAft>
+              <a:buFont typeface="Arial" panose="020B0604020202020204" pitchFamily="34" charset="0"/>
+              <a:buChar char="•"/>
+            </a:pPr>
+            <a:r>
+              <a:rPr lang="en-US" dirty="0"/>
+              <a:t>The pay for first 40 hours</a:t>
+            </a:r>
+          </a:p>
+          <a:p>
+            <a:pPr lvl="1">
+              <a:spcBef>
+                <a:spcPts val="600"/>
+              </a:spcBef>
+              <a:spcAft>
+                <a:spcPts val="0"/>
+              </a:spcAft>
+              <a:buFont typeface="Arial" panose="020B0604020202020204" pitchFamily="34" charset="0"/>
+              <a:buChar char="•"/>
+            </a:pPr>
+            <a:r>
+              <a:rPr lang="en-US" dirty="0"/>
+              <a:t>The pay for additional overtime hours</a:t>
+            </a:r>
+          </a:p>
+          <a:p>
+            <a:pPr>
+              <a:spcBef>
+                <a:spcPts val="600"/>
+              </a:spcBef>
+              <a:spcAft>
+                <a:spcPts val="0"/>
+              </a:spcAft>
+              <a:buFont typeface="Arial" panose="020B0604020202020204" pitchFamily="34" charset="0"/>
+              <a:buChar char="•"/>
+            </a:pPr>
+            <a:endParaRPr lang="en-US" dirty="0"/>
+          </a:p>
+        </p:txBody>
+      </p:sp>
+      <p:sp>
+        <p:nvSpPr>
+          <p:cNvPr id="4" name="Footer Placeholder 3">
+            <a:extLst>
+              <a:ext uri="{FF2B5EF4-FFF2-40B4-BE49-F238E27FC236}">
+                <a16:creationId xmlns:a16="http://schemas.microsoft.com/office/drawing/2014/main" id="{68184694-51DA-4051-A276-D93A36F4FACE}"/>
+              </a:ext>
+            </a:extLst>
+          </p:cNvPr>
+          <p:cNvSpPr>
+            <a:spLocks noGrp="1"/>
+          </p:cNvSpPr>
+          <p:nvPr>
+            <p:ph type="ftr" sz="quarter" idx="11"/>
+          </p:nvPr>
+        </p:nvSpPr>
+        <p:spPr/>
+        <p:txBody>
+          <a:bodyPr/>
+          <a:lstStyle/>
+          <a:p>
+            <a:r>
+              <a:rPr lang="en-US" dirty="0"/>
+              <a:t>(c) Pravin Pawar, Arthur Lee, Tony </a:t>
+            </a:r>
+            <a:r>
+              <a:rPr lang="en-US" dirty="0" err="1"/>
+              <a:t>Mione</a:t>
+            </a:r>
+            <a:r>
+              <a:rPr lang="en-US" dirty="0"/>
+              <a:t>- SUNY Korea - CSE 101</a:t>
+            </a:r>
+          </a:p>
+        </p:txBody>
+      </p:sp>
+      <p:sp>
+        <p:nvSpPr>
+          <p:cNvPr id="5" name="Slide Number Placeholder 4">
+            <a:extLst>
+              <a:ext uri="{FF2B5EF4-FFF2-40B4-BE49-F238E27FC236}">
+                <a16:creationId xmlns:a16="http://schemas.microsoft.com/office/drawing/2014/main" id="{16E9A468-5BAF-43E3-89AC-06FC9FCA005C}"/>
+              </a:ext>
+            </a:extLst>
+          </p:cNvPr>
+          <p:cNvSpPr>
+            <a:spLocks noGrp="1"/>
+          </p:cNvSpPr>
+          <p:nvPr>
+            <p:ph type="sldNum" sz="quarter" idx="12"/>
+          </p:nvPr>
+        </p:nvSpPr>
+        <p:spPr/>
+        <p:txBody>
+          <a:bodyPr/>
+          <a:lstStyle/>
+          <a:p>
+            <a:fld id="{DADD426C-F078-4967-9FE7-1015426B2B1F}" type="slidenum">
+              <a:rPr lang="en-US" smtClean="0"/>
+              <a:t>28</a:t>
+            </a:fld>
+            <a:endParaRPr lang="en-US"/>
+          </a:p>
+        </p:txBody>
+      </p:sp>
+    </p:spTree>
+    <p:extLst>
+      <p:ext uri="{BB962C8B-B14F-4D97-AF65-F5344CB8AC3E}">
+        <p14:creationId xmlns:p14="http://schemas.microsoft.com/office/powerpoint/2010/main" val="1105236525"/>
+      </p:ext>
+    </p:extLst>
+  </p:cSld>
+  <p:clrMapOvr>
+    <a:masterClrMapping/>
+  </p:clrMapOvr>
+</p:sld>
+</file>
+
+<file path=ppt/slides/slide29.xml><?xml version="1.0" encoding="utf-8"?>
+<p:sld xmlns:a="http://schemas.openxmlformats.org/drawingml/2006/main" xmlns:r="http://schemas.openxmlformats.org/officeDocument/2006/relationships" xmlns:p="http://schemas.openxmlformats.org/presentationml/2006/main">
+  <p:cSld>
+    <p:spTree>
+      <p:nvGrpSpPr>
+        <p:cNvPr id="1" name=""/>
+        <p:cNvGrpSpPr/>
+        <p:nvPr/>
+      </p:nvGrpSpPr>
+      <p:grpSpPr>
+        <a:xfrm>
+          <a:off x="0" y="0"/>
+          <a:ext cx="0" cy="0"/>
+          <a:chOff x="0" y="0"/>
+          <a:chExt cx="0" cy="0"/>
+        </a:xfrm>
+      </p:grpSpPr>
+      <p:sp>
+        <p:nvSpPr>
+          <p:cNvPr id="2" name="Title 1">
+            <a:extLst>
+              <a:ext uri="{FF2B5EF4-FFF2-40B4-BE49-F238E27FC236}">
+                <a16:creationId xmlns:a16="http://schemas.microsoft.com/office/drawing/2014/main" id="{4B900408-3A2E-4501-B90F-06CB0E7ECF73}"/>
+              </a:ext>
+            </a:extLst>
+          </p:cNvPr>
+          <p:cNvSpPr>
+            <a:spLocks noGrp="1"/>
+          </p:cNvSpPr>
+          <p:nvPr>
+            <p:ph type="title"/>
+          </p:nvPr>
+        </p:nvSpPr>
+        <p:spPr/>
+        <p:txBody>
+          <a:bodyPr/>
+          <a:lstStyle/>
+          <a:p>
+            <a:r>
+              <a:rPr lang="en-US" dirty="0"/>
+              <a:t>Example: paycheck.py</a:t>
+            </a:r>
+          </a:p>
+        </p:txBody>
+      </p:sp>
+      <p:sp>
+        <p:nvSpPr>
+          <p:cNvPr id="3" name="Content Placeholder 2">
+            <a:extLst>
+              <a:ext uri="{FF2B5EF4-FFF2-40B4-BE49-F238E27FC236}">
+                <a16:creationId xmlns:a16="http://schemas.microsoft.com/office/drawing/2014/main" id="{3A6C5FCB-DEA5-4841-A001-A97AABD7A5F3}"/>
+              </a:ext>
+            </a:extLst>
+          </p:cNvPr>
+          <p:cNvSpPr>
+            <a:spLocks noGrp="1"/>
+          </p:cNvSpPr>
+          <p:nvPr>
+            <p:ph idx="1"/>
+          </p:nvPr>
+        </p:nvSpPr>
+        <p:spPr>
+          <a:xfrm>
+            <a:off x="1097280" y="1845733"/>
+            <a:ext cx="10058400" cy="4513121"/>
+          </a:xfrm>
+        </p:spPr>
+        <p:txBody>
+          <a:bodyPr>
+            <a:normAutofit fontScale="92500" lnSpcReduction="20000"/>
+          </a:bodyPr>
+          <a:lstStyle/>
+          <a:p>
+            <a:pPr>
+              <a:spcBef>
+                <a:spcPts val="600"/>
+              </a:spcBef>
+              <a:spcAft>
+                <a:spcPts val="0"/>
+              </a:spcAft>
+            </a:pPr>
+            <a:r>
+              <a:rPr lang="en-US" b="1" dirty="0">
+                <a:latin typeface="Rockwell" panose="02060603020205020403" pitchFamily="18" charset="0"/>
+              </a:rPr>
+              <a:t>def </a:t>
+            </a:r>
+            <a:r>
+              <a:rPr lang="en-US" b="1" dirty="0" err="1">
+                <a:latin typeface="Rockwell" panose="02060603020205020403" pitchFamily="18" charset="0"/>
+              </a:rPr>
+              <a:t>compute_pay</a:t>
+            </a:r>
+            <a:r>
+              <a:rPr lang="en-US" b="1" dirty="0">
+                <a:latin typeface="Rockwell" panose="02060603020205020403" pitchFamily="18" charset="0"/>
+              </a:rPr>
+              <a:t>(hours, wage):</a:t>
+            </a:r>
+          </a:p>
+          <a:p>
+            <a:pPr>
+              <a:spcBef>
+                <a:spcPts val="600"/>
+              </a:spcBef>
+              <a:spcAft>
+                <a:spcPts val="0"/>
+              </a:spcAft>
+            </a:pPr>
+            <a:r>
+              <a:rPr lang="en-US" b="1" dirty="0">
+                <a:latin typeface="Rockwell" panose="02060603020205020403" pitchFamily="18" charset="0"/>
+              </a:rPr>
+              <a:t>    if hours &lt;= 40:</a:t>
+            </a:r>
+          </a:p>
+          <a:p>
+            <a:pPr>
+              <a:spcBef>
+                <a:spcPts val="600"/>
+              </a:spcBef>
+              <a:spcAft>
+                <a:spcPts val="0"/>
+              </a:spcAft>
+            </a:pPr>
+            <a:r>
+              <a:rPr lang="en-US" b="1" dirty="0">
+                <a:latin typeface="Rockwell" panose="02060603020205020403" pitchFamily="18" charset="0"/>
+              </a:rPr>
+              <a:t>        paycheck = hours * wage</a:t>
+            </a:r>
+          </a:p>
+          <a:p>
+            <a:pPr>
+              <a:spcBef>
+                <a:spcPts val="600"/>
+              </a:spcBef>
+              <a:spcAft>
+                <a:spcPts val="0"/>
+              </a:spcAft>
+            </a:pPr>
+            <a:r>
+              <a:rPr lang="en-US" b="1" dirty="0">
+                <a:latin typeface="Rockwell" panose="02060603020205020403" pitchFamily="18" charset="0"/>
+              </a:rPr>
+              <a:t>    else:</a:t>
+            </a:r>
+          </a:p>
+          <a:p>
+            <a:pPr>
+              <a:spcBef>
+                <a:spcPts val="600"/>
+              </a:spcBef>
+              <a:spcAft>
+                <a:spcPts val="0"/>
+              </a:spcAft>
+            </a:pPr>
+            <a:r>
+              <a:rPr lang="en-US" b="1" dirty="0">
+                <a:latin typeface="Rockwell" panose="02060603020205020403" pitchFamily="18" charset="0"/>
+              </a:rPr>
+              <a:t>        paycheck = 40 * wage + (hours - 40) * 1.5 * wage</a:t>
+            </a:r>
+          </a:p>
+          <a:p>
+            <a:pPr>
+              <a:spcBef>
+                <a:spcPts val="600"/>
+              </a:spcBef>
+              <a:spcAft>
+                <a:spcPts val="0"/>
+              </a:spcAft>
+            </a:pPr>
+            <a:r>
+              <a:rPr lang="en-US" b="1" dirty="0">
+                <a:latin typeface="Rockwell" panose="02060603020205020403" pitchFamily="18" charset="0"/>
+              </a:rPr>
+              <a:t>    return paycheck</a:t>
+            </a:r>
+          </a:p>
+          <a:p>
+            <a:pPr>
+              <a:spcBef>
+                <a:spcPts val="600"/>
+              </a:spcBef>
+              <a:spcAft>
+                <a:spcPts val="0"/>
+              </a:spcAft>
+            </a:pPr>
+            <a:endParaRPr lang="en-US" b="1" dirty="0">
+              <a:latin typeface="Rockwell" panose="02060603020205020403" pitchFamily="18" charset="0"/>
+            </a:endParaRPr>
+          </a:p>
+          <a:p>
+            <a:pPr>
+              <a:spcBef>
+                <a:spcPts val="600"/>
+              </a:spcBef>
+              <a:spcAft>
+                <a:spcPts val="0"/>
+              </a:spcAft>
+            </a:pPr>
+            <a:r>
+              <a:rPr lang="en-US" b="1" dirty="0">
+                <a:latin typeface="Rockwell" panose="02060603020205020403" pitchFamily="18" charset="0"/>
+              </a:rPr>
+              <a:t>def main():</a:t>
+            </a:r>
+          </a:p>
+          <a:p>
+            <a:pPr>
+              <a:spcBef>
+                <a:spcPts val="600"/>
+              </a:spcBef>
+              <a:spcAft>
+                <a:spcPts val="0"/>
+              </a:spcAft>
+            </a:pPr>
+            <a:r>
+              <a:rPr lang="en-US" b="1" dirty="0">
+                <a:latin typeface="Rockwell" panose="02060603020205020403" pitchFamily="18" charset="0"/>
+              </a:rPr>
+              <a:t>    </a:t>
+            </a:r>
+            <a:r>
+              <a:rPr lang="en-US" b="1" dirty="0" err="1">
+                <a:latin typeface="Rockwell" panose="02060603020205020403" pitchFamily="18" charset="0"/>
+              </a:rPr>
+              <a:t>hours_worked</a:t>
+            </a:r>
+            <a:r>
+              <a:rPr lang="en-US" b="1" dirty="0">
+                <a:latin typeface="Rockwell" panose="02060603020205020403" pitchFamily="18" charset="0"/>
+              </a:rPr>
+              <a:t> = float(input('Enter # of hours worked: ‘))</a:t>
+            </a:r>
+          </a:p>
+          <a:p>
+            <a:pPr>
+              <a:spcBef>
+                <a:spcPts val="600"/>
+              </a:spcBef>
+              <a:spcAft>
+                <a:spcPts val="0"/>
+              </a:spcAft>
+            </a:pPr>
+            <a:r>
+              <a:rPr lang="en-US" b="1" dirty="0">
+                <a:latin typeface="Rockwell" panose="02060603020205020403" pitchFamily="18" charset="0"/>
+              </a:rPr>
+              <a:t>    </a:t>
+            </a:r>
+            <a:r>
+              <a:rPr lang="en-US" b="1" dirty="0" err="1">
+                <a:latin typeface="Rockwell" panose="02060603020205020403" pitchFamily="18" charset="0"/>
+              </a:rPr>
+              <a:t>hourly_wage</a:t>
+            </a:r>
+            <a:r>
+              <a:rPr lang="en-US" b="1" dirty="0">
+                <a:latin typeface="Rockwell" panose="02060603020205020403" pitchFamily="18" charset="0"/>
+              </a:rPr>
+              <a:t> = float(input('Enter hourly wage: ‘))</a:t>
+            </a:r>
+          </a:p>
+          <a:p>
+            <a:pPr>
+              <a:spcBef>
+                <a:spcPts val="600"/>
+              </a:spcBef>
+              <a:spcAft>
+                <a:spcPts val="0"/>
+              </a:spcAft>
+            </a:pPr>
+            <a:endParaRPr lang="en-US" b="1" dirty="0">
+              <a:latin typeface="Rockwell" panose="02060603020205020403" pitchFamily="18" charset="0"/>
+            </a:endParaRPr>
+          </a:p>
+          <a:p>
+            <a:pPr>
+              <a:spcBef>
+                <a:spcPts val="600"/>
+              </a:spcBef>
+              <a:spcAft>
+                <a:spcPts val="0"/>
+              </a:spcAft>
+            </a:pPr>
+            <a:r>
+              <a:rPr lang="en-US" b="1" dirty="0">
+                <a:latin typeface="Rockwell" panose="02060603020205020403" pitchFamily="18" charset="0"/>
+              </a:rPr>
+              <a:t>    pay = </a:t>
+            </a:r>
+            <a:r>
+              <a:rPr lang="en-US" b="1" dirty="0" err="1">
+                <a:latin typeface="Rockwell" panose="02060603020205020403" pitchFamily="18" charset="0"/>
+              </a:rPr>
+              <a:t>compute_pay</a:t>
+            </a:r>
+            <a:r>
+              <a:rPr lang="en-US" b="1" dirty="0">
+                <a:latin typeface="Rockwell" panose="02060603020205020403" pitchFamily="18" charset="0"/>
+              </a:rPr>
+              <a:t>(</a:t>
+            </a:r>
+            <a:r>
+              <a:rPr lang="en-US" b="1" dirty="0" err="1">
+                <a:latin typeface="Rockwell" panose="02060603020205020403" pitchFamily="18" charset="0"/>
+              </a:rPr>
+              <a:t>hours_worked</a:t>
+            </a:r>
+            <a:r>
+              <a:rPr lang="en-US" b="1" dirty="0">
+                <a:latin typeface="Rockwell" panose="02060603020205020403" pitchFamily="18" charset="0"/>
+              </a:rPr>
+              <a:t>, </a:t>
+            </a:r>
+            <a:r>
+              <a:rPr lang="en-US" b="1" dirty="0" err="1">
+                <a:latin typeface="Rockwell" panose="02060603020205020403" pitchFamily="18" charset="0"/>
+              </a:rPr>
+              <a:t>hourly_wage</a:t>
+            </a:r>
+            <a:r>
+              <a:rPr lang="en-US" b="1" dirty="0">
+                <a:latin typeface="Rockwell" panose="02060603020205020403" pitchFamily="18" charset="0"/>
+              </a:rPr>
+              <a:t>)</a:t>
+            </a:r>
+          </a:p>
+          <a:p>
+            <a:pPr>
+              <a:spcBef>
+                <a:spcPts val="600"/>
+              </a:spcBef>
+              <a:spcAft>
+                <a:spcPts val="0"/>
+              </a:spcAft>
+            </a:pPr>
+            <a:r>
+              <a:rPr lang="en-US" b="1" dirty="0">
+                <a:latin typeface="Rockwell" panose="02060603020205020403" pitchFamily="18" charset="0"/>
+              </a:rPr>
+              <a:t>    print('Your pay is $' + '{:.2f}'.format(pay))</a:t>
+            </a:r>
+          </a:p>
+          <a:p>
+            <a:pPr>
+              <a:spcBef>
+                <a:spcPts val="600"/>
+              </a:spcBef>
+              <a:spcAft>
+                <a:spcPts val="0"/>
+              </a:spcAft>
+            </a:pPr>
+            <a:endParaRPr lang="en-US" b="1" dirty="0">
+              <a:latin typeface="Rockwell" panose="02060603020205020403" pitchFamily="18" charset="0"/>
+            </a:endParaRPr>
+          </a:p>
+          <a:p>
+            <a:pPr>
+              <a:spcBef>
+                <a:spcPts val="600"/>
+              </a:spcBef>
+              <a:spcAft>
+                <a:spcPts val="0"/>
+              </a:spcAft>
+            </a:pPr>
+            <a:r>
+              <a:rPr lang="en-US" b="1" dirty="0">
+                <a:latin typeface="Rockwell" panose="02060603020205020403" pitchFamily="18" charset="0"/>
+              </a:rPr>
+              <a:t>main()</a:t>
+            </a:r>
+            <a:endParaRPr lang="en-US" dirty="0">
+              <a:latin typeface="Rockwell" panose="02060603020205020403" pitchFamily="18" charset="0"/>
+            </a:endParaRPr>
+          </a:p>
+        </p:txBody>
+      </p:sp>
+      <p:sp>
+        <p:nvSpPr>
+          <p:cNvPr id="4" name="Footer Placeholder 3">
+            <a:extLst>
+              <a:ext uri="{FF2B5EF4-FFF2-40B4-BE49-F238E27FC236}">
+                <a16:creationId xmlns:a16="http://schemas.microsoft.com/office/drawing/2014/main" id="{68184694-51DA-4051-A276-D93A36F4FACE}"/>
+              </a:ext>
+            </a:extLst>
+          </p:cNvPr>
+          <p:cNvSpPr>
+            <a:spLocks noGrp="1"/>
+          </p:cNvSpPr>
+          <p:nvPr>
+            <p:ph type="ftr" sz="quarter" idx="11"/>
+          </p:nvPr>
+        </p:nvSpPr>
+        <p:spPr/>
+        <p:txBody>
+          <a:bodyPr/>
+          <a:lstStyle/>
+          <a:p>
+            <a:r>
+              <a:rPr lang="en-US" dirty="0"/>
+              <a:t>(c) Pravin Pawar, Arthur Lee, Tony </a:t>
+            </a:r>
+            <a:r>
+              <a:rPr lang="en-US" dirty="0" err="1"/>
+              <a:t>Mione</a:t>
+            </a:r>
+            <a:r>
+              <a:rPr lang="en-US" dirty="0"/>
+              <a:t>- SUNY Korea - CSE 101</a:t>
+            </a:r>
+          </a:p>
+        </p:txBody>
+      </p:sp>
+      <p:sp>
+        <p:nvSpPr>
+          <p:cNvPr id="5" name="Slide Number Placeholder 4">
+            <a:extLst>
+              <a:ext uri="{FF2B5EF4-FFF2-40B4-BE49-F238E27FC236}">
+                <a16:creationId xmlns:a16="http://schemas.microsoft.com/office/drawing/2014/main" id="{16E9A468-5BAF-43E3-89AC-06FC9FCA005C}"/>
+              </a:ext>
+            </a:extLst>
+          </p:cNvPr>
+          <p:cNvSpPr>
+            <a:spLocks noGrp="1"/>
+          </p:cNvSpPr>
+          <p:nvPr>
+            <p:ph type="sldNum" sz="quarter" idx="12"/>
+          </p:nvPr>
+        </p:nvSpPr>
+        <p:spPr/>
+        <p:txBody>
+          <a:bodyPr/>
+          <a:lstStyle/>
+          <a:p>
+            <a:fld id="{DADD426C-F078-4967-9FE7-1015426B2B1F}" type="slidenum">
+              <a:rPr lang="en-US" smtClean="0"/>
+              <a:t>29</a:t>
+            </a:fld>
+            <a:endParaRPr lang="en-US"/>
+          </a:p>
+        </p:txBody>
+      </p:sp>
+    </p:spTree>
+    <p:extLst>
+      <p:ext uri="{BB962C8B-B14F-4D97-AF65-F5344CB8AC3E}">
+        <p14:creationId xmlns:p14="http://schemas.microsoft.com/office/powerpoint/2010/main" val="1396542637"/>
+      </p:ext>
+    </p:extLst>
+  </p:cSld>
+  <p:clrMapOvr>
+    <a:masterClrMapping/>
+  </p:clrMapOvr>
+</p:sld>
+</file>
+
 <file path=ppt/slides/slide3.xml><?xml version="1.0" encoding="utf-8"?>
 <p:sld xmlns:a="http://schemas.openxmlformats.org/drawingml/2006/main" xmlns:r="http://schemas.openxmlformats.org/officeDocument/2006/relationships" xmlns:p="http://schemas.openxmlformats.org/presentationml/2006/main">
   <p:cSld>
@@ -12897,8 +12805,16 @@
           <a:lstStyle/>
           <a:p>
             <a:r>
-              <a:rPr lang="en-US"/>
-              <a:t>(c) Arthur Lee, Tony Mione- SUNY Korea - CSE 101</a:t>
+              <a:rPr lang="en-US" dirty="0"/>
+              <a:t>(c) Pravin Pawar, Arthur Lee, Tony </a:t>
+            </a:r>
+            <a:r>
+              <a:rPr lang="en-US" dirty="0" err="1"/>
+              <a:t>Mione</a:t>
+            </a:r>
+            <a:r>
+              <a:rPr lang="en-US" dirty="0"/>
+              <a:t>- SUNY Korea - CSE 101</a:t>
             </a:r>
           </a:p>
         </p:txBody>
@@ -12985,7 +12901,7 @@
           <a:p>
             <a:r>
               <a:rPr lang="en-US" dirty="0"/>
-              <a:t>Example: Overtime calculator</a:t>
+              <a:t>Example: Hiring decisions</a:t>
             </a:r>
           </a:p>
         </p:txBody>
@@ -13025,7 +12941,7 @@
             </a:pPr>
             <a:r>
               <a:rPr lang="en-US" dirty="0"/>
-              <a:t>Someone who works more than 40 hours a week is entitled to “time-and-a-half” overtime pay</a:t>
+              <a:t>A hiring manager is trying to decide which candidates to hire</a:t>
             </a:r>
           </a:p>
           <a:p>
@@ -13041,39 +12957,7 @@
             </a:pPr>
             <a:r>
               <a:rPr lang="en-US" dirty="0"/>
-              <a:t>How can the following be determined?</a:t>
-            </a:r>
-          </a:p>
-          <a:p>
-            <a:pPr marL="544068" lvl="1" indent="-342900">
-              <a:spcBef>
-                <a:spcPts val="600"/>
-              </a:spcBef>
-              <a:spcAft>
-                <a:spcPts val="0"/>
-              </a:spcAft>
-              <a:buFont typeface="+mj-lt"/>
-              <a:buAutoNum type="arabicPeriod"/>
-            </a:pPr>
-            <a:r>
-              <a:rPr lang="en-US" dirty="0"/>
-              <a:t>Whether or not an employee is entitled to overtime pay</a:t>
-            </a:r>
-          </a:p>
-          <a:p>
-            <a:pPr marL="544068" lvl="1" indent="-342900">
-              <a:spcBef>
-                <a:spcPts val="600"/>
-              </a:spcBef>
-              <a:spcAft>
-                <a:spcPts val="0"/>
-              </a:spcAft>
-              <a:buFont typeface="+mj-lt"/>
-              <a:buAutoNum type="arabicPeriod"/>
-            </a:pPr>
-            <a:r>
-              <a:rPr lang="en-US" dirty="0"/>
-              <a:t>If so, how much?</a:t>
+              <a:t>Each potential hire is evaluated based on GPA, interview performance, and an aptitude exam</a:t>
             </a:r>
           </a:p>
           <a:p>
@@ -13089,7 +12973,7 @@
             </a:pPr>
             <a:r>
               <a:rPr lang="en-US" dirty="0"/>
-              <a:t>#1 is pretty simple: use an if-statement</a:t>
+              <a:t>A GPA of at least 3.3 is worth 1 point</a:t>
             </a:r>
           </a:p>
           <a:p>
@@ -13105,7 +12989,7 @@
             </a:pPr>
             <a:r>
               <a:rPr lang="en-US" dirty="0"/>
-              <a:t>For #2, a different calculation is required depending on whether employee will earn overtime pay or not</a:t>
+              <a:t>An interview score of 7 or 8 (out of 10) is worth 1 point; a score of 9 or 10 is worth 2 points</a:t>
             </a:r>
           </a:p>
           <a:p>
@@ -13121,7 +13005,7 @@
             </a:pPr>
             <a:r>
               <a:rPr lang="en-US" dirty="0"/>
-              <a:t>Regular pay formula: hourly wage × hours worked</a:t>
+              <a:t>An aptitude test score above 85 is worth 1 point</a:t>
             </a:r>
           </a:p>
           <a:p>
@@ -13137,7 +13021,7 @@
             </a:pPr>
             <a:r>
               <a:rPr lang="en-US" dirty="0"/>
-              <a:t>The overtime formula has two parts:</a:t>
+              <a:t>Hiring decisions are then based on point totals:</a:t>
             </a:r>
           </a:p>
           <a:p>
@@ -13153,7 +13037,7 @@
             </a:pPr>
             <a:r>
               <a:rPr lang="en-US" dirty="0"/>
-              <a:t>The pay for first 40 hours</a:t>
+              <a:t>0, 1 or 2 total points: Not hired</a:t>
             </a:r>
           </a:p>
           <a:p>
@@ -13169,7 +13053,23 @@
             </a:pPr>
             <a:r>
               <a:rPr lang="en-US" dirty="0"/>
-              <a:t>The pay for additional overtime hours</a:t>
+              <a:t>3 total points: hired as a Junior Salesperson</a:t>
+            </a:r>
+          </a:p>
+          <a:p>
+            <a:pPr lvl="1">
+              <a:spcBef>
+                <a:spcPts val="600"/>
+              </a:spcBef>
+              <a:spcAft>
+                <a:spcPts val="0"/>
+              </a:spcAft>
+              <a:buFont typeface="Arial" panose="020B0604020202020204" pitchFamily="34" charset="0"/>
+              <a:buChar char="•"/>
+            </a:pPr>
+            <a:r>
+              <a:rPr lang="en-US" dirty="0"/>
+              <a:t>4 points: hired as a Manager-in-Training</a:t>
             </a:r>
           </a:p>
           <a:p>
@@ -13209,8 +13109,16 @@
           <a:lstStyle/>
           <a:p>
             <a:r>
-              <a:rPr lang="en-US"/>
-              <a:t>(c) Arthur Lee, Tony Mione- SUNY Korea - CSE 101</a:t>
+              <a:rPr lang="en-US" dirty="0"/>
+              <a:t>(c) Pravin Pawar, Arthur Lee, Tony </a:t>
+            </a:r>
+            <a:r>
+              <a:rPr lang="en-US" dirty="0" err="1"/>
+              <a:t>Mione</a:t>
+            </a:r>
+            <a:r>
+              <a:rPr lang="en-US" dirty="0"/>
+              <a:t>- SUNY Korea - CSE 101</a:t>
             </a:r>
           </a:p>
         </p:txBody>
@@ -13247,7 +13155,7 @@
     </p:spTree>
     <p:extLst>
       <p:ext uri="{BB962C8B-B14F-4D97-AF65-F5344CB8AC3E}">
-        <p14:creationId xmlns:p14="http://schemas.microsoft.com/office/powerpoint/2010/main" val="1105236525"/>
+        <p14:creationId xmlns:p14="http://schemas.microsoft.com/office/powerpoint/2010/main" val="4208383245"/>
       </p:ext>
     </p:extLst>
   </p:cSld>
@@ -13297,7 +13205,7 @@
           <a:p>
             <a:r>
               <a:rPr lang="en-US" dirty="0"/>
-              <a:t>Example: paycheck.py</a:t>
+              <a:t>Example: Hiring decisions</a:t>
             </a:r>
           </a:p>
         </p:txBody>
@@ -13318,322 +13226,174 @@
             <p:ph idx="1"/>
           </p:nvPr>
         </p:nvSpPr>
-        <p:spPr>
-          <a:xfrm>
-            <a:off x="1097280" y="1845733"/>
-            <a:ext cx="10058400" cy="4513121"/>
-          </a:xfrm>
-        </p:spPr>
-        <p:txBody>
-          <a:bodyPr>
-            <a:normAutofit fontScale="92500" lnSpcReduction="20000"/>
-          </a:bodyPr>
-          <a:lstStyle/>
-          <a:p>
-            <a:pPr>
-              <a:spcBef>
-                <a:spcPts val="600"/>
-              </a:spcBef>
-              <a:spcAft>
-                <a:spcPts val="0"/>
-              </a:spcAft>
-            </a:pPr>
+        <p:spPr/>
+        <p:txBody>
+          <a:bodyPr/>
+          <a:lstStyle/>
+          <a:p>
+            <a:pPr>
+              <a:spcBef>
+                <a:spcPts val="600"/>
+              </a:spcBef>
+              <a:spcAft>
+                <a:spcPts val="0"/>
+              </a:spcAft>
+              <a:buFont typeface="Arial" panose="020B0604020202020204" pitchFamily="34" charset="0"/>
+              <a:buChar char="•"/>
+            </a:pPr>
+            <a:r>
+              <a:rPr lang="en-US" dirty="0"/>
+              <a:t>Following is a function that takes these three values and returns the hiring decision as a string</a:t>
+            </a:r>
+          </a:p>
+          <a:p>
+            <a:pPr>
+              <a:spcBef>
+                <a:spcPts val="600"/>
+              </a:spcBef>
+              <a:spcAft>
+                <a:spcPts val="0"/>
+              </a:spcAft>
+              <a:buFont typeface="Arial" panose="020B0604020202020204" pitchFamily="34" charset="0"/>
+              <a:buChar char="•"/>
+            </a:pPr>
+            <a:r>
+              <a:rPr lang="en-US" dirty="0"/>
+              <a:t>The following Python capabilities/features will help with this task:</a:t>
+            </a:r>
+          </a:p>
+          <a:p>
+            <a:pPr lvl="1">
+              <a:spcBef>
+                <a:spcPts val="600"/>
+              </a:spcBef>
+              <a:spcAft>
+                <a:spcPts val="0"/>
+              </a:spcAft>
+              <a:buFont typeface="Arial" panose="020B0604020202020204" pitchFamily="34" charset="0"/>
+              <a:buChar char="•"/>
+            </a:pPr>
+            <a:r>
+              <a:rPr lang="en-US" dirty="0"/>
+              <a:t>The </a:t>
+            </a:r>
+            <a:r>
+              <a:rPr lang="en-US" b="1" dirty="0"/>
+              <a:t>+= </a:t>
+            </a:r>
+            <a:r>
+              <a:rPr lang="en-US" dirty="0"/>
+              <a:t>operator can be used to increment a variable by some amount</a:t>
+            </a:r>
+          </a:p>
+          <a:p>
+            <a:pPr lvl="1">
+              <a:spcBef>
+                <a:spcPts val="600"/>
+              </a:spcBef>
+              <a:spcAft>
+                <a:spcPts val="0"/>
+              </a:spcAft>
+              <a:buFont typeface="Arial" panose="020B0604020202020204" pitchFamily="34" charset="0"/>
+              <a:buChar char="•"/>
+            </a:pPr>
+            <a:r>
+              <a:rPr lang="en-US" b="1" dirty="0"/>
+              <a:t>-=</a:t>
+            </a:r>
+            <a:r>
+              <a:rPr lang="en-US" dirty="0"/>
+              <a:t>, </a:t>
+            </a:r>
+            <a:r>
+              <a:rPr lang="en-US" b="1" dirty="0"/>
+              <a:t>*= </a:t>
+            </a:r>
+            <a:r>
+              <a:rPr lang="en-US" dirty="0"/>
+              <a:t>and </a:t>
+            </a:r>
+            <a:r>
+              <a:rPr lang="en-US" b="1" dirty="0"/>
+              <a:t>/= </a:t>
+            </a:r>
+            <a:r>
+              <a:rPr lang="en-US" dirty="0"/>
+              <a:t>also exist and perform analogous operations</a:t>
+            </a:r>
+          </a:p>
+          <a:p>
+            <a:pPr lvl="1">
+              <a:spcBef>
+                <a:spcPts val="600"/>
+              </a:spcBef>
+              <a:spcAft>
+                <a:spcPts val="0"/>
+              </a:spcAft>
+              <a:buFont typeface="Arial" panose="020B0604020202020204" pitchFamily="34" charset="0"/>
+              <a:buChar char="•"/>
+            </a:pPr>
+            <a:r>
+              <a:rPr lang="en-US" dirty="0"/>
+              <a:t>A variable can be used to maintain a tally or running total</a:t>
+            </a:r>
+          </a:p>
+          <a:p>
+            <a:pPr lvl="1">
+              <a:spcBef>
+                <a:spcPts val="600"/>
+              </a:spcBef>
+              <a:spcAft>
+                <a:spcPts val="0"/>
+              </a:spcAft>
+              <a:buFont typeface="Arial" panose="020B0604020202020204" pitchFamily="34" charset="0"/>
+              <a:buChar char="•"/>
+            </a:pPr>
+            <a:r>
+              <a:rPr lang="en-US" dirty="0"/>
+              <a:t>An if-statement can contain </a:t>
+            </a:r>
+            <a:r>
+              <a:rPr lang="en-US" b="1" dirty="0" err="1">
+                <a:latin typeface="Rockwell" panose="02060603020205020403" pitchFamily="18" charset="0"/>
+              </a:rPr>
+              <a:t>elif</a:t>
+            </a:r>
+            <a:r>
+              <a:rPr lang="en-US" b="1" dirty="0"/>
+              <a:t> </a:t>
+            </a:r>
+            <a:r>
+              <a:rPr lang="en-US" dirty="0"/>
+              <a:t>clauses without a final </a:t>
+            </a:r>
             <a:r>
               <a:rPr lang="en-US" b="1" dirty="0">
                 <a:latin typeface="Rockwell" panose="02060603020205020403" pitchFamily="18" charset="0"/>
               </a:rPr>
-              <a:t>def </a:t>
-            </a:r>
-            <a:r>
-              <a:rPr lang="en-US" b="1" dirty="0" err="1">
-                <a:latin typeface="Rockwell" panose="02060603020205020403" pitchFamily="18" charset="0"/>
-              </a:rPr>
-              <a:t>compute_pay</a:t>
-            </a:r>
-            <a:r>
-              <a:rPr lang="en-US" b="1" dirty="0">
-                <a:latin typeface="Rockwell" panose="02060603020205020403" pitchFamily="18" charset="0"/>
-              </a:rPr>
-              <a:t>(hours, wage):</a:t>
-            </a:r>
-          </a:p>
-          <a:p>
-            <a:pPr>
-              <a:spcBef>
-                <a:spcPts val="600"/>
-              </a:spcBef>
-              <a:spcAft>
-                <a:spcPts val="0"/>
-              </a:spcAft>
-            </a:pPr>
-            <a:r>
-              <a:rPr lang="en-US" b="1" dirty="0">
-                <a:latin typeface="Rockwell" panose="02060603020205020403" pitchFamily="18" charset="0"/>
-              </a:rPr>
-              <a:t>    if hours &lt;= 40:</a:t>
-            </a:r>
-          </a:p>
-          <a:p>
-            <a:pPr>
-              <a:spcBef>
-                <a:spcPts val="600"/>
-              </a:spcBef>
-              <a:spcAft>
-                <a:spcPts val="0"/>
-              </a:spcAft>
-            </a:pPr>
-            <a:r>
-              <a:rPr lang="en-US" b="1" dirty="0">
-                <a:latin typeface="Rockwell" panose="02060603020205020403" pitchFamily="18" charset="0"/>
-              </a:rPr>
-              <a:t>        paycheck = hours * wage</a:t>
-            </a:r>
-          </a:p>
-          <a:p>
-            <a:pPr>
-              <a:spcBef>
-                <a:spcPts val="600"/>
-              </a:spcBef>
-              <a:spcAft>
-                <a:spcPts val="0"/>
-              </a:spcAft>
-            </a:pPr>
-            <a:r>
-              <a:rPr lang="en-US" b="1" dirty="0">
-                <a:latin typeface="Rockwell" panose="02060603020205020403" pitchFamily="18" charset="0"/>
-              </a:rPr>
-              <a:t>    else:</a:t>
-            </a:r>
-          </a:p>
-          <a:p>
-            <a:pPr>
-              <a:spcBef>
-                <a:spcPts val="600"/>
-              </a:spcBef>
-              <a:spcAft>
-                <a:spcPts val="0"/>
-              </a:spcAft>
-            </a:pPr>
-            <a:r>
-              <a:rPr lang="en-US" b="1" dirty="0">
-                <a:latin typeface="Rockwell" panose="02060603020205020403" pitchFamily="18" charset="0"/>
-              </a:rPr>
-              <a:t>        paycheck = 40 * wage + (hours - 40) * 1.5 * wage</a:t>
-            </a:r>
-          </a:p>
-          <a:p>
-            <a:pPr>
-              <a:spcBef>
-                <a:spcPts val="600"/>
-              </a:spcBef>
-              <a:spcAft>
-                <a:spcPts val="0"/>
-              </a:spcAft>
-            </a:pPr>
-            <a:r>
-              <a:rPr lang="en-US" b="1" dirty="0">
-                <a:latin typeface="Rockwell" panose="02060603020205020403" pitchFamily="18" charset="0"/>
-              </a:rPr>
-              <a:t>    return paycheck</a:t>
-            </a:r>
-          </a:p>
-          <a:p>
-            <a:pPr>
-              <a:spcBef>
-                <a:spcPts val="600"/>
-              </a:spcBef>
-              <a:spcAft>
-                <a:spcPts val="0"/>
-              </a:spcAft>
-            </a:pPr>
-            <a:endParaRPr lang="en-US" b="1" dirty="0">
-              <a:latin typeface="Rockwell" panose="02060603020205020403" pitchFamily="18" charset="0"/>
-            </a:endParaRPr>
-          </a:p>
-          <a:p>
-            <a:pPr>
-              <a:spcBef>
-                <a:spcPts val="600"/>
-              </a:spcBef>
-              <a:spcAft>
-                <a:spcPts val="0"/>
-              </a:spcAft>
-            </a:pPr>
-            <a:r>
-              <a:rPr lang="en-US" b="1" dirty="0">
-                <a:latin typeface="Rockwell" panose="02060603020205020403" pitchFamily="18" charset="0"/>
-              </a:rPr>
-              <a:t>def main():</a:t>
-            </a:r>
-          </a:p>
-          <a:p>
-            <a:pPr>
-              <a:spcBef>
-                <a:spcPts val="600"/>
-              </a:spcBef>
-              <a:spcAft>
-                <a:spcPts val="0"/>
-              </a:spcAft>
-            </a:pPr>
-            <a:r>
-              <a:rPr lang="en-US" b="1" dirty="0">
-                <a:latin typeface="Rockwell" panose="02060603020205020403" pitchFamily="18" charset="0"/>
-              </a:rPr>
-              <a:t>    </a:t>
-            </a:r>
-            <a:r>
-              <a:rPr lang="en-US" b="1" dirty="0" err="1">
-                <a:latin typeface="Rockwell" panose="02060603020205020403" pitchFamily="18" charset="0"/>
-              </a:rPr>
-              <a:t>hours_worked</a:t>
-            </a:r>
-            <a:r>
-              <a:rPr lang="en-US" b="1" dirty="0">
-                <a:latin typeface="Rockwell" panose="02060603020205020403" pitchFamily="18" charset="0"/>
-              </a:rPr>
-              <a:t> = float(input('Enter # of hours worked: ‘))</a:t>
-            </a:r>
-          </a:p>
-          <a:p>
-            <a:pPr>
-              <a:spcBef>
-                <a:spcPts val="600"/>
-              </a:spcBef>
-              <a:spcAft>
-                <a:spcPts val="0"/>
-              </a:spcAft>
-            </a:pPr>
-            <a:r>
-              <a:rPr lang="en-US" b="1" dirty="0">
-                <a:latin typeface="Rockwell" panose="02060603020205020403" pitchFamily="18" charset="0"/>
-              </a:rPr>
-              <a:t>    </a:t>
-            </a:r>
-            <a:r>
-              <a:rPr lang="en-US" b="1" dirty="0" err="1">
-                <a:latin typeface="Rockwell" panose="02060603020205020403" pitchFamily="18" charset="0"/>
-              </a:rPr>
-              <a:t>hourly_wage</a:t>
-            </a:r>
-            <a:r>
-              <a:rPr lang="en-US" b="1" dirty="0">
-                <a:latin typeface="Rockwell" panose="02060603020205020403" pitchFamily="18" charset="0"/>
-              </a:rPr>
-              <a:t> = float(input('Enter hourly wage: ‘))</a:t>
-            </a:r>
-          </a:p>
-          <a:p>
-            <a:pPr>
-              <a:spcBef>
-                <a:spcPts val="600"/>
-              </a:spcBef>
-              <a:spcAft>
-                <a:spcPts val="0"/>
-              </a:spcAft>
-            </a:pPr>
-            <a:endParaRPr lang="en-US" b="1" dirty="0">
-              <a:latin typeface="Rockwell" panose="02060603020205020403" pitchFamily="18" charset="0"/>
-            </a:endParaRPr>
-          </a:p>
-          <a:p>
-            <a:pPr>
-              <a:spcBef>
-                <a:spcPts val="600"/>
-              </a:spcBef>
-              <a:spcAft>
-                <a:spcPts val="0"/>
-              </a:spcAft>
-            </a:pPr>
-            <a:r>
-              <a:rPr lang="en-US" b="1" dirty="0">
-                <a:latin typeface="Rockwell" panose="02060603020205020403" pitchFamily="18" charset="0"/>
-              </a:rPr>
-              <a:t>    pay = </a:t>
-            </a:r>
-            <a:r>
-              <a:rPr lang="en-US" b="1" dirty="0" err="1">
-                <a:latin typeface="Rockwell" panose="02060603020205020403" pitchFamily="18" charset="0"/>
-              </a:rPr>
-              <a:t>compute_pay</a:t>
-            </a:r>
-            <a:r>
-              <a:rPr lang="en-US" b="1" dirty="0">
-                <a:latin typeface="Rockwell" panose="02060603020205020403" pitchFamily="18" charset="0"/>
-              </a:rPr>
-              <a:t>(</a:t>
-            </a:r>
-            <a:r>
-              <a:rPr lang="en-US" b="1" dirty="0" err="1">
-                <a:latin typeface="Rockwell" panose="02060603020205020403" pitchFamily="18" charset="0"/>
-              </a:rPr>
-              <a:t>hours_worked</a:t>
-            </a:r>
-            <a:r>
-              <a:rPr lang="en-US" b="1" dirty="0">
-                <a:latin typeface="Rockwell" panose="02060603020205020403" pitchFamily="18" charset="0"/>
-              </a:rPr>
-              <a:t>, </a:t>
-            </a:r>
-            <a:r>
-              <a:rPr lang="en-US" b="1" dirty="0" err="1">
-                <a:latin typeface="Rockwell" panose="02060603020205020403" pitchFamily="18" charset="0"/>
-              </a:rPr>
-              <a:t>hourly_wage</a:t>
-            </a:r>
-            <a:r>
-              <a:rPr lang="en-US" b="1" dirty="0">
-                <a:latin typeface="Rockwell" panose="02060603020205020403" pitchFamily="18" charset="0"/>
-              </a:rPr>
-              <a:t>)</a:t>
-            </a:r>
-          </a:p>
-          <a:p>
-            <a:pPr>
-              <a:spcBef>
-                <a:spcPts val="600"/>
-              </a:spcBef>
-              <a:spcAft>
-                <a:spcPts val="0"/>
-              </a:spcAft>
-            </a:pPr>
-            <a:r>
-              <a:rPr lang="en-US" b="1" dirty="0">
-                <a:latin typeface="Rockwell" panose="02060603020205020403" pitchFamily="18" charset="0"/>
-              </a:rPr>
-              <a:t>    print('Your pay is $' + '{:.2f}'.format(pay))</a:t>
-            </a:r>
-          </a:p>
-          <a:p>
-            <a:pPr>
-              <a:spcBef>
-                <a:spcPts val="600"/>
-              </a:spcBef>
-              <a:spcAft>
-                <a:spcPts val="0"/>
-              </a:spcAft>
-            </a:pPr>
-            <a:endParaRPr lang="en-US" b="1" dirty="0">
-              <a:latin typeface="Rockwell" panose="02060603020205020403" pitchFamily="18" charset="0"/>
-            </a:endParaRPr>
-          </a:p>
-          <a:p>
-            <a:pPr>
-              <a:spcBef>
-                <a:spcPts val="600"/>
-              </a:spcBef>
-              <a:spcAft>
-                <a:spcPts val="0"/>
-              </a:spcAft>
-            </a:pPr>
-            <a:r>
-              <a:rPr lang="en-US" b="1" dirty="0">
-                <a:latin typeface="Rockwell" panose="02060603020205020403" pitchFamily="18" charset="0"/>
-              </a:rPr>
-              <a:t>main()</a:t>
-            </a:r>
-            <a:endParaRPr lang="en-US" dirty="0">
-              <a:latin typeface="Rockwell" panose="02060603020205020403" pitchFamily="18" charset="0"/>
-            </a:endParaRPr>
+              <a:t>else</a:t>
+            </a:r>
+            <a:r>
+              <a:rPr lang="en-US" b="1" dirty="0"/>
+              <a:t> </a:t>
+            </a:r>
+            <a:r>
+              <a:rPr lang="en-US" dirty="0"/>
+              <a:t>clause</a:t>
+            </a:r>
+          </a:p>
+          <a:p>
+            <a:pPr>
+              <a:spcBef>
+                <a:spcPts val="600"/>
+              </a:spcBef>
+              <a:spcAft>
+                <a:spcPts val="0"/>
+              </a:spcAft>
+              <a:buFont typeface="Arial" panose="020B0604020202020204" pitchFamily="34" charset="0"/>
+              <a:buChar char="•"/>
+            </a:pPr>
+            <a:endParaRPr lang="en-US" dirty="0"/>
           </a:p>
         </p:txBody>
       </p:sp>
@@ -13659,8 +13419,16 @@
           <a:lstStyle/>
           <a:p>
             <a:r>
-              <a:rPr lang="en-US"/>
-              <a:t>(c) Arthur Lee, Tony Mione- SUNY Korea - CSE 101</a:t>
+              <a:rPr lang="en-US" dirty="0"/>
+              <a:t>(c) Pravin Pawar, Arthur Lee, Tony </a:t>
+            </a:r>
+            <a:r>
+              <a:rPr lang="en-US" dirty="0" err="1"/>
+              <a:t>Mione</a:t>
+            </a:r>
+            <a:r>
+              <a:rPr lang="en-US" dirty="0"/>
+              <a:t>- SUNY Korea - CSE 101</a:t>
             </a:r>
           </a:p>
         </p:txBody>
@@ -13697,7 +13465,7 @@
     </p:spTree>
     <p:extLst>
       <p:ext uri="{BB962C8B-B14F-4D97-AF65-F5344CB8AC3E}">
-        <p14:creationId xmlns:p14="http://schemas.microsoft.com/office/powerpoint/2010/main" val="1396542637"/>
+        <p14:creationId xmlns:p14="http://schemas.microsoft.com/office/powerpoint/2010/main" val="2604368959"/>
       </p:ext>
     </p:extLst>
   </p:cSld>
@@ -13747,7 +13515,7 @@
           <a:p>
             <a:r>
               <a:rPr lang="en-US" dirty="0"/>
-              <a:t>Example: Hiring decisions</a:t>
+              <a:t>Example: hiring.py</a:t>
             </a:r>
           </a:p>
         </p:txBody>
@@ -13768,10 +13536,15 @@
             <p:ph idx="1"/>
           </p:nvPr>
         </p:nvSpPr>
-        <p:spPr/>
+        <p:spPr>
+          <a:xfrm>
+            <a:off x="1097280" y="1845733"/>
+            <a:ext cx="10058400" cy="4496343"/>
+          </a:xfrm>
+        </p:spPr>
         <p:txBody>
           <a:bodyPr>
-            <a:normAutofit/>
+            <a:normAutofit fontScale="62500" lnSpcReduction="20000"/>
           </a:bodyPr>
           <a:lstStyle/>
           <a:p>
@@ -13782,154 +13555,356 @@
               <a:spcAft>
                 <a:spcPts val="0"/>
               </a:spcAft>
-              <a:buFont typeface="Arial" panose="020B0604020202020204" pitchFamily="34" charset="0"/>
-              <a:buChar char="•"/>
-            </a:pPr>
-            <a:r>
-              <a:rPr lang="en-US" dirty="0"/>
-              <a:t>A hiring manager is trying to decide which candidates to hire</a:t>
-            </a:r>
-          </a:p>
-          <a:p>
-            <a:pPr>
-              <a:spcBef>
-                <a:spcPts val="600"/>
-              </a:spcBef>
-              <a:spcAft>
-                <a:spcPts val="0"/>
-              </a:spcAft>
-              <a:buFont typeface="Arial" panose="020B0604020202020204" pitchFamily="34" charset="0"/>
-              <a:buChar char="•"/>
-            </a:pPr>
-            <a:r>
-              <a:rPr lang="en-US" dirty="0"/>
-              <a:t>Each potential hire is evaluated based on GPA, interview performance, and an aptitude exam</a:t>
-            </a:r>
-          </a:p>
-          <a:p>
-            <a:pPr>
-              <a:spcBef>
-                <a:spcPts val="600"/>
-              </a:spcBef>
-              <a:spcAft>
-                <a:spcPts val="0"/>
-              </a:spcAft>
-              <a:buFont typeface="Arial" panose="020B0604020202020204" pitchFamily="34" charset="0"/>
-              <a:buChar char="•"/>
-            </a:pPr>
-            <a:r>
-              <a:rPr lang="en-US" dirty="0"/>
-              <a:t>A GPA of at least 3.3 is worth 1 point</a:t>
-            </a:r>
-          </a:p>
-          <a:p>
-            <a:pPr>
-              <a:spcBef>
-                <a:spcPts val="600"/>
-              </a:spcBef>
-              <a:spcAft>
-                <a:spcPts val="0"/>
-              </a:spcAft>
-              <a:buFont typeface="Arial" panose="020B0604020202020204" pitchFamily="34" charset="0"/>
-              <a:buChar char="•"/>
-            </a:pPr>
-            <a:r>
-              <a:rPr lang="en-US" dirty="0"/>
-              <a:t>An interview score of 7 or 8 (out of 10) is worth 1 point; a score of 9 or 10 is worth 2 points</a:t>
-            </a:r>
-          </a:p>
-          <a:p>
-            <a:pPr>
-              <a:spcBef>
-                <a:spcPts val="600"/>
-              </a:spcBef>
-              <a:spcAft>
-                <a:spcPts val="0"/>
-              </a:spcAft>
-              <a:buFont typeface="Arial" panose="020B0604020202020204" pitchFamily="34" charset="0"/>
-              <a:buChar char="•"/>
-            </a:pPr>
-            <a:r>
-              <a:rPr lang="en-US" dirty="0"/>
-              <a:t>An aptitude test score above 85 is worth 1 point</a:t>
-            </a:r>
-          </a:p>
-          <a:p>
-            <a:pPr>
-              <a:spcBef>
-                <a:spcPts val="600"/>
-              </a:spcBef>
-              <a:spcAft>
-                <a:spcPts val="0"/>
-              </a:spcAft>
-              <a:buFont typeface="Arial" panose="020B0604020202020204" pitchFamily="34" charset="0"/>
-              <a:buChar char="•"/>
-            </a:pPr>
-            <a:r>
-              <a:rPr lang="en-US" dirty="0"/>
-              <a:t>Hiring decisions are then based on point totals:</a:t>
-            </a:r>
-          </a:p>
-          <a:p>
-            <a:pPr lvl="1">
-              <a:spcBef>
-                <a:spcPts val="600"/>
-              </a:spcBef>
-              <a:spcAft>
-                <a:spcPts val="0"/>
-              </a:spcAft>
-              <a:buFont typeface="Arial" panose="020B0604020202020204" pitchFamily="34" charset="0"/>
-              <a:buChar char="•"/>
-            </a:pPr>
-            <a:r>
-              <a:rPr lang="en-US" dirty="0"/>
-              <a:t>0, 1 or 2 total points: Not hired</a:t>
-            </a:r>
-          </a:p>
-          <a:p>
-            <a:pPr lvl="1">
-              <a:spcBef>
-                <a:spcPts val="600"/>
-              </a:spcBef>
-              <a:spcAft>
-                <a:spcPts val="0"/>
-              </a:spcAft>
-              <a:buFont typeface="Arial" panose="020B0604020202020204" pitchFamily="34" charset="0"/>
-              <a:buChar char="•"/>
-            </a:pPr>
-            <a:r>
-              <a:rPr lang="en-US" dirty="0"/>
-              <a:t>3 total points: hired as a Junior Salesperson</a:t>
-            </a:r>
-          </a:p>
-          <a:p>
-            <a:pPr lvl="1">
-              <a:spcBef>
-                <a:spcPts val="600"/>
-              </a:spcBef>
-              <a:spcAft>
-                <a:spcPts val="0"/>
-              </a:spcAft>
-              <a:buFont typeface="Arial" panose="020B0604020202020204" pitchFamily="34" charset="0"/>
-              <a:buChar char="•"/>
-            </a:pPr>
-            <a:r>
-              <a:rPr lang="en-US" dirty="0"/>
-              <a:t>4 points: hired as a Manager-in-Training</a:t>
-            </a:r>
-          </a:p>
-          <a:p>
-            <a:pPr>
-              <a:spcBef>
-                <a:spcPts val="600"/>
-              </a:spcBef>
-              <a:spcAft>
-                <a:spcPts val="0"/>
-              </a:spcAft>
-              <a:buFont typeface="Arial" panose="020B0604020202020204" pitchFamily="34" charset="0"/>
-              <a:buChar char="•"/>
-            </a:pPr>
-            <a:endParaRPr lang="en-US" dirty="0"/>
+            </a:pPr>
+            <a:r>
+              <a:rPr lang="en-US" b="1" dirty="0">
+                <a:latin typeface="Rockwell" panose="02060603020205020403" pitchFamily="18" charset="0"/>
+              </a:rPr>
+              <a:t>def decision(</a:t>
+            </a:r>
+            <a:r>
+              <a:rPr lang="en-US" b="1" dirty="0" err="1">
+                <a:latin typeface="Rockwell" panose="02060603020205020403" pitchFamily="18" charset="0"/>
+              </a:rPr>
+              <a:t>gpa</a:t>
+            </a:r>
+            <a:r>
+              <a:rPr lang="en-US" b="1" dirty="0">
+                <a:latin typeface="Rockwell" panose="02060603020205020403" pitchFamily="18" charset="0"/>
+              </a:rPr>
+              <a:t>, interview, test):</a:t>
+            </a:r>
+          </a:p>
+          <a:p>
+            <a:pPr>
+              <a:spcBef>
+                <a:spcPts val="600"/>
+              </a:spcBef>
+              <a:spcAft>
+                <a:spcPts val="0"/>
+              </a:spcAft>
+            </a:pPr>
+            <a:r>
+              <a:rPr lang="en-US" b="1" dirty="0">
+                <a:latin typeface="Rockwell" panose="02060603020205020403" pitchFamily="18" charset="0"/>
+              </a:rPr>
+              <a:t>    points = 0                    # Point total accumulator</a:t>
+            </a:r>
+          </a:p>
+          <a:p>
+            <a:pPr>
+              <a:spcBef>
+                <a:spcPts val="600"/>
+              </a:spcBef>
+              <a:spcAft>
+                <a:spcPts val="0"/>
+              </a:spcAft>
+            </a:pPr>
+            <a:endParaRPr lang="en-US" b="1" dirty="0">
+              <a:latin typeface="Rockwell" panose="02060603020205020403" pitchFamily="18" charset="0"/>
+            </a:endParaRPr>
+          </a:p>
+          <a:p>
+            <a:pPr>
+              <a:spcBef>
+                <a:spcPts val="600"/>
+              </a:spcBef>
+              <a:spcAft>
+                <a:spcPts val="0"/>
+              </a:spcAft>
+            </a:pPr>
+            <a:r>
+              <a:rPr lang="en-US" b="1" dirty="0">
+                <a:latin typeface="Rockwell" panose="02060603020205020403" pitchFamily="18" charset="0"/>
+              </a:rPr>
+              <a:t>    if </a:t>
+            </a:r>
+            <a:r>
+              <a:rPr lang="en-US" b="1" dirty="0" err="1">
+                <a:latin typeface="Rockwell" panose="02060603020205020403" pitchFamily="18" charset="0"/>
+              </a:rPr>
+              <a:t>gpa</a:t>
+            </a:r>
+            <a:r>
+              <a:rPr lang="en-US" b="1" dirty="0">
+                <a:latin typeface="Rockwell" panose="02060603020205020403" pitchFamily="18" charset="0"/>
+              </a:rPr>
+              <a:t> &gt;= 3.3:</a:t>
+            </a:r>
+          </a:p>
+          <a:p>
+            <a:pPr>
+              <a:spcBef>
+                <a:spcPts val="600"/>
+              </a:spcBef>
+              <a:spcAft>
+                <a:spcPts val="0"/>
+              </a:spcAft>
+            </a:pPr>
+            <a:r>
+              <a:rPr lang="en-US" b="1" dirty="0">
+                <a:latin typeface="Rockwell" panose="02060603020205020403" pitchFamily="18" charset="0"/>
+              </a:rPr>
+              <a:t>        points += 1</a:t>
+            </a:r>
+          </a:p>
+          <a:p>
+            <a:pPr>
+              <a:spcBef>
+                <a:spcPts val="600"/>
+              </a:spcBef>
+              <a:spcAft>
+                <a:spcPts val="0"/>
+              </a:spcAft>
+            </a:pPr>
+            <a:endParaRPr lang="en-US" b="1" dirty="0">
+              <a:latin typeface="Rockwell" panose="02060603020205020403" pitchFamily="18" charset="0"/>
+            </a:endParaRPr>
+          </a:p>
+          <a:p>
+            <a:pPr>
+              <a:spcBef>
+                <a:spcPts val="600"/>
+              </a:spcBef>
+              <a:spcAft>
+                <a:spcPts val="0"/>
+              </a:spcAft>
+            </a:pPr>
+            <a:r>
+              <a:rPr lang="en-US" b="1" dirty="0">
+                <a:latin typeface="Rockwell" panose="02060603020205020403" pitchFamily="18" charset="0"/>
+              </a:rPr>
+              <a:t>    if interview &gt;= 9:</a:t>
+            </a:r>
+          </a:p>
+          <a:p>
+            <a:pPr>
+              <a:spcBef>
+                <a:spcPts val="600"/>
+              </a:spcBef>
+              <a:spcAft>
+                <a:spcPts val="0"/>
+              </a:spcAft>
+            </a:pPr>
+            <a:r>
+              <a:rPr lang="en-US" b="1" dirty="0">
+                <a:latin typeface="Rockwell" panose="02060603020205020403" pitchFamily="18" charset="0"/>
+              </a:rPr>
+              <a:t>        points += 2</a:t>
+            </a:r>
+          </a:p>
+          <a:p>
+            <a:pPr>
+              <a:spcBef>
+                <a:spcPts val="600"/>
+              </a:spcBef>
+              <a:spcAft>
+                <a:spcPts val="0"/>
+              </a:spcAft>
+            </a:pPr>
+            <a:r>
+              <a:rPr lang="en-US" b="1" dirty="0">
+                <a:latin typeface="Rockwell" panose="02060603020205020403" pitchFamily="18" charset="0"/>
+              </a:rPr>
+              <a:t>    </a:t>
+            </a:r>
+            <a:r>
+              <a:rPr lang="en-US" b="1" dirty="0" err="1">
+                <a:latin typeface="Rockwell" panose="02060603020205020403" pitchFamily="18" charset="0"/>
+              </a:rPr>
+              <a:t>elif</a:t>
+            </a:r>
+            <a:r>
+              <a:rPr lang="en-US" b="1" dirty="0">
+                <a:latin typeface="Rockwell" panose="02060603020205020403" pitchFamily="18" charset="0"/>
+              </a:rPr>
+              <a:t> interview &gt;= 7:</a:t>
+            </a:r>
+          </a:p>
+          <a:p>
+            <a:pPr>
+              <a:spcBef>
+                <a:spcPts val="600"/>
+              </a:spcBef>
+              <a:spcAft>
+                <a:spcPts val="0"/>
+              </a:spcAft>
+            </a:pPr>
+            <a:r>
+              <a:rPr lang="en-US" b="1" dirty="0">
+                <a:latin typeface="Rockwell" panose="02060603020205020403" pitchFamily="18" charset="0"/>
+              </a:rPr>
+              <a:t>        points += 1              # note: no else clause</a:t>
+            </a:r>
+          </a:p>
+          <a:p>
+            <a:pPr>
+              <a:spcBef>
+                <a:spcPts val="600"/>
+              </a:spcBef>
+              <a:spcAft>
+                <a:spcPts val="0"/>
+              </a:spcAft>
+            </a:pPr>
+            <a:endParaRPr lang="en-US" b="1" dirty="0">
+              <a:latin typeface="Rockwell" panose="02060603020205020403" pitchFamily="18" charset="0"/>
+            </a:endParaRPr>
+          </a:p>
+          <a:p>
+            <a:pPr>
+              <a:spcBef>
+                <a:spcPts val="600"/>
+              </a:spcBef>
+              <a:spcAft>
+                <a:spcPts val="0"/>
+              </a:spcAft>
+            </a:pPr>
+            <a:r>
+              <a:rPr lang="en-US" b="1" dirty="0">
+                <a:latin typeface="Rockwell" panose="02060603020205020403" pitchFamily="18" charset="0"/>
+              </a:rPr>
+              <a:t>    if test &gt; 85:</a:t>
+            </a:r>
+          </a:p>
+          <a:p>
+            <a:pPr>
+              <a:spcBef>
+                <a:spcPts val="600"/>
+              </a:spcBef>
+              <a:spcAft>
+                <a:spcPts val="0"/>
+              </a:spcAft>
+            </a:pPr>
+            <a:r>
+              <a:rPr lang="en-US" b="1" dirty="0">
+                <a:latin typeface="Rockwell" panose="02060603020205020403" pitchFamily="18" charset="0"/>
+              </a:rPr>
+              <a:t>        points = points + 1</a:t>
+            </a:r>
+          </a:p>
+          <a:p>
+            <a:pPr>
+              <a:spcBef>
+                <a:spcPts val="600"/>
+              </a:spcBef>
+              <a:spcAft>
+                <a:spcPts val="0"/>
+              </a:spcAft>
+            </a:pPr>
+            <a:endParaRPr lang="en-US" b="1" dirty="0">
+              <a:latin typeface="Rockwell" panose="02060603020205020403" pitchFamily="18" charset="0"/>
+            </a:endParaRPr>
+          </a:p>
+          <a:p>
+            <a:pPr>
+              <a:spcBef>
+                <a:spcPts val="600"/>
+              </a:spcBef>
+              <a:spcAft>
+                <a:spcPts val="0"/>
+              </a:spcAft>
+            </a:pPr>
+            <a:r>
+              <a:rPr lang="en-US" b="1" dirty="0">
+                <a:latin typeface="Rockwell" panose="02060603020205020403" pitchFamily="18" charset="0"/>
+              </a:rPr>
+              <a:t>    if points &lt;= 2:</a:t>
+            </a:r>
+          </a:p>
+          <a:p>
+            <a:pPr>
+              <a:spcBef>
+                <a:spcPts val="600"/>
+              </a:spcBef>
+              <a:spcAft>
+                <a:spcPts val="0"/>
+              </a:spcAft>
+            </a:pPr>
+            <a:r>
+              <a:rPr lang="en-US" b="1" dirty="0">
+                <a:latin typeface="Rockwell" panose="02060603020205020403" pitchFamily="18" charset="0"/>
+              </a:rPr>
+              <a:t>        return 'Not hired’</a:t>
+            </a:r>
+          </a:p>
+          <a:p>
+            <a:pPr>
+              <a:spcBef>
+                <a:spcPts val="600"/>
+              </a:spcBef>
+              <a:spcAft>
+                <a:spcPts val="0"/>
+              </a:spcAft>
+            </a:pPr>
+            <a:r>
+              <a:rPr lang="en-US" b="1" dirty="0">
+                <a:latin typeface="Rockwell" panose="02060603020205020403" pitchFamily="18" charset="0"/>
+              </a:rPr>
+              <a:t>    </a:t>
+            </a:r>
+            <a:r>
+              <a:rPr lang="en-US" b="1" dirty="0" err="1">
+                <a:latin typeface="Rockwell" panose="02060603020205020403" pitchFamily="18" charset="0"/>
+              </a:rPr>
+              <a:t>elif</a:t>
+            </a:r>
+            <a:r>
+              <a:rPr lang="en-US" b="1" dirty="0">
+                <a:latin typeface="Rockwell" panose="02060603020205020403" pitchFamily="18" charset="0"/>
+              </a:rPr>
+              <a:t> points == 3:</a:t>
+            </a:r>
+          </a:p>
+          <a:p>
+            <a:pPr>
+              <a:spcBef>
+                <a:spcPts val="600"/>
+              </a:spcBef>
+              <a:spcAft>
+                <a:spcPts val="0"/>
+              </a:spcAft>
+            </a:pPr>
+            <a:r>
+              <a:rPr lang="en-US" b="1" dirty="0">
+                <a:latin typeface="Rockwell" panose="02060603020205020403" pitchFamily="18" charset="0"/>
+              </a:rPr>
+              <a:t>        return 'Junior Salesperson’</a:t>
+            </a:r>
+          </a:p>
+          <a:p>
+            <a:pPr>
+              <a:spcBef>
+                <a:spcPts val="600"/>
+              </a:spcBef>
+              <a:spcAft>
+                <a:spcPts val="0"/>
+              </a:spcAft>
+            </a:pPr>
+            <a:r>
+              <a:rPr lang="en-US" b="1" dirty="0">
+                <a:latin typeface="Rockwell" panose="02060603020205020403" pitchFamily="18" charset="0"/>
+              </a:rPr>
+              <a:t>    else:</a:t>
+            </a:r>
+          </a:p>
+          <a:p>
+            <a:pPr>
+              <a:spcBef>
+                <a:spcPts val="600"/>
+              </a:spcBef>
+              <a:spcAft>
+                <a:spcPts val="0"/>
+              </a:spcAft>
+            </a:pPr>
+            <a:r>
+              <a:rPr lang="en-US" b="1" dirty="0">
+                <a:latin typeface="Rockwell" panose="02060603020205020403" pitchFamily="18" charset="0"/>
+              </a:rPr>
+              <a:t>        return 'Manager-in-Training'</a:t>
+            </a:r>
+            <a:endParaRPr lang="en-US" dirty="0">
+              <a:latin typeface="Rockwell" panose="02060603020205020403" pitchFamily="18" charset="0"/>
+            </a:endParaRPr>
           </a:p>
         </p:txBody>
       </p:sp>
@@ -13955,8 +13930,16 @@
           <a:lstStyle/>
           <a:p>
             <a:r>
-              <a:rPr lang="en-US"/>
-              <a:t>(c) Arthur Lee, Tony Mione- SUNY Korea - CSE 101</a:t>
+              <a:rPr lang="en-US" dirty="0"/>
+              <a:t>(c) Pravin Pawar, Arthur Lee, Tony </a:t>
+            </a:r>
+            <a:r>
+              <a:rPr lang="en-US" dirty="0" err="1"/>
+              <a:t>Mione</a:t>
+            </a:r>
+            <a:r>
+              <a:rPr lang="en-US" dirty="0"/>
+              <a:t>- SUNY Korea - CSE 101</a:t>
             </a:r>
           </a:p>
         </p:txBody>
@@ -13993,7 +13976,7 @@
     </p:spTree>
     <p:extLst>
       <p:ext uri="{BB962C8B-B14F-4D97-AF65-F5344CB8AC3E}">
-        <p14:creationId xmlns:p14="http://schemas.microsoft.com/office/powerpoint/2010/main" val="4208383245"/>
+        <p14:creationId xmlns:p14="http://schemas.microsoft.com/office/powerpoint/2010/main" val="1825269547"/>
       </p:ext>
     </p:extLst>
   </p:cSld>
@@ -14043,7 +14026,7 @@
           <a:p>
             <a:r>
               <a:rPr lang="en-US" dirty="0"/>
-              <a:t>Example: Hiring decisions</a:t>
+              <a:t>Ranges and relational operators</a:t>
             </a:r>
           </a:p>
         </p:txBody>
@@ -14081,7 +14064,7 @@
             </a:pPr>
             <a:r>
               <a:rPr lang="en-US" dirty="0"/>
-              <a:t>Following is a function that takes these three values and returns the hiring decision as a string</a:t>
+              <a:t>The relational operators can be used to express ranges of values</a:t>
             </a:r>
           </a:p>
           <a:p>
@@ -14097,7 +14080,7 @@
             </a:pPr>
             <a:r>
               <a:rPr lang="en-US" dirty="0"/>
-              <a:t>The following Python capabilities/features will help with this task:</a:t>
+              <a:t>Examples:</a:t>
             </a:r>
           </a:p>
           <a:p>
@@ -14113,15 +14096,24 @@
             </a:pPr>
             <a:r>
               <a:rPr lang="en-US" dirty="0"/>
-              <a:t>The </a:t>
-            </a:r>
-            <a:r>
-              <a:rPr lang="en-US" b="1" dirty="0"/>
-              <a:t>+= </a:t>
-            </a:r>
-            <a:r>
-              <a:rPr lang="en-US" dirty="0"/>
-              <a:t>operator can be used to increment a variable by some amount</a:t>
+              <a:t>An age in the range 1 through 25, inclusive:</a:t>
+            </a:r>
+          </a:p>
+          <a:p>
+            <a:pPr marL="384048" lvl="2" indent="0">
+              <a:spcBef>
+                <a:spcPts val="600"/>
+              </a:spcBef>
+              <a:spcAft>
+                <a:spcPts val="0"/>
+              </a:spcAft>
+              <a:buNone/>
+            </a:pPr>
+            <a:r>
+              <a:rPr lang="en-US" sz="1600" b="1" dirty="0">
+                <a:latin typeface="Rockwell" panose="02060603020205020403" pitchFamily="18" charset="0"/>
+              </a:rPr>
+              <a:t>0 &lt;= age &lt;= 25</a:t>
             </a:r>
           </a:p>
           <a:p>
@@ -14136,28 +14128,25 @@
               <a:buChar char="•"/>
             </a:pPr>
             <a:r>
-              <a:rPr lang="en-US" b="1" dirty="0"/>
-              <a:t>-=</a:t>
-            </a:r>
-            <a:r>
-              <a:rPr lang="en-US" dirty="0"/>
-              <a:t>, </a:t>
-            </a:r>
-            <a:r>
-              <a:rPr lang="en-US" b="1" dirty="0"/>
-              <a:t>*= </a:t>
-            </a:r>
-            <a:r>
-              <a:rPr lang="en-US" dirty="0"/>
-              <a:t>and </a:t>
-            </a:r>
-            <a:r>
-              <a:rPr lang="en-US" b="1" dirty="0"/>
-              <a:t>/= </a:t>
-            </a:r>
-            <a:r>
-              <a:rPr lang="en-US" dirty="0"/>
-              <a:t>also exist and perform analogous operations</a:t>
+              <a:rPr lang="en-US" dirty="0"/>
+              <a:t>A length in the range 15 (inclusive) through 27:</a:t>
+            </a:r>
+          </a:p>
+          <a:p>
+            <a:pPr marL="384048" lvl="2" indent="0">
+              <a:spcBef>
+                <a:spcPts val="600"/>
+              </a:spcBef>
+              <a:spcAft>
+                <a:spcPts val="0"/>
+              </a:spcAft>
+              <a:buNone/>
+            </a:pPr>
+            <a:r>
+              <a:rPr lang="en-US" sz="1600" b="1" dirty="0">
+                <a:latin typeface="Rockwell" panose="02060603020205020403" pitchFamily="18" charset="0"/>
+              </a:rPr>
+              <a:t>15 &lt;= length &lt; 27</a:t>
             </a:r>
           </a:p>
           <a:p>
@@ -14173,51 +14162,24 @@
             </a:pPr>
             <a:r>
               <a:rPr lang="en-US" dirty="0"/>
-              <a:t>A variable can be used to maintain a tally or running total</a:t>
-            </a:r>
-          </a:p>
-          <a:p>
-            <a:pPr lvl="1">
-              <a:spcBef>
-                <a:spcPts val="600"/>
-              </a:spcBef>
-              <a:spcAft>
-                <a:spcPts val="0"/>
-              </a:spcAft>
-              <a:buFont typeface="Arial" panose="020B0604020202020204" pitchFamily="34" charset="0"/>
-              <a:buChar char="•"/>
-            </a:pPr>
-            <a:r>
-              <a:rPr lang="en-US" dirty="0"/>
-              <a:t>An if-statement can contain </a:t>
-            </a:r>
-            <a:r>
-              <a:rPr lang="en-US" b="1" dirty="0" err="1">
-                <a:latin typeface="Rockwell" panose="02060603020205020403" pitchFamily="18" charset="0"/>
-              </a:rPr>
-              <a:t>elif</a:t>
-            </a:r>
-            <a:r>
-              <a:rPr lang="en-US" b="1" dirty="0"/>
-              <a:t> </a:t>
-            </a:r>
-            <a:r>
-              <a:rPr lang="en-US" dirty="0"/>
-              <a:t>clauses without a final </a:t>
-            </a:r>
-            <a:r>
-              <a:rPr lang="en-US" b="1" dirty="0">
-                <a:latin typeface="Rockwell" panose="02060603020205020403" pitchFamily="18" charset="0"/>
-              </a:rPr>
-              <a:t>else</a:t>
-            </a:r>
-            <a:r>
-              <a:rPr lang="en-US" b="1" dirty="0"/>
-              <a:t> </a:t>
-            </a:r>
-            <a:r>
-              <a:rPr lang="en-US" dirty="0"/>
-              <a:t>clause</a:t>
+              <a:t>A year in the range 1900 through 1972, exclusive of both:</a:t>
+            </a:r>
+          </a:p>
+          <a:p>
+            <a:pPr marL="384048" lvl="2" indent="0">
+              <a:spcBef>
+                <a:spcPts val="600"/>
+              </a:spcBef>
+              <a:spcAft>
+                <a:spcPts val="0"/>
+              </a:spcAft>
+              <a:buNone/>
+            </a:pPr>
+            <a:r>
+              <a:rPr lang="en-US" sz="1600" b="1" dirty="0">
+                <a:latin typeface="Rockwell" panose="02060603020205020403" pitchFamily="18" charset="0"/>
+              </a:rPr>
+              <a:t>1900 &lt; year &lt; 1972</a:t>
             </a:r>
           </a:p>
           <a:p>
@@ -14257,8 +14219,16 @@
           <a:lstStyle/>
           <a:p>
             <a:r>
-              <a:rPr lang="en-US"/>
-              <a:t>(c) Arthur Lee, Tony Mione- SUNY Korea - CSE 101</a:t>
+              <a:rPr lang="en-US" dirty="0"/>
+              <a:t>(c) Pravin Pawar, Arthur Lee, Tony </a:t>
+            </a:r>
+            <a:r>
+              <a:rPr lang="en-US" dirty="0" err="1"/>
+              <a:t>Mione</a:t>
+            </a:r>
+            <a:r>
+              <a:rPr lang="en-US" dirty="0"/>
+              <a:t>- SUNY Korea - CSE 101</a:t>
             </a:r>
           </a:p>
         </p:txBody>
@@ -14295,7 +14265,7 @@
     </p:spTree>
     <p:extLst>
       <p:ext uri="{BB962C8B-B14F-4D97-AF65-F5344CB8AC3E}">
-        <p14:creationId xmlns:p14="http://schemas.microsoft.com/office/powerpoint/2010/main" val="2604368959"/>
+        <p14:creationId xmlns:p14="http://schemas.microsoft.com/office/powerpoint/2010/main" val="1982617629"/>
       </p:ext>
     </p:extLst>
   </p:cSld>
@@ -14345,7 +14315,7 @@
           <a:p>
             <a:r>
               <a:rPr lang="en-US" dirty="0"/>
-              <a:t>Example: hiring.py</a:t>
+              <a:t>More on strings</a:t>
             </a:r>
           </a:p>
         </p:txBody>
@@ -14366,375 +14336,148 @@
             <p:ph idx="1"/>
           </p:nvPr>
         </p:nvSpPr>
-        <p:spPr>
-          <a:xfrm>
-            <a:off x="1097280" y="1845733"/>
-            <a:ext cx="10058400" cy="4496343"/>
-          </a:xfrm>
-        </p:spPr>
-        <p:txBody>
-          <a:bodyPr>
-            <a:normAutofit fontScale="62500" lnSpcReduction="20000"/>
-          </a:bodyPr>
-          <a:lstStyle/>
-          <a:p>
-            <a:pPr>
-              <a:spcBef>
-                <a:spcPts val="600"/>
-              </a:spcBef>
-              <a:spcAft>
-                <a:spcPts val="0"/>
-              </a:spcAft>
+        <p:spPr/>
+        <p:txBody>
+          <a:bodyPr/>
+          <a:lstStyle/>
+          <a:p>
+            <a:pPr>
+              <a:spcBef>
+                <a:spcPts val="600"/>
+              </a:spcBef>
+              <a:spcAft>
+                <a:spcPts val="0"/>
+              </a:spcAft>
+              <a:buFont typeface="Arial" panose="020B0604020202020204" pitchFamily="34" charset="0"/>
+              <a:buChar char="•"/>
+            </a:pPr>
+            <a:r>
+              <a:rPr lang="en-US" dirty="0"/>
+              <a:t>Python strings can begin and end with single quotes or double quotes</a:t>
+            </a:r>
+          </a:p>
+          <a:p>
+            <a:pPr lvl="1">
+              <a:spcBef>
+                <a:spcPts val="600"/>
+              </a:spcBef>
+              <a:spcAft>
+                <a:spcPts val="0"/>
+              </a:spcAft>
+              <a:buFont typeface="Arial" panose="020B0604020202020204" pitchFamily="34" charset="0"/>
+              <a:buChar char="•"/>
             </a:pPr>
             <a:r>
               <a:rPr lang="en-US" b="1" dirty="0">
                 <a:latin typeface="Rockwell" panose="02060603020205020403" pitchFamily="18" charset="0"/>
               </a:rPr>
-              <a:t>def decision(</a:t>
+              <a:t>‘Stony Brook’ </a:t>
+            </a:r>
+            <a:r>
+              <a:rPr lang="en-US" dirty="0"/>
+              <a:t>and </a:t>
+            </a:r>
+            <a:r>
+              <a:rPr lang="en-US" b="1" dirty="0">
+                <a:latin typeface="Rockwell" panose="02060603020205020403" pitchFamily="18" charset="0"/>
+              </a:rPr>
+              <a:t>“Stony Brook” </a:t>
+            </a:r>
+            <a:r>
+              <a:rPr lang="en-US" dirty="0"/>
+              <a:t>are both valid ways of defining the same string</a:t>
+            </a:r>
+          </a:p>
+          <a:p>
+            <a:pPr>
+              <a:spcBef>
+                <a:spcPts val="600"/>
+              </a:spcBef>
+              <a:spcAft>
+                <a:spcPts val="0"/>
+              </a:spcAft>
+              <a:buFont typeface="Arial" panose="020B0604020202020204" pitchFamily="34" charset="0"/>
+              <a:buChar char="•"/>
+            </a:pPr>
+            <a:r>
+              <a:rPr lang="en-US" dirty="0"/>
+              <a:t>Recall that the plus symbol joins two strings into a single longer string (concatenation)</a:t>
+            </a:r>
+          </a:p>
+          <a:p>
+            <a:pPr>
+              <a:spcBef>
+                <a:spcPts val="600"/>
+              </a:spcBef>
+              <a:spcAft>
+                <a:spcPts val="0"/>
+              </a:spcAft>
+              <a:buFont typeface="Arial" panose="020B0604020202020204" pitchFamily="34" charset="0"/>
+              <a:buChar char="•"/>
+            </a:pPr>
+            <a:r>
+              <a:rPr lang="en-US" dirty="0"/>
+              <a:t>The asterisk repeats a string a specified number of times</a:t>
+            </a:r>
+          </a:p>
+          <a:p>
+            <a:pPr lvl="1">
+              <a:spcBef>
+                <a:spcPts val="600"/>
+              </a:spcBef>
+              <a:spcAft>
+                <a:spcPts val="0"/>
+              </a:spcAft>
+              <a:buFont typeface="Arial" panose="020B0604020202020204" pitchFamily="34" charset="0"/>
+              <a:buChar char="•"/>
+            </a:pPr>
+            <a:r>
+              <a:rPr lang="en-US" dirty="0"/>
+              <a:t>Example: </a:t>
+            </a:r>
+            <a:r>
+              <a:rPr lang="en-US" b="1" dirty="0">
+                <a:latin typeface="Rockwell" panose="02060603020205020403" pitchFamily="18" charset="0"/>
+              </a:rPr>
+              <a:t>'Hello' * 3</a:t>
+            </a:r>
+            <a:r>
+              <a:rPr lang="en-US" b="1" dirty="0"/>
+              <a:t> </a:t>
+            </a:r>
+            <a:r>
+              <a:rPr lang="en-US" dirty="0"/>
+              <a:t>will evaluate to </a:t>
+            </a:r>
+            <a:r>
+              <a:rPr lang="en-US" b="1" dirty="0">
+                <a:latin typeface="Rockwell" panose="02060603020205020403" pitchFamily="18" charset="0"/>
+              </a:rPr>
+              <a:t>'</a:t>
             </a:r>
             <a:r>
               <a:rPr lang="en-US" b="1" dirty="0" err="1">
                 <a:latin typeface="Rockwell" panose="02060603020205020403" pitchFamily="18" charset="0"/>
               </a:rPr>
-              <a:t>gpa</a:t>
+              <a:t>HelloHelloHello</a:t>
             </a:r>
             <a:r>
               <a:rPr lang="en-US" b="1" dirty="0">
                 <a:latin typeface="Rockwell" panose="02060603020205020403" pitchFamily="18" charset="0"/>
               </a:rPr>
-              <a:t>, interview, test):</a:t>
-            </a:r>
-          </a:p>
-          <a:p>
-            <a:pPr>
-              <a:spcBef>
-                <a:spcPts val="600"/>
-              </a:spcBef>
-              <a:spcAft>
-                <a:spcPts val="0"/>
-              </a:spcAft>
-            </a:pPr>
-            <a:r>
-              <a:rPr lang="en-US" b="1" dirty="0">
-                <a:latin typeface="Rockwell" panose="02060603020205020403" pitchFamily="18" charset="0"/>
-              </a:rPr>
-              <a:t>    points = 0                    # Point total accumulator</a:t>
-            </a:r>
-          </a:p>
-          <a:p>
-            <a:pPr>
-              <a:spcBef>
-                <a:spcPts val="600"/>
-              </a:spcBef>
-              <a:spcAft>
-                <a:spcPts val="0"/>
-              </a:spcAft>
-            </a:pPr>
-            <a:endParaRPr lang="en-US" b="1" dirty="0">
-              <a:latin typeface="Rockwell" panose="02060603020205020403" pitchFamily="18" charset="0"/>
-            </a:endParaRPr>
-          </a:p>
-          <a:p>
-            <a:pPr>
-              <a:spcBef>
-                <a:spcPts val="600"/>
-              </a:spcBef>
-              <a:spcAft>
-                <a:spcPts val="0"/>
-              </a:spcAft>
-            </a:pPr>
-            <a:r>
-              <a:rPr lang="en-US" b="1" dirty="0">
-                <a:latin typeface="Rockwell" panose="02060603020205020403" pitchFamily="18" charset="0"/>
-              </a:rPr>
-              <a:t>    if </a:t>
-            </a:r>
-            <a:r>
-              <a:rPr lang="en-US" b="1" dirty="0" err="1">
-                <a:latin typeface="Rockwell" panose="02060603020205020403" pitchFamily="18" charset="0"/>
-              </a:rPr>
-              <a:t>gpa</a:t>
-            </a:r>
-            <a:r>
-              <a:rPr lang="en-US" b="1" dirty="0">
-                <a:latin typeface="Rockwell" panose="02060603020205020403" pitchFamily="18" charset="0"/>
-              </a:rPr>
-              <a:t> &gt;= 3.3:</a:t>
-            </a:r>
-          </a:p>
-          <a:p>
-            <a:pPr>
-              <a:spcBef>
-                <a:spcPts val="600"/>
-              </a:spcBef>
-              <a:spcAft>
-                <a:spcPts val="0"/>
-              </a:spcAft>
-            </a:pPr>
-            <a:r>
-              <a:rPr lang="en-US" b="1" dirty="0">
-                <a:latin typeface="Rockwell" panose="02060603020205020403" pitchFamily="18" charset="0"/>
-              </a:rPr>
-              <a:t>        points += 1</a:t>
-            </a:r>
-          </a:p>
-          <a:p>
-            <a:pPr>
-              <a:spcBef>
-                <a:spcPts val="600"/>
-              </a:spcBef>
-              <a:spcAft>
-                <a:spcPts val="0"/>
-              </a:spcAft>
-            </a:pPr>
-            <a:endParaRPr lang="en-US" b="1" dirty="0">
-              <a:latin typeface="Rockwell" panose="02060603020205020403" pitchFamily="18" charset="0"/>
-            </a:endParaRPr>
-          </a:p>
-          <a:p>
-            <a:pPr>
-              <a:spcBef>
-                <a:spcPts val="600"/>
-              </a:spcBef>
-              <a:spcAft>
-                <a:spcPts val="0"/>
-              </a:spcAft>
-            </a:pPr>
-            <a:r>
-              <a:rPr lang="en-US" b="1" dirty="0">
-                <a:latin typeface="Rockwell" panose="02060603020205020403" pitchFamily="18" charset="0"/>
-              </a:rPr>
-              <a:t>    if interview &gt;= 9:</a:t>
-            </a:r>
-          </a:p>
-          <a:p>
-            <a:pPr>
-              <a:spcBef>
-                <a:spcPts val="600"/>
-              </a:spcBef>
-              <a:spcAft>
-                <a:spcPts val="0"/>
-              </a:spcAft>
-            </a:pPr>
-            <a:r>
-              <a:rPr lang="en-US" b="1" dirty="0">
-                <a:latin typeface="Rockwell" panose="02060603020205020403" pitchFamily="18" charset="0"/>
-              </a:rPr>
-              <a:t>        points += 2</a:t>
-            </a:r>
-          </a:p>
-          <a:p>
-            <a:pPr>
-              <a:spcBef>
-                <a:spcPts val="600"/>
-              </a:spcBef>
-              <a:spcAft>
-                <a:spcPts val="0"/>
-              </a:spcAft>
-            </a:pPr>
-            <a:r>
-              <a:rPr lang="en-US" b="1" dirty="0">
-                <a:latin typeface="Rockwell" panose="02060603020205020403" pitchFamily="18" charset="0"/>
-              </a:rPr>
-              <a:t>    </a:t>
-            </a:r>
-            <a:r>
-              <a:rPr lang="en-US" b="1" dirty="0" err="1">
-                <a:latin typeface="Rockwell" panose="02060603020205020403" pitchFamily="18" charset="0"/>
-              </a:rPr>
-              <a:t>elif</a:t>
-            </a:r>
-            <a:r>
-              <a:rPr lang="en-US" b="1" dirty="0">
-                <a:latin typeface="Rockwell" panose="02060603020205020403" pitchFamily="18" charset="0"/>
-              </a:rPr>
-              <a:t> interview &gt;= 7:</a:t>
-            </a:r>
-          </a:p>
-          <a:p>
-            <a:pPr>
-              <a:spcBef>
-                <a:spcPts val="600"/>
-              </a:spcBef>
-              <a:spcAft>
-                <a:spcPts val="0"/>
-              </a:spcAft>
-            </a:pPr>
-            <a:r>
-              <a:rPr lang="en-US" b="1" dirty="0">
-                <a:latin typeface="Rockwell" panose="02060603020205020403" pitchFamily="18" charset="0"/>
-              </a:rPr>
-              <a:t>        points += 1              # note: no else clause</a:t>
-            </a:r>
-          </a:p>
-          <a:p>
-            <a:pPr>
-              <a:spcBef>
-                <a:spcPts val="600"/>
-              </a:spcBef>
-              <a:spcAft>
-                <a:spcPts val="0"/>
-              </a:spcAft>
-            </a:pPr>
-            <a:endParaRPr lang="en-US" b="1" dirty="0">
-              <a:latin typeface="Rockwell" panose="02060603020205020403" pitchFamily="18" charset="0"/>
-            </a:endParaRPr>
-          </a:p>
-          <a:p>
-            <a:pPr>
-              <a:spcBef>
-                <a:spcPts val="600"/>
-              </a:spcBef>
-              <a:spcAft>
-                <a:spcPts val="0"/>
-              </a:spcAft>
-            </a:pPr>
-            <a:r>
-              <a:rPr lang="en-US" b="1" dirty="0">
-                <a:latin typeface="Rockwell" panose="02060603020205020403" pitchFamily="18" charset="0"/>
-              </a:rPr>
-              <a:t>    if test &gt; 85:</a:t>
-            </a:r>
-          </a:p>
-          <a:p>
-            <a:pPr>
-              <a:spcBef>
-                <a:spcPts val="600"/>
-              </a:spcBef>
-              <a:spcAft>
-                <a:spcPts val="0"/>
-              </a:spcAft>
-            </a:pPr>
-            <a:r>
-              <a:rPr lang="en-US" b="1" dirty="0">
-                <a:latin typeface="Rockwell" panose="02060603020205020403" pitchFamily="18" charset="0"/>
-              </a:rPr>
-              <a:t>        points = points + 1</a:t>
-            </a:r>
-          </a:p>
-          <a:p>
-            <a:pPr>
-              <a:spcBef>
-                <a:spcPts val="600"/>
-              </a:spcBef>
-              <a:spcAft>
-                <a:spcPts val="0"/>
-              </a:spcAft>
-            </a:pPr>
-            <a:endParaRPr lang="en-US" b="1" dirty="0">
-              <a:latin typeface="Rockwell" panose="02060603020205020403" pitchFamily="18" charset="0"/>
-            </a:endParaRPr>
-          </a:p>
-          <a:p>
-            <a:pPr>
-              <a:spcBef>
-                <a:spcPts val="600"/>
-              </a:spcBef>
-              <a:spcAft>
-                <a:spcPts val="0"/>
-              </a:spcAft>
-            </a:pPr>
-            <a:r>
-              <a:rPr lang="en-US" b="1" dirty="0">
-                <a:latin typeface="Rockwell" panose="02060603020205020403" pitchFamily="18" charset="0"/>
-              </a:rPr>
-              <a:t>    if points &lt;= 2:</a:t>
-            </a:r>
-          </a:p>
-          <a:p>
-            <a:pPr>
-              <a:spcBef>
-                <a:spcPts val="600"/>
-              </a:spcBef>
-              <a:spcAft>
-                <a:spcPts val="0"/>
-              </a:spcAft>
-            </a:pPr>
-            <a:r>
-              <a:rPr lang="en-US" b="1" dirty="0">
-                <a:latin typeface="Rockwell" panose="02060603020205020403" pitchFamily="18" charset="0"/>
-              </a:rPr>
-              <a:t>        return 'Not hired’</a:t>
-            </a:r>
-          </a:p>
-          <a:p>
-            <a:pPr>
-              <a:spcBef>
-                <a:spcPts val="600"/>
-              </a:spcBef>
-              <a:spcAft>
-                <a:spcPts val="0"/>
-              </a:spcAft>
-            </a:pPr>
-            <a:r>
-              <a:rPr lang="en-US" b="1" dirty="0">
-                <a:latin typeface="Rockwell" panose="02060603020205020403" pitchFamily="18" charset="0"/>
-              </a:rPr>
-              <a:t>    </a:t>
-            </a:r>
-            <a:r>
-              <a:rPr lang="en-US" b="1" dirty="0" err="1">
-                <a:latin typeface="Rockwell" panose="02060603020205020403" pitchFamily="18" charset="0"/>
-              </a:rPr>
-              <a:t>elif</a:t>
-            </a:r>
-            <a:r>
-              <a:rPr lang="en-US" b="1" dirty="0">
-                <a:latin typeface="Rockwell" panose="02060603020205020403" pitchFamily="18" charset="0"/>
-              </a:rPr>
-              <a:t> points == 3:</a:t>
-            </a:r>
-          </a:p>
-          <a:p>
-            <a:pPr>
-              <a:spcBef>
-                <a:spcPts val="600"/>
-              </a:spcBef>
-              <a:spcAft>
-                <a:spcPts val="0"/>
-              </a:spcAft>
-            </a:pPr>
-            <a:r>
-              <a:rPr lang="en-US" b="1" dirty="0">
-                <a:latin typeface="Rockwell" panose="02060603020205020403" pitchFamily="18" charset="0"/>
-              </a:rPr>
-              <a:t>        return 'Junior Salesperson’</a:t>
-            </a:r>
-          </a:p>
-          <a:p>
-            <a:pPr>
-              <a:spcBef>
-                <a:spcPts val="600"/>
-              </a:spcBef>
-              <a:spcAft>
-                <a:spcPts val="0"/>
-              </a:spcAft>
-            </a:pPr>
-            <a:r>
-              <a:rPr lang="en-US" b="1" dirty="0">
-                <a:latin typeface="Rockwell" panose="02060603020205020403" pitchFamily="18" charset="0"/>
-              </a:rPr>
-              <a:t>    else:</a:t>
-            </a:r>
-          </a:p>
-          <a:p>
-            <a:pPr>
-              <a:spcBef>
-                <a:spcPts val="600"/>
-              </a:spcBef>
-              <a:spcAft>
-                <a:spcPts val="0"/>
-              </a:spcAft>
-            </a:pPr>
-            <a:r>
-              <a:rPr lang="en-US" b="1" dirty="0">
-                <a:latin typeface="Rockwell" panose="02060603020205020403" pitchFamily="18" charset="0"/>
-              </a:rPr>
-              <a:t>        return 'Manager-in-Training'</a:t>
-            </a:r>
-            <a:endParaRPr lang="en-US" dirty="0">
-              <a:latin typeface="Rockwell" panose="02060603020205020403" pitchFamily="18" charset="0"/>
-            </a:endParaRPr>
+              <a:t>’</a:t>
+            </a:r>
+          </a:p>
+          <a:p>
+            <a:pPr>
+              <a:spcBef>
+                <a:spcPts val="600"/>
+              </a:spcBef>
+              <a:spcAft>
+                <a:spcPts val="0"/>
+              </a:spcAft>
+            </a:pPr>
+            <a:endParaRPr lang="en-US" dirty="0"/>
           </a:p>
         </p:txBody>
       </p:sp>
@@ -14760,8 +14503,16 @@
           <a:lstStyle/>
           <a:p>
             <a:r>
-              <a:rPr lang="en-US"/>
-              <a:t>(c) Arthur Lee, Tony Mione- SUNY Korea - CSE 101</a:t>
+              <a:rPr lang="en-US" dirty="0"/>
+              <a:t>(c) Pravin Pawar, Arthur Lee, Tony </a:t>
+            </a:r>
+            <a:r>
+              <a:rPr lang="en-US" dirty="0" err="1"/>
+              <a:t>Mione</a:t>
+            </a:r>
+            <a:r>
+              <a:rPr lang="en-US" dirty="0"/>
+              <a:t>- SUNY Korea - CSE 101</a:t>
             </a:r>
           </a:p>
         </p:txBody>
@@ -14798,7 +14549,7 @@
     </p:spTree>
     <p:extLst>
       <p:ext uri="{BB962C8B-B14F-4D97-AF65-F5344CB8AC3E}">
-        <p14:creationId xmlns:p14="http://schemas.microsoft.com/office/powerpoint/2010/main" val="1825269547"/>
+        <p14:creationId xmlns:p14="http://schemas.microsoft.com/office/powerpoint/2010/main" val="1472670456"/>
       </p:ext>
     </p:extLst>
   </p:cSld>
@@ -14848,7 +14599,7 @@
           <a:p>
             <a:r>
               <a:rPr lang="en-US" dirty="0"/>
-              <a:t>Ranges and relational operators</a:t>
+              <a:t>String functions</a:t>
             </a:r>
           </a:p>
         </p:txBody>
@@ -14871,7 +14622,9 @@
         </p:nvSpPr>
         <p:spPr/>
         <p:txBody>
-          <a:bodyPr/>
+          <a:bodyPr>
+            <a:normAutofit/>
+          </a:bodyPr>
           <a:lstStyle/>
           <a:p>
             <a:pPr>
@@ -14886,11 +14639,11 @@
             </a:pPr>
             <a:r>
               <a:rPr lang="en-US" dirty="0"/>
-              <a:t>The relational operators can be used to express ranges of values</a:t>
-            </a:r>
-          </a:p>
-          <a:p>
-            <a:pPr>
+              <a:t>Strings are very fundamental to programming </a:t>
+            </a:r>
+          </a:p>
+          <a:p>
+            <a:pPr lvl="1">
               <a:spcBef>
                 <a:spcPts val="600"/>
               </a:spcBef>
@@ -14902,7 +14655,7 @@
             </a:pPr>
             <a:r>
               <a:rPr lang="en-US" dirty="0"/>
-              <a:t>Examples:</a:t>
+              <a:t>most languages support many functions and other operations for strings</a:t>
             </a:r>
           </a:p>
           <a:p>
@@ -14918,28 +14671,11 @@
             </a:pPr>
             <a:r>
               <a:rPr lang="en-US" dirty="0"/>
-              <a:t>An age in the range 1 through 25, inclusive:</a:t>
-            </a:r>
-          </a:p>
-          <a:p>
-            <a:pPr marL="384048" lvl="2" indent="0">
-              <a:spcBef>
-                <a:spcPts val="600"/>
-              </a:spcBef>
-              <a:spcAft>
-                <a:spcPts val="0"/>
-              </a:spcAft>
-              <a:buNone/>
-            </a:pPr>
-            <a:r>
-              <a:rPr lang="en-US" sz="1600" b="1" dirty="0">
-                <a:latin typeface="Rockwell" panose="02060603020205020403" pitchFamily="18" charset="0"/>
-              </a:rPr>
-              <a:t>0 &lt;= age &lt;= 25</a:t>
-            </a:r>
-          </a:p>
-          <a:p>
-            <a:pPr lvl="1">
+              <a:t>Python is no exception.</a:t>
+            </a:r>
+          </a:p>
+          <a:p>
+            <a:pPr>
               <a:spcBef>
                 <a:spcPts val="600"/>
               </a:spcBef>
@@ -14951,24 +14687,21 @@
             </a:pPr>
             <a:r>
               <a:rPr lang="en-US" dirty="0"/>
-              <a:t>A length in the range 15 (inclusive) through 27:</a:t>
-            </a:r>
-          </a:p>
-          <a:p>
-            <a:pPr marL="384048" lvl="2" indent="0">
-              <a:spcBef>
-                <a:spcPts val="600"/>
-              </a:spcBef>
-              <a:spcAft>
-                <a:spcPts val="0"/>
-              </a:spcAft>
-              <a:buNone/>
-            </a:pPr>
-            <a:r>
-              <a:rPr lang="en-US" sz="1600" b="1" dirty="0">
-                <a:latin typeface="Rockwell" panose="02060603020205020403" pitchFamily="18" charset="0"/>
-              </a:rPr>
-              <a:t>15 &lt;= length &lt; 27</a:t>
+              <a:t>The Python function named </a:t>
+            </a:r>
+            <a:r>
+              <a:rPr lang="en-US" b="1" dirty="0" err="1">
+                <a:latin typeface="Rockwell" panose="02060603020205020403" pitchFamily="18" charset="0"/>
+              </a:rPr>
+              <a:t>len</a:t>
+            </a:r>
+            <a:r>
+              <a:rPr lang="en-US" b="1" dirty="0"/>
+              <a:t> </a:t>
+            </a:r>
+            <a:r>
+              <a:rPr lang="en-US" dirty="0"/>
+              <a:t>(short for “length”) counts the number of characters in a string</a:t>
             </a:r>
           </a:p>
           <a:p>
@@ -14983,29 +14716,22 @@
               <a:buChar char="•"/>
             </a:pPr>
             <a:r>
-              <a:rPr lang="en-US" dirty="0"/>
-              <a:t>A year in the range 1900 through 1972, exclusive of both:</a:t>
-            </a:r>
-          </a:p>
-          <a:p>
-            <a:pPr marL="384048" lvl="2" indent="0">
-              <a:spcBef>
-                <a:spcPts val="600"/>
-              </a:spcBef>
-              <a:spcAft>
-                <a:spcPts val="0"/>
-              </a:spcAft>
-              <a:buNone/>
-            </a:pPr>
-            <a:r>
-              <a:rPr lang="en-US" sz="1600" b="1" dirty="0">
-                <a:latin typeface="Rockwell" panose="02060603020205020403" pitchFamily="18" charset="0"/>
-              </a:rPr>
-              <a:t>1900 &lt; year &lt; 1972</a:t>
-            </a:r>
-          </a:p>
-          <a:p>
-            <a:pPr>
+              <a:rPr lang="en-US" b="1" dirty="0" err="1">
+                <a:latin typeface="Rockwell" panose="02060603020205020403" pitchFamily="18" charset="0"/>
+              </a:rPr>
+              <a:t>len</a:t>
+            </a:r>
+            <a:r>
+              <a:rPr lang="en-US" b="1" dirty="0"/>
+              <a:t> </a:t>
+            </a:r>
+            <a:r>
+              <a:rPr lang="en-US" dirty="0"/>
+              <a:t>counts every character in a string, including digits, spaces, and punctuation marks</a:t>
+            </a:r>
+          </a:p>
+          <a:p>
+            <a:pPr lvl="1">
               <a:spcBef>
                 <a:spcPts val="600"/>
               </a:spcBef>
@@ -15015,7 +14741,59 @@
               <a:buFont typeface="Arial" panose="020B0604020202020204" pitchFamily="34" charset="0"/>
               <a:buChar char="•"/>
             </a:pPr>
-            <a:endParaRPr lang="en-US" dirty="0"/>
+            <a:r>
+              <a:rPr lang="en-US" dirty="0"/>
+              <a:t>Example:</a:t>
+            </a:r>
+          </a:p>
+          <a:p>
+            <a:pPr marL="201168" lvl="1" indent="0">
+              <a:spcBef>
+                <a:spcPts val="600"/>
+              </a:spcBef>
+              <a:spcAft>
+                <a:spcPts val="0"/>
+              </a:spcAft>
+              <a:buNone/>
+            </a:pPr>
+            <a:r>
+              <a:rPr lang="en-US" b="1" dirty="0">
+                <a:latin typeface="Rockwell" panose="02060603020205020403" pitchFamily="18" charset="0"/>
+              </a:rPr>
+              <a:t>    school = 'Stony Brook University’</a:t>
+            </a:r>
+          </a:p>
+          <a:p>
+            <a:pPr marL="201168" lvl="1" indent="0">
+              <a:spcBef>
+                <a:spcPts val="600"/>
+              </a:spcBef>
+              <a:spcAft>
+                <a:spcPts val="0"/>
+              </a:spcAft>
+              <a:buNone/>
+            </a:pPr>
+            <a:r>
+              <a:rPr lang="en-US" b="1" dirty="0">
+                <a:latin typeface="Rockwell" panose="02060603020205020403" pitchFamily="18" charset="0"/>
+              </a:rPr>
+              <a:t>    n = </a:t>
+            </a:r>
+            <a:r>
+              <a:rPr lang="en-US" b="1" dirty="0" err="1">
+                <a:latin typeface="Rockwell" panose="02060603020205020403" pitchFamily="18" charset="0"/>
+              </a:rPr>
+              <a:t>len</a:t>
+            </a:r>
+            <a:r>
+              <a:rPr lang="en-US" b="1" dirty="0">
+                <a:latin typeface="Rockwell" panose="02060603020205020403" pitchFamily="18" charset="0"/>
+              </a:rPr>
+              <a:t>(school) # n will equal 22</a:t>
+            </a:r>
+            <a:endParaRPr lang="en-US" dirty="0">
+              <a:latin typeface="Rockwell" panose="02060603020205020403" pitchFamily="18" charset="0"/>
+            </a:endParaRPr>
           </a:p>
         </p:txBody>
       </p:sp>
@@ -15041,8 +14819,16 @@
           <a:lstStyle/>
           <a:p>
             <a:r>
-              <a:rPr lang="en-US"/>
-              <a:t>(c) Arthur Lee, Tony Mione- SUNY Korea - CSE 101</a:t>
+              <a:rPr lang="en-US" dirty="0"/>
+              <a:t>(c) Pravin Pawar, Arthur Lee, Tony </a:t>
+            </a:r>
+            <a:r>
+              <a:rPr lang="en-US" dirty="0" err="1"/>
+              <a:t>Mione</a:t>
+            </a:r>
+            <a:r>
+              <a:rPr lang="en-US" dirty="0"/>
+              <a:t>- SUNY Korea - CSE 101</a:t>
             </a:r>
           </a:p>
         </p:txBody>
@@ -15079,7 +14865,7 @@
     </p:spTree>
     <p:extLst>
       <p:ext uri="{BB962C8B-B14F-4D97-AF65-F5344CB8AC3E}">
-        <p14:creationId xmlns:p14="http://schemas.microsoft.com/office/powerpoint/2010/main" val="1982617629"/>
+        <p14:creationId xmlns:p14="http://schemas.microsoft.com/office/powerpoint/2010/main" val="2791871790"/>
       </p:ext>
     </p:extLst>
   </p:cSld>
@@ -15129,7 +14915,7 @@
           <a:p>
             <a:r>
               <a:rPr lang="en-US" dirty="0"/>
-              <a:t>More on strings</a:t>
+              <a:t>String methods</a:t>
             </a:r>
           </a:p>
         </p:txBody>
@@ -15167,11 +14953,11 @@
             </a:pPr>
             <a:r>
               <a:rPr lang="en-US" dirty="0"/>
-              <a:t>Python strings can begin and end with single quotes or double quotes</a:t>
-            </a:r>
-          </a:p>
-          <a:p>
-            <a:pPr lvl="1">
+              <a:t>Many other functions on strings are called using a different syntax</a:t>
+            </a:r>
+          </a:p>
+          <a:p>
+            <a:pPr>
               <a:spcBef>
                 <a:spcPts val="600"/>
               </a:spcBef>
@@ -15182,28 +14968,46 @@
               <a:buChar char="•"/>
             </a:pPr>
             <a:r>
+              <a:rPr lang="en-US" dirty="0"/>
+              <a:t>Instead of writing </a:t>
+            </a:r>
+            <a:r>
+              <a:rPr lang="en-US" b="1" dirty="0" err="1">
+                <a:latin typeface="Rockwell" panose="02060603020205020403" pitchFamily="18" charset="0"/>
+              </a:rPr>
+              <a:t>func</a:t>
+            </a:r>
+            <a:r>
               <a:rPr lang="en-US" b="1" dirty="0">
                 <a:latin typeface="Rockwell" panose="02060603020205020403" pitchFamily="18" charset="0"/>
               </a:rPr>
-              <a:t>‘Stony Brook’ </a:t>
-            </a:r>
-            <a:r>
-              <a:rPr lang="en-US" dirty="0"/>
-              <a:t>and </a:t>
+              <a:t>(s)</a:t>
+            </a:r>
+            <a:r>
+              <a:rPr lang="en-US" dirty="0">
+                <a:latin typeface="Rockwell" panose="02060603020205020403" pitchFamily="18" charset="0"/>
+              </a:rPr>
+              <a:t>, </a:t>
+            </a:r>
+            <a:r>
+              <a:rPr lang="en-US" dirty="0"/>
+              <a:t>they are written </a:t>
+            </a:r>
+            <a:r>
+              <a:rPr lang="en-US" b="1" dirty="0" err="1">
+                <a:latin typeface="Rockwell" panose="02060603020205020403" pitchFamily="18" charset="0"/>
+              </a:rPr>
+              <a:t>s.func</a:t>
             </a:r>
             <a:r>
               <a:rPr lang="en-US" b="1" dirty="0">
                 <a:latin typeface="Rockwell" panose="02060603020205020403" pitchFamily="18" charset="0"/>
               </a:rPr>
-              <a:t>“Stony Brook” </a:t>
-            </a:r>
-            <a:r>
-              <a:rPr lang="en-US" dirty="0"/>
-              <a:t>are both valid ways of defining the same string</a:t>
-            </a:r>
-          </a:p>
-          <a:p>
-            <a:pPr>
+              <a:t>()</a:t>
+            </a:r>
+          </a:p>
+          <a:p>
+            <a:pPr lvl="1">
               <a:spcBef>
                 <a:spcPts val="600"/>
               </a:spcBef>
@@ -15215,7 +15019,7 @@
             </a:pPr>
             <a:r>
               <a:rPr lang="en-US" dirty="0"/>
-              <a:t>Recall that the plus symbol joins two strings into a single longer string (concatenation)</a:t>
+              <a:t>The name of the string is written first, followed by a period, and then the function name</a:t>
             </a:r>
           </a:p>
           <a:p>
@@ -15231,55 +15035,11 @@
             </a:pPr>
             <a:r>
               <a:rPr lang="en-US" dirty="0"/>
-              <a:t>The asterisk repeats a string a specified number of times</a:t>
-            </a:r>
-          </a:p>
-          <a:p>
-            <a:pPr lvl="1">
-              <a:spcBef>
-                <a:spcPts val="600"/>
-              </a:spcBef>
-              <a:spcAft>
-                <a:spcPts val="0"/>
-              </a:spcAft>
-              <a:buFont typeface="Arial" panose="020B0604020202020204" pitchFamily="34" charset="0"/>
-              <a:buChar char="•"/>
-            </a:pPr>
-            <a:r>
-              <a:rPr lang="en-US" dirty="0"/>
-              <a:t>Example: </a:t>
-            </a:r>
-            <a:r>
-              <a:rPr lang="en-US" b="1" dirty="0">
-                <a:latin typeface="Rockwell" panose="02060603020205020403" pitchFamily="18" charset="0"/>
-              </a:rPr>
-              <a:t>'Hello' * 3</a:t>
+              <a:t>Functions called using this syntax are referred to as </a:t>
             </a:r>
             <a:r>
               <a:rPr lang="en-US" b="1" dirty="0"/>
-              <a:t> </a:t>
-            </a:r>
-            <a:r>
-              <a:rPr lang="en-US" dirty="0"/>
-              <a:t>will evaluate to </a:t>
-            </a:r>
-            <a:r>
-              <a:rPr lang="en-US" b="1" dirty="0">
-                <a:latin typeface="Rockwell" panose="02060603020205020403" pitchFamily="18" charset="0"/>
-              </a:rPr>
-              <a:t>'</a:t>
-            </a:r>
-            <a:r>
-              <a:rPr lang="en-US" b="1" dirty="0" err="1">
-                <a:latin typeface="Rockwell" panose="02060603020205020403" pitchFamily="18" charset="0"/>
-              </a:rPr>
-              <a:t>HelloHelloHello</a:t>
-            </a:r>
-            <a:r>
-              <a:rPr lang="en-US" b="1" dirty="0">
-                <a:latin typeface="Rockwell" panose="02060603020205020403" pitchFamily="18" charset="0"/>
-              </a:rPr>
-              <a:t>’</a:t>
+              <a:t>Methods</a:t>
             </a:r>
           </a:p>
           <a:p>
@@ -15317,8 +15077,16 @@
           <a:lstStyle/>
           <a:p>
             <a:r>
-              <a:rPr lang="en-US"/>
-              <a:t>(c) Arthur Lee, Tony Mione- SUNY Korea - CSE 101</a:t>
+              <a:rPr lang="en-US" dirty="0"/>
+              <a:t>(c) Pravin Pawar, Arthur Lee, Tony </a:t>
+            </a:r>
+            <a:r>
+              <a:rPr lang="en-US" dirty="0" err="1"/>
+              <a:t>Mione</a:t>
+            </a:r>
+            <a:r>
+              <a:rPr lang="en-US" dirty="0"/>
+              <a:t>- SUNY Korea - CSE 101</a:t>
             </a:r>
           </a:p>
         </p:txBody>
@@ -15355,7 +15123,7 @@
     </p:spTree>
     <p:extLst>
       <p:ext uri="{BB962C8B-B14F-4D97-AF65-F5344CB8AC3E}">
-        <p14:creationId xmlns:p14="http://schemas.microsoft.com/office/powerpoint/2010/main" val="1472670456"/>
+        <p14:creationId xmlns:p14="http://schemas.microsoft.com/office/powerpoint/2010/main" val="3933749684"/>
       </p:ext>
     </p:extLst>
   </p:cSld>
@@ -15405,7 +15173,7 @@
           <a:p>
             <a:r>
               <a:rPr lang="en-US" dirty="0"/>
-              <a:t>String functions</a:t>
+              <a:t>String methods</a:t>
             </a:r>
           </a:p>
         </p:txBody>
@@ -15428,9 +15196,7 @@
         </p:nvSpPr>
         <p:spPr/>
         <p:txBody>
-          <a:bodyPr>
-            <a:normAutofit/>
-          </a:bodyPr>
+          <a:bodyPr/>
           <a:lstStyle/>
           <a:p>
             <a:pPr>
@@ -15445,11 +15211,11 @@
             </a:pPr>
             <a:r>
               <a:rPr lang="en-US" dirty="0"/>
-              <a:t>Strings are very fundamental to programming </a:t>
-            </a:r>
-          </a:p>
-          <a:p>
-            <a:pPr lvl="1">
+              <a:t>As an example of a string method, consider how to figure out how many words are in a sentence</a:t>
+            </a:r>
+          </a:p>
+          <a:p>
+            <a:pPr>
               <a:spcBef>
                 <a:spcPts val="600"/>
               </a:spcBef>
@@ -15461,11 +15227,11 @@
             </a:pPr>
             <a:r>
               <a:rPr lang="en-US" dirty="0"/>
-              <a:t>most languages support many functions and other operations for strings</a:t>
-            </a:r>
-          </a:p>
-          <a:p>
-            <a:pPr lvl="1">
+              <a:t>If there is exactly one space between each word, just count the number of space characters</a:t>
+            </a:r>
+          </a:p>
+          <a:p>
+            <a:pPr>
               <a:spcBef>
                 <a:spcPts val="600"/>
               </a:spcBef>
@@ -15477,7 +15243,55 @@
             </a:pPr>
             <a:r>
               <a:rPr lang="en-US" dirty="0"/>
-              <a:t>Python is no exception.</a:t>
+              <a:t>The method named </a:t>
+            </a:r>
+            <a:r>
+              <a:rPr lang="en-US" b="1" dirty="0"/>
+              <a:t>count </a:t>
+            </a:r>
+            <a:r>
+              <a:rPr lang="en-US" dirty="0"/>
+              <a:t>does exactly that:</a:t>
+            </a:r>
+          </a:p>
+          <a:p>
+            <a:pPr marL="201168" lvl="1" indent="0">
+              <a:spcBef>
+                <a:spcPts val="600"/>
+              </a:spcBef>
+              <a:spcAft>
+                <a:spcPts val="0"/>
+              </a:spcAft>
+              <a:buNone/>
+            </a:pPr>
+            <a:r>
+              <a:rPr lang="en-US" b="1" dirty="0">
+                <a:latin typeface="Rockwell" panose="02060603020205020403" pitchFamily="18" charset="0"/>
+              </a:rPr>
+              <a:t>sentence = 'It was a dark and stormy night.'</a:t>
+            </a:r>
+          </a:p>
+          <a:p>
+            <a:pPr marL="201168" lvl="1" indent="0">
+              <a:spcBef>
+                <a:spcPts val="600"/>
+              </a:spcBef>
+              <a:spcAft>
+                <a:spcPts val="0"/>
+              </a:spcAft>
+              <a:buNone/>
+            </a:pPr>
+            <a:r>
+              <a:rPr lang="en-US" b="1" dirty="0" err="1">
+                <a:latin typeface="Rockwell" panose="02060603020205020403" pitchFamily="18" charset="0"/>
+              </a:rPr>
+              <a:t>sentence.count</a:t>
+            </a:r>
+            <a:r>
+              <a:rPr lang="en-US" b="1" dirty="0">
+                <a:latin typeface="Rockwell" panose="02060603020205020403" pitchFamily="18" charset="0"/>
+              </a:rPr>
+              <a:t>(' ') + 1 # equals 7</a:t>
             </a:r>
           </a:p>
           <a:p>
@@ -15493,25 +15307,21 @@
             </a:pPr>
             <a:r>
               <a:rPr lang="en-US" dirty="0"/>
-              <a:t>The Python function named </a:t>
-            </a:r>
-            <a:r>
-              <a:rPr lang="en-US" b="1" dirty="0" err="1">
-                <a:latin typeface="Rockwell" panose="02060603020205020403" pitchFamily="18" charset="0"/>
-              </a:rPr>
-              <a:t>len</a:t>
-            </a:r>
-            <a:r>
-              <a:rPr lang="en-US" b="1" dirty="0"/>
-              <a:t> </a:t>
-            </a:r>
-            <a:r>
-              <a:rPr lang="en-US" dirty="0"/>
-              <a:t>(short for “length”) counts the number of characters in a string</a:t>
-            </a:r>
-          </a:p>
-          <a:p>
-            <a:pPr lvl="1">
+              <a:t>Note the argument passed to </a:t>
+            </a:r>
+            <a:r>
+              <a:rPr lang="en-US" b="1" dirty="0">
+                <a:latin typeface="Rockwell" panose="02060603020205020403" pitchFamily="18" charset="0"/>
+              </a:rPr>
+              <a:t>count</a:t>
+            </a:r>
+            <a:r>
+              <a:rPr lang="en-US" dirty="0"/>
+              <a:t> is a string containing exactly one character: a single space character.</a:t>
+            </a:r>
+          </a:p>
+          <a:p>
+            <a:pPr>
               <a:spcBef>
                 <a:spcPts val="600"/>
               </a:spcBef>
@@ -15521,85 +15331,7 @@
               <a:buFont typeface="Arial" panose="020B0604020202020204" pitchFamily="34" charset="0"/>
               <a:buChar char="•"/>
             </a:pPr>
-            <a:r>
-              <a:rPr lang="en-US" b="1" dirty="0" err="1">
-                <a:latin typeface="Rockwell" panose="02060603020205020403" pitchFamily="18" charset="0"/>
-              </a:rPr>
-              <a:t>len</a:t>
-            </a:r>
-            <a:r>
-              <a:rPr lang="en-US" b="1" dirty="0"/>
-              <a:t> </a:t>
-            </a:r>
-            <a:r>
-              <a:rPr lang="en-US" dirty="0"/>
-              <a:t>counts every character in a string, including digits, spaces, and punctuation marks</a:t>
-            </a:r>
-          </a:p>
-          <a:p>
-            <a:pPr lvl="1">
-              <a:spcBef>
-                <a:spcPts val="600"/>
-              </a:spcBef>
-              <a:spcAft>
-                <a:spcPts val="0"/>
-              </a:spcAft>
-              <a:buFont typeface="Arial" panose="020B0604020202020204" pitchFamily="34" charset="0"/>
-              <a:buChar char="•"/>
-            </a:pPr>
-            <a:r>
-              <a:rPr lang="en-US" dirty="0"/>
-              <a:t>Example:</a:t>
-            </a:r>
-          </a:p>
-          <a:p>
-            <a:pPr marL="201168" lvl="1" indent="0">
-              <a:spcBef>
-                <a:spcPts val="600"/>
-              </a:spcBef>
-              <a:spcAft>
-                <a:spcPts val="0"/>
-              </a:spcAft>
-              <a:buNone/>
-            </a:pPr>
-            <a:r>
-              <a:rPr lang="en-US" b="1" dirty="0">
-                <a:latin typeface="Rockwell" panose="02060603020205020403" pitchFamily="18" charset="0"/>
-              </a:rPr>
-              <a:t>    school = 'Stony Brook University’</a:t>
-            </a:r>
-          </a:p>
-          <a:p>
-            <a:pPr marL="201168" lvl="1" indent="0">
-              <a:spcBef>
-                <a:spcPts val="600"/>
-              </a:spcBef>
-              <a:spcAft>
-                <a:spcPts val="0"/>
-              </a:spcAft>
-              <a:buNone/>
-            </a:pPr>
-            <a:r>
-              <a:rPr lang="en-US" b="1" dirty="0">
-                <a:latin typeface="Rockwell" panose="02060603020205020403" pitchFamily="18" charset="0"/>
-              </a:rPr>
-              <a:t>    n = </a:t>
-            </a:r>
-            <a:r>
-              <a:rPr lang="en-US" b="1" dirty="0" err="1">
-                <a:latin typeface="Rockwell" panose="02060603020205020403" pitchFamily="18" charset="0"/>
-              </a:rPr>
-              <a:t>len</a:t>
-            </a:r>
-            <a:r>
-              <a:rPr lang="en-US" b="1" dirty="0">
-                <a:latin typeface="Rockwell" panose="02060603020205020403" pitchFamily="18" charset="0"/>
-              </a:rPr>
-              <a:t>(school) # n will equal 22</a:t>
-            </a:r>
-            <a:endParaRPr lang="en-US" dirty="0">
-              <a:latin typeface="Rockwell" panose="02060603020205020403" pitchFamily="18" charset="0"/>
-            </a:endParaRPr>
+            <a:endParaRPr lang="en-US" dirty="0"/>
           </a:p>
         </p:txBody>
       </p:sp>
@@ -15625,8 +15357,16 @@
           <a:lstStyle/>
           <a:p>
             <a:r>
-              <a:rPr lang="en-US"/>
-              <a:t>(c) Arthur Lee, Tony Mione- SUNY Korea - CSE 101</a:t>
+              <a:rPr lang="en-US" dirty="0"/>
+              <a:t>(c) Pravin Pawar, Arthur Lee, Tony </a:t>
+            </a:r>
+            <a:r>
+              <a:rPr lang="en-US" dirty="0" err="1"/>
+              <a:t>Mione</a:t>
+            </a:r>
+            <a:r>
+              <a:rPr lang="en-US" dirty="0"/>
+              <a:t>- SUNY Korea - CSE 101</a:t>
             </a:r>
           </a:p>
         </p:txBody>
@@ -15663,7 +15403,7 @@
     </p:spTree>
     <p:extLst>
       <p:ext uri="{BB962C8B-B14F-4D97-AF65-F5344CB8AC3E}">
-        <p14:creationId xmlns:p14="http://schemas.microsoft.com/office/powerpoint/2010/main" val="2791871790"/>
+        <p14:creationId xmlns:p14="http://schemas.microsoft.com/office/powerpoint/2010/main" val="1148144257"/>
       </p:ext>
     </p:extLst>
   </p:cSld>
@@ -15736,7 +15476,9 @@
         </p:nvSpPr>
         <p:spPr/>
         <p:txBody>
-          <a:bodyPr/>
+          <a:bodyPr>
+            <a:normAutofit/>
+          </a:bodyPr>
           <a:lstStyle/>
           <a:p>
             <a:pPr>
@@ -15751,11 +15493,34 @@
             </a:pPr>
             <a:r>
               <a:rPr lang="en-US" dirty="0"/>
-              <a:t>Many other functions on strings are called using a different syntax</a:t>
-            </a:r>
-          </a:p>
-          <a:p>
-            <a:pPr>
+              <a:t>Two other useful methods are </a:t>
+            </a:r>
+            <a:r>
+              <a:rPr lang="en-US" b="1" dirty="0" err="1">
+                <a:latin typeface="Rockwell" panose="02060603020205020403" pitchFamily="18" charset="0"/>
+              </a:rPr>
+              <a:t>startswith</a:t>
+            </a:r>
+            <a:r>
+              <a:rPr lang="en-US" b="1" dirty="0"/>
+              <a:t> </a:t>
+            </a:r>
+            <a:r>
+              <a:rPr lang="en-US" dirty="0"/>
+              <a:t>and </a:t>
+            </a:r>
+            <a:r>
+              <a:rPr lang="en-US" b="1" dirty="0" err="1">
+                <a:latin typeface="Rockwell" panose="02060603020205020403" pitchFamily="18" charset="0"/>
+              </a:rPr>
+              <a:t>endswith</a:t>
+            </a:r>
+            <a:endParaRPr lang="en-US" b="1" dirty="0">
+              <a:latin typeface="Rockwell" panose="02060603020205020403" pitchFamily="18" charset="0"/>
+            </a:endParaRPr>
+          </a:p>
+          <a:p>
+            <a:pPr lvl="1">
               <a:spcBef>
                 <a:spcPts val="600"/>
               </a:spcBef>
@@ -15767,45 +15532,39 @@
             </a:pPr>
             <a:r>
               <a:rPr lang="en-US" dirty="0"/>
-              <a:t>Instead of writing </a:t>
-            </a:r>
-            <a:r>
-              <a:rPr lang="en-US" b="1" dirty="0" err="1">
-                <a:latin typeface="Rockwell" panose="02060603020205020403" pitchFamily="18" charset="0"/>
-              </a:rPr>
-              <a:t>func</a:t>
+              <a:t>These are both Boolean functions and return </a:t>
             </a:r>
             <a:r>
               <a:rPr lang="en-US" b="1" dirty="0">
                 <a:latin typeface="Rockwell" panose="02060603020205020403" pitchFamily="18" charset="0"/>
               </a:rPr>
-              <a:t>(s)</a:t>
-            </a:r>
-            <a:r>
-              <a:rPr lang="en-US" dirty="0">
-                <a:latin typeface="Rockwell" panose="02060603020205020403" pitchFamily="18" charset="0"/>
-              </a:rPr>
-              <a:t>, </a:t>
-            </a:r>
-            <a:r>
-              <a:rPr lang="en-US" dirty="0"/>
-              <a:t>they are written </a:t>
-            </a:r>
-            <a:r>
-              <a:rPr lang="en-US" b="1" dirty="0" err="1">
-                <a:latin typeface="Rockwell" panose="02060603020205020403" pitchFamily="18" charset="0"/>
-              </a:rPr>
-              <a:t>s.func</a:t>
+              <a:t>True</a:t>
+            </a:r>
+            <a:r>
+              <a:rPr lang="en-US" b="1" dirty="0"/>
+              <a:t> </a:t>
+            </a:r>
+            <a:r>
+              <a:rPr lang="en-US" dirty="0"/>
+              <a:t>or </a:t>
             </a:r>
             <a:r>
               <a:rPr lang="en-US" b="1" dirty="0">
                 <a:latin typeface="Rockwell" panose="02060603020205020403" pitchFamily="18" charset="0"/>
               </a:rPr>
-              <a:t>()</a:t>
-            </a:r>
-          </a:p>
-          <a:p>
-            <a:pPr lvl="1">
+              <a:t>False</a:t>
+            </a:r>
+            <a:r>
+              <a:rPr lang="en-US" b="1" dirty="0"/>
+              <a:t> </a:t>
+            </a:r>
+            <a:r>
+              <a:rPr lang="en-US" dirty="0"/>
+              <a:t>depending on whether a string begins or ends with a specified value</a:t>
+            </a:r>
+          </a:p>
+          <a:p>
+            <a:pPr>
               <a:spcBef>
                 <a:spcPts val="600"/>
               </a:spcBef>
@@ -15817,27 +15576,133 @@
             </a:pPr>
             <a:r>
               <a:rPr lang="en-US" dirty="0"/>
-              <a:t>The name of the string is written first, followed by a period, and then the function name</a:t>
-            </a:r>
-          </a:p>
-          <a:p>
-            <a:pPr>
-              <a:spcBef>
-                <a:spcPts val="600"/>
-              </a:spcBef>
-              <a:spcAft>
-                <a:spcPts val="0"/>
-              </a:spcAft>
-              <a:buFont typeface="Arial" panose="020B0604020202020204" pitchFamily="34" charset="0"/>
-              <a:buChar char="•"/>
-            </a:pPr>
-            <a:r>
-              <a:rPr lang="en-US" dirty="0"/>
-              <a:t>Functions called using this syntax are referred to as </a:t>
-            </a:r>
-            <a:r>
-              <a:rPr lang="en-US" b="1" dirty="0"/>
-              <a:t>Methods</a:t>
+              <a:t>Examples:</a:t>
+            </a:r>
+          </a:p>
+          <a:p>
+            <a:pPr>
+              <a:spcBef>
+                <a:spcPts val="600"/>
+              </a:spcBef>
+              <a:spcAft>
+                <a:spcPts val="0"/>
+              </a:spcAft>
+            </a:pPr>
+            <a:r>
+              <a:rPr lang="en-US" b="1" dirty="0">
+                <a:latin typeface="Rockwell" panose="02060603020205020403" pitchFamily="18" charset="0"/>
+              </a:rPr>
+              <a:t>sentence = 'It was a dark and stormy night.'</a:t>
+            </a:r>
+          </a:p>
+          <a:p>
+            <a:pPr>
+              <a:spcBef>
+                <a:spcPts val="600"/>
+              </a:spcBef>
+              <a:spcAft>
+                <a:spcPts val="0"/>
+              </a:spcAft>
+            </a:pPr>
+            <a:r>
+              <a:rPr lang="en-US" b="1" dirty="0" err="1">
+                <a:latin typeface="Rockwell" panose="02060603020205020403" pitchFamily="18" charset="0"/>
+              </a:rPr>
+              <a:t>sentence.startswith</a:t>
+            </a:r>
+            <a:r>
+              <a:rPr lang="en-US" b="1" dirty="0">
+                <a:latin typeface="Rockwell" panose="02060603020205020403" pitchFamily="18" charset="0"/>
+              </a:rPr>
+              <a:t>('It’)        # True</a:t>
+            </a:r>
+          </a:p>
+          <a:p>
+            <a:pPr>
+              <a:spcBef>
+                <a:spcPts val="600"/>
+              </a:spcBef>
+              <a:spcAft>
+                <a:spcPts val="0"/>
+              </a:spcAft>
+            </a:pPr>
+            <a:r>
+              <a:rPr lang="en-US" b="1" dirty="0" err="1">
+                <a:latin typeface="Rockwell" panose="02060603020205020403" pitchFamily="18" charset="0"/>
+              </a:rPr>
+              <a:t>sentence.startswith</a:t>
+            </a:r>
+            <a:r>
+              <a:rPr lang="en-US" b="1" dirty="0">
+                <a:latin typeface="Rockwell" panose="02060603020205020403" pitchFamily="18" charset="0"/>
+              </a:rPr>
+              <a:t>('it’)        # False</a:t>
+            </a:r>
+          </a:p>
+          <a:p>
+            <a:pPr>
+              <a:spcBef>
+                <a:spcPts val="600"/>
+              </a:spcBef>
+              <a:spcAft>
+                <a:spcPts val="0"/>
+              </a:spcAft>
+            </a:pPr>
+            <a:r>
+              <a:rPr lang="en-US" b="1" dirty="0" err="1">
+                <a:latin typeface="Rockwell" panose="02060603020205020403" pitchFamily="18" charset="0"/>
+              </a:rPr>
+              <a:t>sentence.startswith</a:t>
+            </a:r>
+            <a:r>
+              <a:rPr lang="en-US" b="1" dirty="0">
+                <a:latin typeface="Rockwell" panose="02060603020205020403" pitchFamily="18" charset="0"/>
+              </a:rPr>
+              <a:t>("It's")   # False</a:t>
+            </a:r>
+          </a:p>
+          <a:p>
+            <a:pPr>
+              <a:spcBef>
+                <a:spcPts val="600"/>
+              </a:spcBef>
+              <a:spcAft>
+                <a:spcPts val="0"/>
+              </a:spcAft>
+            </a:pPr>
+            <a:r>
+              <a:rPr lang="en-US" b="1" dirty="0" err="1">
+                <a:latin typeface="Rockwell" panose="02060603020205020403" pitchFamily="18" charset="0"/>
+              </a:rPr>
+              <a:t>sentence.endswith</a:t>
+            </a:r>
+            <a:r>
+              <a:rPr lang="en-US" b="1" dirty="0">
+                <a:latin typeface="Rockwell" panose="02060603020205020403" pitchFamily="18" charset="0"/>
+              </a:rPr>
+              <a:t>('?’)           # False</a:t>
+            </a:r>
+          </a:p>
+          <a:p>
+            <a:pPr>
+              <a:spcBef>
+                <a:spcPts val="600"/>
+              </a:spcBef>
+              <a:spcAft>
+                <a:spcPts val="0"/>
+              </a:spcAft>
+            </a:pPr>
+            <a:r>
+              <a:rPr lang="en-US" b="1" dirty="0" err="1">
+                <a:latin typeface="Rockwell" panose="02060603020205020403" pitchFamily="18" charset="0"/>
+              </a:rPr>
+              <a:t>sentence.endswith</a:t>
+            </a:r>
+            <a:r>
+              <a:rPr lang="en-US" b="1" dirty="0">
+                <a:latin typeface="Rockwell" panose="02060603020205020403" pitchFamily="18" charset="0"/>
+              </a:rPr>
+              <a:t>('.’)            # True</a:t>
             </a:r>
           </a:p>
           <a:p>
@@ -15875,8 +15740,16 @@
           <a:lstStyle/>
           <a:p>
             <a:r>
-              <a:rPr lang="en-US"/>
-              <a:t>(c) Arthur Lee, Tony Mione- SUNY Korea - CSE 101</a:t>
+              <a:rPr lang="en-US" dirty="0"/>
+              <a:t>(c) Pravin Pawar, Arthur Lee, Tony </a:t>
+            </a:r>
+            <a:r>
+              <a:rPr lang="en-US" dirty="0" err="1"/>
+              <a:t>Mione</a:t>
+            </a:r>
+            <a:r>
+              <a:rPr lang="en-US" dirty="0"/>
+              <a:t>- SUNY Korea - CSE 101</a:t>
             </a:r>
           </a:p>
         </p:txBody>
@@ -15913,7 +15786,7 @@
     </p:spTree>
     <p:extLst>
       <p:ext uri="{BB962C8B-B14F-4D97-AF65-F5344CB8AC3E}">
-        <p14:creationId xmlns:p14="http://schemas.microsoft.com/office/powerpoint/2010/main" val="3933749684"/>
+        <p14:creationId xmlns:p14="http://schemas.microsoft.com/office/powerpoint/2010/main" val="2437495903"/>
       </p:ext>
     </p:extLst>
   </p:cSld>
@@ -15945,7 +15818,7 @@
           <p:cNvPr id="2" name="Title 1">
             <a:extLst>
               <a:ext uri="{FF2B5EF4-FFF2-40B4-BE49-F238E27FC236}">
-                <a16:creationId xmlns:a16="http://schemas.microsoft.com/office/drawing/2014/main" id="{4B900408-3A2E-4501-B90F-06CB0E7ECF73}"/>
+                <a16:creationId xmlns:a16="http://schemas.microsoft.com/office/drawing/2014/main" id="{D285E555-9002-4DE7-9925-AE3ABF4D3D4B}"/>
               </a:ext>
             </a:extLst>
           </p:cNvPr>
@@ -15973,7 +15846,7 @@
           <p:cNvPr id="3" name="Content Placeholder 2">
             <a:extLst>
               <a:ext uri="{FF2B5EF4-FFF2-40B4-BE49-F238E27FC236}">
-                <a16:creationId xmlns:a16="http://schemas.microsoft.com/office/drawing/2014/main" id="{3A6C5FCB-DEA5-4841-A001-A97AABD7A5F3}"/>
+                <a16:creationId xmlns:a16="http://schemas.microsoft.com/office/drawing/2014/main" id="{212C7E29-D9AC-4C63-A512-B1DAD848D900}"/>
               </a:ext>
             </a:extLst>
           </p:cNvPr>
@@ -16001,47 +15874,7 @@
             </a:pPr>
             <a:r>
               <a:rPr lang="en-US" dirty="0"/>
-              <a:t>As an example of a string method, consider how to figure out how many words are in a sentence</a:t>
-            </a:r>
-          </a:p>
-          <a:p>
-            <a:pPr>
-              <a:spcBef>
-                <a:spcPts val="600"/>
-              </a:spcBef>
-              <a:spcAft>
-                <a:spcPts val="0"/>
-              </a:spcAft>
-              <a:buFont typeface="Arial" panose="020B0604020202020204" pitchFamily="34" charset="0"/>
-              <a:buChar char="•"/>
-            </a:pPr>
-            <a:r>
-              <a:rPr lang="en-US" dirty="0"/>
-              <a:t>If there is exactly one space between each word, just count the number of space characters</a:t>
-            </a:r>
-          </a:p>
-          <a:p>
-            <a:pPr>
-              <a:spcBef>
-                <a:spcPts val="600"/>
-              </a:spcBef>
-              <a:spcAft>
-                <a:spcPts val="0"/>
-              </a:spcAft>
-              <a:buFont typeface="Arial" panose="020B0604020202020204" pitchFamily="34" charset="0"/>
-              <a:buChar char="•"/>
-            </a:pPr>
-            <a:r>
-              <a:rPr lang="en-US" dirty="0"/>
-              <a:t>The method named </a:t>
-            </a:r>
-            <a:r>
-              <a:rPr lang="en-US" b="1" dirty="0"/>
-              <a:t>count </a:t>
-            </a:r>
-            <a:r>
-              <a:rPr lang="en-US" dirty="0"/>
-              <a:t>does exactly that:</a:t>
+              <a:t>Another example:</a:t>
             </a:r>
           </a:p>
           <a:p>
@@ -16058,7 +15891,7 @@
               <a:rPr lang="en-US" b="1" dirty="0">
                 <a:latin typeface="Rockwell" panose="02060603020205020403" pitchFamily="18" charset="0"/>
               </a:rPr>
-              <a:t>sentence = 'It was a dark and stormy night.'</a:t>
+              <a:t>filename = input('Enter a filename: ')</a:t>
             </a:r>
           </a:p>
           <a:p>
@@ -16072,56 +15905,89 @@
               <a:buNone/>
             </a:pPr>
             <a:r>
+              <a:rPr lang="en-US" b="1" dirty="0">
+                <a:latin typeface="Rockwell" panose="02060603020205020403" pitchFamily="18" charset="0"/>
+              </a:rPr>
+              <a:t>if </a:t>
+            </a:r>
+            <a:r>
               <a:rPr lang="en-US" b="1" dirty="0" err="1">
                 <a:latin typeface="Rockwell" panose="02060603020205020403" pitchFamily="18" charset="0"/>
               </a:rPr>
-              <a:t>sentence.count</a:t>
+              <a:t>filename.endswith</a:t>
             </a:r>
             <a:r>
               <a:rPr lang="en-US" b="1" dirty="0">
                 <a:latin typeface="Rockwell" panose="02060603020205020403" pitchFamily="18" charset="0"/>
               </a:rPr>
-              <a:t>(' ') + 1 # equals 7</a:t>
-            </a:r>
-          </a:p>
-          <a:p>
-            <a:pPr>
-              <a:spcBef>
-                <a:spcPts val="600"/>
-              </a:spcBef>
-              <a:spcAft>
-                <a:spcPts val="0"/>
-              </a:spcAft>
-              <a:buFont typeface="Arial" panose="020B0604020202020204" pitchFamily="34" charset="0"/>
-              <a:buChar char="•"/>
-            </a:pPr>
-            <a:r>
-              <a:rPr lang="en-US" dirty="0"/>
-              <a:t>Note the argument passed to </a:t>
+              <a:t>('.</a:t>
+            </a:r>
+            <a:r>
+              <a:rPr lang="en-US" b="1" dirty="0" err="1">
+                <a:latin typeface="Rockwell" panose="02060603020205020403" pitchFamily="18" charset="0"/>
+              </a:rPr>
+              <a:t>py</a:t>
             </a:r>
             <a:r>
               <a:rPr lang="en-US" b="1" dirty="0">
                 <a:latin typeface="Rockwell" panose="02060603020205020403" pitchFamily="18" charset="0"/>
               </a:rPr>
-              <a:t>count</a:t>
-            </a:r>
-            <a:r>
-              <a:rPr lang="en-US" dirty="0"/>
-              <a:t> is a string containing exactly one character: a single space character.</a:t>
-            </a:r>
-          </a:p>
-          <a:p>
-            <a:pPr>
-              <a:spcBef>
-                <a:spcPts val="600"/>
-              </a:spcBef>
-              <a:spcAft>
-                <a:spcPts val="0"/>
-              </a:spcAft>
-              <a:buFont typeface="Arial" panose="020B0604020202020204" pitchFamily="34" charset="0"/>
-              <a:buChar char="•"/>
-            </a:pPr>
-            <a:endParaRPr lang="en-US" dirty="0"/>
+              <a:t>’):</a:t>
+            </a:r>
+          </a:p>
+          <a:p>
+            <a:pPr marL="201168" lvl="1" indent="0">
+              <a:spcBef>
+                <a:spcPts val="600"/>
+              </a:spcBef>
+              <a:spcAft>
+                <a:spcPts val="0"/>
+              </a:spcAft>
+              <a:buNone/>
+            </a:pPr>
+            <a:r>
+              <a:rPr lang="en-US" b="1" dirty="0">
+                <a:latin typeface="Rockwell" panose="02060603020205020403" pitchFamily="18" charset="0"/>
+              </a:rPr>
+              <a:t>    print('The file contains a Python program.')</a:t>
+            </a:r>
+          </a:p>
+          <a:p>
+            <a:pPr marL="201168" lvl="1" indent="0">
+              <a:spcBef>
+                <a:spcPts val="600"/>
+              </a:spcBef>
+              <a:spcAft>
+                <a:spcPts val="0"/>
+              </a:spcAft>
+              <a:buNone/>
+            </a:pPr>
+            <a:r>
+              <a:rPr lang="en-US" b="1" dirty="0">
+                <a:latin typeface="Rockwell" panose="02060603020205020403" pitchFamily="18" charset="0"/>
+              </a:rPr>
+              <a:t>else:</a:t>
+            </a:r>
+          </a:p>
+          <a:p>
+            <a:pPr marL="201168" lvl="1" indent="0">
+              <a:spcBef>
+                <a:spcPts val="600"/>
+              </a:spcBef>
+              <a:spcAft>
+                <a:spcPts val="0"/>
+              </a:spcAft>
+              <a:buNone/>
+            </a:pPr>
+            <a:r>
+              <a:rPr lang="en-US" b="1" dirty="0">
+                <a:latin typeface="Rockwell" panose="02060603020205020403" pitchFamily="18" charset="0"/>
+              </a:rPr>
+              <a:t>    print('The file does not contain a Python program.')</a:t>
+            </a:r>
+            <a:endParaRPr lang="en-US" dirty="0">
+              <a:latin typeface="Rockwell" panose="02060603020205020403" pitchFamily="18" charset="0"/>
+            </a:endParaRPr>
           </a:p>
         </p:txBody>
       </p:sp>
@@ -16130,7 +15996,7 @@
           <p:cNvPr id="4" name="Footer Placeholder 3">
             <a:extLst>
               <a:ext uri="{FF2B5EF4-FFF2-40B4-BE49-F238E27FC236}">
-                <a16:creationId xmlns:a16="http://schemas.microsoft.com/office/drawing/2014/main" id="{68184694-51DA-4051-A276-D93A36F4FACE}"/>
+                <a16:creationId xmlns:a16="http://schemas.microsoft.com/office/drawing/2014/main" id="{5C178381-2716-4DF8-99F5-5FD92248FF2C}"/>
               </a:ext>
             </a:extLst>
           </p:cNvPr>
@@ -16147,8 +16013,16 @@
           <a:lstStyle/>
           <a:p>
             <a:r>
-              <a:rPr lang="en-US"/>
-              <a:t>(c) Arthur Lee, Tony Mione- SUNY Korea - CSE 101</a:t>
+              <a:rPr lang="en-US" dirty="0"/>
+              <a:t>(c) Pravin Pawar, Arthur Lee, Tony </a:t>
+            </a:r>
+            <a:r>
+              <a:rPr lang="en-US" dirty="0" err="1"/>
+              <a:t>Mione</a:t>
+            </a:r>
+            <a:r>
+              <a:rPr lang="en-US" dirty="0"/>
+              <a:t>- SUNY Korea - CSE 101</a:t>
             </a:r>
           </a:p>
         </p:txBody>
@@ -16158,7 +16032,7 @@
           <p:cNvPr id="5" name="Slide Number Placeholder 4">
             <a:extLst>
               <a:ext uri="{FF2B5EF4-FFF2-40B4-BE49-F238E27FC236}">
-                <a16:creationId xmlns:a16="http://schemas.microsoft.com/office/drawing/2014/main" id="{16E9A468-5BAF-43E3-89AC-06FC9FCA005C}"/>
+                <a16:creationId xmlns:a16="http://schemas.microsoft.com/office/drawing/2014/main" id="{30D75F3C-979D-4528-8013-69D729DB95B9}"/>
               </a:ext>
             </a:extLst>
           </p:cNvPr>
@@ -16185,7 +16059,7 @@
     </p:spTree>
     <p:extLst>
       <p:ext uri="{BB962C8B-B14F-4D97-AF65-F5344CB8AC3E}">
-        <p14:creationId xmlns:p14="http://schemas.microsoft.com/office/powerpoint/2010/main" val="1148144257"/>
+        <p14:creationId xmlns:p14="http://schemas.microsoft.com/office/powerpoint/2010/main" val="4002111195"/>
       </p:ext>
     </p:extLst>
   </p:cSld>
@@ -16407,8 +16281,16 @@
           <a:lstStyle/>
           <a:p>
             <a:r>
-              <a:rPr lang="en-US"/>
-              <a:t>(c) Arthur Lee, Tony Mione- SUNY Korea - CSE 101</a:t>
+              <a:rPr lang="en-US" dirty="0"/>
+              <a:t>(c) Pravin Pawar, Arthur Lee, Tony </a:t>
+            </a:r>
+            <a:r>
+              <a:rPr lang="en-US" dirty="0" err="1"/>
+              <a:t>Mione</a:t>
+            </a:r>
+            <a:r>
+              <a:rPr lang="en-US" dirty="0"/>
+              <a:t>- SUNY Korea - CSE 101</a:t>
             </a:r>
           </a:p>
         </p:txBody>
@@ -16477,646 +16359,6 @@
           <p:cNvPr id="2" name="Title 1">
             <a:extLst>
               <a:ext uri="{FF2B5EF4-FFF2-40B4-BE49-F238E27FC236}">
-                <a16:creationId xmlns:a16="http://schemas.microsoft.com/office/drawing/2014/main" id="{4B900408-3A2E-4501-B90F-06CB0E7ECF73}"/>
-              </a:ext>
-            </a:extLst>
-          </p:cNvPr>
-          <p:cNvSpPr>
-            <a:spLocks noGrp="1"/>
-          </p:cNvSpPr>
-          <p:nvPr>
-            <p:ph type="title"/>
-          </p:nvPr>
-        </p:nvSpPr>
-        <p:spPr/>
-        <p:txBody>
-          <a:bodyPr/>
-          <a:lstStyle/>
-          <a:p>
-            <a:r>
-              <a:rPr lang="en-US" dirty="0"/>
-              <a:t>String methods</a:t>
-            </a:r>
-          </a:p>
-        </p:txBody>
-      </p:sp>
-      <p:sp>
-        <p:nvSpPr>
-          <p:cNvPr id="3" name="Content Placeholder 2">
-            <a:extLst>
-              <a:ext uri="{FF2B5EF4-FFF2-40B4-BE49-F238E27FC236}">
-                <a16:creationId xmlns:a16="http://schemas.microsoft.com/office/drawing/2014/main" id="{3A6C5FCB-DEA5-4841-A001-A97AABD7A5F3}"/>
-              </a:ext>
-            </a:extLst>
-          </p:cNvPr>
-          <p:cNvSpPr>
-            <a:spLocks noGrp="1"/>
-          </p:cNvSpPr>
-          <p:nvPr>
-            <p:ph idx="1"/>
-          </p:nvPr>
-        </p:nvSpPr>
-        <p:spPr/>
-        <p:txBody>
-          <a:bodyPr>
-            <a:normAutofit/>
-          </a:bodyPr>
-          <a:lstStyle/>
-          <a:p>
-            <a:pPr>
-              <a:spcBef>
-                <a:spcPts val="600"/>
-              </a:spcBef>
-              <a:spcAft>
-                <a:spcPts val="0"/>
-              </a:spcAft>
-              <a:buFont typeface="Arial" panose="020B0604020202020204" pitchFamily="34" charset="0"/>
-              <a:buChar char="•"/>
-            </a:pPr>
-            <a:r>
-              <a:rPr lang="en-US" dirty="0"/>
-              <a:t>Two other useful methods are </a:t>
-            </a:r>
-            <a:r>
-              <a:rPr lang="en-US" b="1" dirty="0" err="1">
-                <a:latin typeface="Rockwell" panose="02060603020205020403" pitchFamily="18" charset="0"/>
-              </a:rPr>
-              <a:t>startswith</a:t>
-            </a:r>
-            <a:r>
-              <a:rPr lang="en-US" b="1" dirty="0"/>
-              <a:t> </a:t>
-            </a:r>
-            <a:r>
-              <a:rPr lang="en-US" dirty="0"/>
-              <a:t>and </a:t>
-            </a:r>
-            <a:r>
-              <a:rPr lang="en-US" b="1" dirty="0" err="1">
-                <a:latin typeface="Rockwell" panose="02060603020205020403" pitchFamily="18" charset="0"/>
-              </a:rPr>
-              <a:t>endswith</a:t>
-            </a:r>
-            <a:endParaRPr lang="en-US" b="1" dirty="0">
-              <a:latin typeface="Rockwell" panose="02060603020205020403" pitchFamily="18" charset="0"/>
-            </a:endParaRPr>
-          </a:p>
-          <a:p>
-            <a:pPr lvl="1">
-              <a:spcBef>
-                <a:spcPts val="600"/>
-              </a:spcBef>
-              <a:spcAft>
-                <a:spcPts val="0"/>
-              </a:spcAft>
-              <a:buFont typeface="Arial" panose="020B0604020202020204" pitchFamily="34" charset="0"/>
-              <a:buChar char="•"/>
-            </a:pPr>
-            <a:r>
-              <a:rPr lang="en-US" dirty="0"/>
-              <a:t>These are both Boolean functions and return </a:t>
-            </a:r>
-            <a:r>
-              <a:rPr lang="en-US" b="1" dirty="0">
-                <a:latin typeface="Rockwell" panose="02060603020205020403" pitchFamily="18" charset="0"/>
-              </a:rPr>
-              <a:t>True</a:t>
-            </a:r>
-            <a:r>
-              <a:rPr lang="en-US" b="1" dirty="0"/>
-              <a:t> </a:t>
-            </a:r>
-            <a:r>
-              <a:rPr lang="en-US" dirty="0"/>
-              <a:t>or </a:t>
-            </a:r>
-            <a:r>
-              <a:rPr lang="en-US" b="1" dirty="0">
-                <a:latin typeface="Rockwell" panose="02060603020205020403" pitchFamily="18" charset="0"/>
-              </a:rPr>
-              <a:t>False</a:t>
-            </a:r>
-            <a:r>
-              <a:rPr lang="en-US" b="1" dirty="0"/>
-              <a:t> </a:t>
-            </a:r>
-            <a:r>
-              <a:rPr lang="en-US" dirty="0"/>
-              <a:t>depending on whether a string begins or ends with a specified value</a:t>
-            </a:r>
-          </a:p>
-          <a:p>
-            <a:pPr>
-              <a:spcBef>
-                <a:spcPts val="600"/>
-              </a:spcBef>
-              <a:spcAft>
-                <a:spcPts val="0"/>
-              </a:spcAft>
-              <a:buFont typeface="Arial" panose="020B0604020202020204" pitchFamily="34" charset="0"/>
-              <a:buChar char="•"/>
-            </a:pPr>
-            <a:r>
-              <a:rPr lang="en-US" dirty="0"/>
-              <a:t>Examples:</a:t>
-            </a:r>
-          </a:p>
-          <a:p>
-            <a:pPr>
-              <a:spcBef>
-                <a:spcPts val="600"/>
-              </a:spcBef>
-              <a:spcAft>
-                <a:spcPts val="0"/>
-              </a:spcAft>
-            </a:pPr>
-            <a:r>
-              <a:rPr lang="en-US" b="1" dirty="0">
-                <a:latin typeface="Rockwell" panose="02060603020205020403" pitchFamily="18" charset="0"/>
-              </a:rPr>
-              <a:t>sentence = 'It was a dark and stormy night.'</a:t>
-            </a:r>
-          </a:p>
-          <a:p>
-            <a:pPr>
-              <a:spcBef>
-                <a:spcPts val="600"/>
-              </a:spcBef>
-              <a:spcAft>
-                <a:spcPts val="0"/>
-              </a:spcAft>
-            </a:pPr>
-            <a:r>
-              <a:rPr lang="en-US" b="1" dirty="0" err="1">
-                <a:latin typeface="Rockwell" panose="02060603020205020403" pitchFamily="18" charset="0"/>
-              </a:rPr>
-              <a:t>sentence.startswith</a:t>
-            </a:r>
-            <a:r>
-              <a:rPr lang="en-US" b="1" dirty="0">
-                <a:latin typeface="Rockwell" panose="02060603020205020403" pitchFamily="18" charset="0"/>
-              </a:rPr>
-              <a:t>('It’)        # True</a:t>
-            </a:r>
-          </a:p>
-          <a:p>
-            <a:pPr>
-              <a:spcBef>
-                <a:spcPts val="600"/>
-              </a:spcBef>
-              <a:spcAft>
-                <a:spcPts val="0"/>
-              </a:spcAft>
-            </a:pPr>
-            <a:r>
-              <a:rPr lang="en-US" b="1" dirty="0" err="1">
-                <a:latin typeface="Rockwell" panose="02060603020205020403" pitchFamily="18" charset="0"/>
-              </a:rPr>
-              <a:t>sentence.startswith</a:t>
-            </a:r>
-            <a:r>
-              <a:rPr lang="en-US" b="1" dirty="0">
-                <a:latin typeface="Rockwell" panose="02060603020205020403" pitchFamily="18" charset="0"/>
-              </a:rPr>
-              <a:t>('it’)        # False</a:t>
-            </a:r>
-          </a:p>
-          <a:p>
-            <a:pPr>
-              <a:spcBef>
-                <a:spcPts val="600"/>
-              </a:spcBef>
-              <a:spcAft>
-                <a:spcPts val="0"/>
-              </a:spcAft>
-            </a:pPr>
-            <a:r>
-              <a:rPr lang="en-US" b="1" dirty="0" err="1">
-                <a:latin typeface="Rockwell" panose="02060603020205020403" pitchFamily="18" charset="0"/>
-              </a:rPr>
-              <a:t>sentence.startswith</a:t>
-            </a:r>
-            <a:r>
-              <a:rPr lang="en-US" b="1" dirty="0">
-                <a:latin typeface="Rockwell" panose="02060603020205020403" pitchFamily="18" charset="0"/>
-              </a:rPr>
-              <a:t>("It's")   # False</a:t>
-            </a:r>
-          </a:p>
-          <a:p>
-            <a:pPr>
-              <a:spcBef>
-                <a:spcPts val="600"/>
-              </a:spcBef>
-              <a:spcAft>
-                <a:spcPts val="0"/>
-              </a:spcAft>
-            </a:pPr>
-            <a:r>
-              <a:rPr lang="en-US" b="1" dirty="0" err="1">
-                <a:latin typeface="Rockwell" panose="02060603020205020403" pitchFamily="18" charset="0"/>
-              </a:rPr>
-              <a:t>sentence.endswith</a:t>
-            </a:r>
-            <a:r>
-              <a:rPr lang="en-US" b="1" dirty="0">
-                <a:latin typeface="Rockwell" panose="02060603020205020403" pitchFamily="18" charset="0"/>
-              </a:rPr>
-              <a:t>('?’)           # False</a:t>
-            </a:r>
-          </a:p>
-          <a:p>
-            <a:pPr>
-              <a:spcBef>
-                <a:spcPts val="600"/>
-              </a:spcBef>
-              <a:spcAft>
-                <a:spcPts val="0"/>
-              </a:spcAft>
-            </a:pPr>
-            <a:r>
-              <a:rPr lang="en-US" b="1" dirty="0" err="1">
-                <a:latin typeface="Rockwell" panose="02060603020205020403" pitchFamily="18" charset="0"/>
-              </a:rPr>
-              <a:t>sentence.endswith</a:t>
-            </a:r>
-            <a:r>
-              <a:rPr lang="en-US" b="1" dirty="0">
-                <a:latin typeface="Rockwell" panose="02060603020205020403" pitchFamily="18" charset="0"/>
-              </a:rPr>
-              <a:t>('.’)            # True</a:t>
-            </a:r>
-          </a:p>
-          <a:p>
-            <a:pPr>
-              <a:spcBef>
-                <a:spcPts val="600"/>
-              </a:spcBef>
-              <a:spcAft>
-                <a:spcPts val="0"/>
-              </a:spcAft>
-            </a:pPr>
-            <a:endParaRPr lang="en-US" dirty="0"/>
-          </a:p>
-        </p:txBody>
-      </p:sp>
-      <p:sp>
-        <p:nvSpPr>
-          <p:cNvPr id="4" name="Footer Placeholder 3">
-            <a:extLst>
-              <a:ext uri="{FF2B5EF4-FFF2-40B4-BE49-F238E27FC236}">
-                <a16:creationId xmlns:a16="http://schemas.microsoft.com/office/drawing/2014/main" id="{68184694-51DA-4051-A276-D93A36F4FACE}"/>
-              </a:ext>
-            </a:extLst>
-          </p:cNvPr>
-          <p:cNvSpPr>
-            <a:spLocks noGrp="1"/>
-          </p:cNvSpPr>
-          <p:nvPr>
-            <p:ph type="ftr" sz="quarter" idx="11"/>
-          </p:nvPr>
-        </p:nvSpPr>
-        <p:spPr/>
-        <p:txBody>
-          <a:bodyPr/>
-          <a:lstStyle/>
-          <a:p>
-            <a:r>
-              <a:rPr lang="en-US"/>
-              <a:t>(c) Arthur Lee, Tony Mione- SUNY Korea - CSE 101</a:t>
-            </a:r>
-          </a:p>
-        </p:txBody>
-      </p:sp>
-      <p:sp>
-        <p:nvSpPr>
-          <p:cNvPr id="5" name="Slide Number Placeholder 4">
-            <a:extLst>
-              <a:ext uri="{FF2B5EF4-FFF2-40B4-BE49-F238E27FC236}">
-                <a16:creationId xmlns:a16="http://schemas.microsoft.com/office/drawing/2014/main" id="{16E9A468-5BAF-43E3-89AC-06FC9FCA005C}"/>
-              </a:ext>
-            </a:extLst>
-          </p:cNvPr>
-          <p:cNvSpPr>
-            <a:spLocks noGrp="1"/>
-          </p:cNvSpPr>
-          <p:nvPr>
-            <p:ph type="sldNum" sz="quarter" idx="12"/>
-          </p:nvPr>
-        </p:nvSpPr>
-        <p:spPr/>
-        <p:txBody>
-          <a:bodyPr/>
-          <a:lstStyle/>
-          <a:p>
-            <a:fld id="{DADD426C-F078-4967-9FE7-1015426B2B1F}" type="slidenum">
-              <a:rPr lang="en-US" smtClean="0"/>
-              <a:t>40</a:t>
-            </a:fld>
-            <a:endParaRPr lang="en-US"/>
-          </a:p>
-        </p:txBody>
-      </p:sp>
-    </p:spTree>
-    <p:extLst>
-      <p:ext uri="{BB962C8B-B14F-4D97-AF65-F5344CB8AC3E}">
-        <p14:creationId xmlns:p14="http://schemas.microsoft.com/office/powerpoint/2010/main" val="2437495903"/>
-      </p:ext>
-    </p:extLst>
-  </p:cSld>
-  <p:clrMapOvr>
-    <a:masterClrMapping/>
-  </p:clrMapOvr>
-</p:sld>
-</file>
-
-<file path=ppt/slides/slide41.xml><?xml version="1.0" encoding="utf-8"?>
-<p:sld xmlns:a="http://schemas.openxmlformats.org/drawingml/2006/main" xmlns:r="http://schemas.openxmlformats.org/officeDocument/2006/relationships" xmlns:p="http://schemas.openxmlformats.org/presentationml/2006/main">
-  <p:cSld>
-    <p:spTree>
-      <p:nvGrpSpPr>
-        <p:cNvPr id="1" name=""/>
-        <p:cNvGrpSpPr/>
-        <p:nvPr/>
-      </p:nvGrpSpPr>
-      <p:grpSpPr>
-        <a:xfrm>
-          <a:off x="0" y="0"/>
-          <a:ext cx="0" cy="0"/>
-          <a:chOff x="0" y="0"/>
-          <a:chExt cx="0" cy="0"/>
-        </a:xfrm>
-      </p:grpSpPr>
-      <p:sp>
-        <p:nvSpPr>
-          <p:cNvPr id="2" name="Title 1">
-            <a:extLst>
-              <a:ext uri="{FF2B5EF4-FFF2-40B4-BE49-F238E27FC236}">
-                <a16:creationId xmlns:a16="http://schemas.microsoft.com/office/drawing/2014/main" id="{D285E555-9002-4DE7-9925-AE3ABF4D3D4B}"/>
-              </a:ext>
-            </a:extLst>
-          </p:cNvPr>
-          <p:cNvSpPr>
-            <a:spLocks noGrp="1"/>
-          </p:cNvSpPr>
-          <p:nvPr>
-            <p:ph type="title"/>
-          </p:nvPr>
-        </p:nvSpPr>
-        <p:spPr/>
-        <p:txBody>
-          <a:bodyPr/>
-          <a:lstStyle/>
-          <a:p>
-            <a:r>
-              <a:rPr lang="en-US" dirty="0"/>
-              <a:t>String methods</a:t>
-            </a:r>
-          </a:p>
-        </p:txBody>
-      </p:sp>
-      <p:sp>
-        <p:nvSpPr>
-          <p:cNvPr id="3" name="Content Placeholder 2">
-            <a:extLst>
-              <a:ext uri="{FF2B5EF4-FFF2-40B4-BE49-F238E27FC236}">
-                <a16:creationId xmlns:a16="http://schemas.microsoft.com/office/drawing/2014/main" id="{212C7E29-D9AC-4C63-A512-B1DAD848D900}"/>
-              </a:ext>
-            </a:extLst>
-          </p:cNvPr>
-          <p:cNvSpPr>
-            <a:spLocks noGrp="1"/>
-          </p:cNvSpPr>
-          <p:nvPr>
-            <p:ph idx="1"/>
-          </p:nvPr>
-        </p:nvSpPr>
-        <p:spPr/>
-        <p:txBody>
-          <a:bodyPr/>
-          <a:lstStyle/>
-          <a:p>
-            <a:pPr>
-              <a:spcBef>
-                <a:spcPts val="600"/>
-              </a:spcBef>
-              <a:spcAft>
-                <a:spcPts val="0"/>
-              </a:spcAft>
-              <a:buFont typeface="Arial" panose="020B0604020202020204" pitchFamily="34" charset="0"/>
-              <a:buChar char="•"/>
-            </a:pPr>
-            <a:r>
-              <a:rPr lang="en-US" dirty="0"/>
-              <a:t>Another example:</a:t>
-            </a:r>
-          </a:p>
-          <a:p>
-            <a:pPr marL="201168" lvl="1" indent="0">
-              <a:spcBef>
-                <a:spcPts val="600"/>
-              </a:spcBef>
-              <a:spcAft>
-                <a:spcPts val="0"/>
-              </a:spcAft>
-              <a:buNone/>
-            </a:pPr>
-            <a:r>
-              <a:rPr lang="en-US" b="1" dirty="0">
-                <a:latin typeface="Rockwell" panose="02060603020205020403" pitchFamily="18" charset="0"/>
-              </a:rPr>
-              <a:t>filename = input('Enter a filename: ')</a:t>
-            </a:r>
-          </a:p>
-          <a:p>
-            <a:pPr marL="201168" lvl="1" indent="0">
-              <a:spcBef>
-                <a:spcPts val="600"/>
-              </a:spcBef>
-              <a:spcAft>
-                <a:spcPts val="0"/>
-              </a:spcAft>
-              <a:buNone/>
-            </a:pPr>
-            <a:r>
-              <a:rPr lang="en-US" b="1" dirty="0">
-                <a:latin typeface="Rockwell" panose="02060603020205020403" pitchFamily="18" charset="0"/>
-              </a:rPr>
-              <a:t>if </a:t>
-            </a:r>
-            <a:r>
-              <a:rPr lang="en-US" b="1" dirty="0" err="1">
-                <a:latin typeface="Rockwell" panose="02060603020205020403" pitchFamily="18" charset="0"/>
-              </a:rPr>
-              <a:t>filename.endswith</a:t>
-            </a:r>
-            <a:r>
-              <a:rPr lang="en-US" b="1" dirty="0">
-                <a:latin typeface="Rockwell" panose="02060603020205020403" pitchFamily="18" charset="0"/>
-              </a:rPr>
-              <a:t>('.</a:t>
-            </a:r>
-            <a:r>
-              <a:rPr lang="en-US" b="1" dirty="0" err="1">
-                <a:latin typeface="Rockwell" panose="02060603020205020403" pitchFamily="18" charset="0"/>
-              </a:rPr>
-              <a:t>py</a:t>
-            </a:r>
-            <a:r>
-              <a:rPr lang="en-US" b="1" dirty="0">
-                <a:latin typeface="Rockwell" panose="02060603020205020403" pitchFamily="18" charset="0"/>
-              </a:rPr>
-              <a:t>’):</a:t>
-            </a:r>
-          </a:p>
-          <a:p>
-            <a:pPr marL="201168" lvl="1" indent="0">
-              <a:spcBef>
-                <a:spcPts val="600"/>
-              </a:spcBef>
-              <a:spcAft>
-                <a:spcPts val="0"/>
-              </a:spcAft>
-              <a:buNone/>
-            </a:pPr>
-            <a:r>
-              <a:rPr lang="en-US" b="1" dirty="0">
-                <a:latin typeface="Rockwell" panose="02060603020205020403" pitchFamily="18" charset="0"/>
-              </a:rPr>
-              <a:t>    print('The file contains a Python program.')</a:t>
-            </a:r>
-          </a:p>
-          <a:p>
-            <a:pPr marL="201168" lvl="1" indent="0">
-              <a:spcBef>
-                <a:spcPts val="600"/>
-              </a:spcBef>
-              <a:spcAft>
-                <a:spcPts val="0"/>
-              </a:spcAft>
-              <a:buNone/>
-            </a:pPr>
-            <a:r>
-              <a:rPr lang="en-US" b="1" dirty="0">
-                <a:latin typeface="Rockwell" panose="02060603020205020403" pitchFamily="18" charset="0"/>
-              </a:rPr>
-              <a:t>else:</a:t>
-            </a:r>
-          </a:p>
-          <a:p>
-            <a:pPr marL="201168" lvl="1" indent="0">
-              <a:spcBef>
-                <a:spcPts val="600"/>
-              </a:spcBef>
-              <a:spcAft>
-                <a:spcPts val="0"/>
-              </a:spcAft>
-              <a:buNone/>
-            </a:pPr>
-            <a:r>
-              <a:rPr lang="en-US" b="1" dirty="0">
-                <a:latin typeface="Rockwell" panose="02060603020205020403" pitchFamily="18" charset="0"/>
-              </a:rPr>
-              <a:t>    print('The file does not contain a Python program.')</a:t>
-            </a:r>
-            <a:endParaRPr lang="en-US" dirty="0">
-              <a:latin typeface="Rockwell" panose="02060603020205020403" pitchFamily="18" charset="0"/>
-            </a:endParaRPr>
-          </a:p>
-        </p:txBody>
-      </p:sp>
-      <p:sp>
-        <p:nvSpPr>
-          <p:cNvPr id="4" name="Footer Placeholder 3">
-            <a:extLst>
-              <a:ext uri="{FF2B5EF4-FFF2-40B4-BE49-F238E27FC236}">
-                <a16:creationId xmlns:a16="http://schemas.microsoft.com/office/drawing/2014/main" id="{5C178381-2716-4DF8-99F5-5FD92248FF2C}"/>
-              </a:ext>
-            </a:extLst>
-          </p:cNvPr>
-          <p:cNvSpPr>
-            <a:spLocks noGrp="1"/>
-          </p:cNvSpPr>
-          <p:nvPr>
-            <p:ph type="ftr" sz="quarter" idx="11"/>
-          </p:nvPr>
-        </p:nvSpPr>
-        <p:spPr/>
-        <p:txBody>
-          <a:bodyPr/>
-          <a:lstStyle/>
-          <a:p>
-            <a:r>
-              <a:rPr lang="en-US"/>
-              <a:t>(c) Arthur Lee, Tony Mione- SUNY Korea - CSE 101</a:t>
-            </a:r>
-          </a:p>
-        </p:txBody>
-      </p:sp>
-      <p:sp>
-        <p:nvSpPr>
-          <p:cNvPr id="5" name="Slide Number Placeholder 4">
-            <a:extLst>
-              <a:ext uri="{FF2B5EF4-FFF2-40B4-BE49-F238E27FC236}">
-                <a16:creationId xmlns:a16="http://schemas.microsoft.com/office/drawing/2014/main" id="{30D75F3C-979D-4528-8013-69D729DB95B9}"/>
-              </a:ext>
-            </a:extLst>
-          </p:cNvPr>
-          <p:cNvSpPr>
-            <a:spLocks noGrp="1"/>
-          </p:cNvSpPr>
-          <p:nvPr>
-            <p:ph type="sldNum" sz="quarter" idx="12"/>
-          </p:nvPr>
-        </p:nvSpPr>
-        <p:spPr/>
-        <p:txBody>
-          <a:bodyPr/>
-          <a:lstStyle/>
-          <a:p>
-            <a:fld id="{DADD426C-F078-4967-9FE7-1015426B2B1F}" type="slidenum">
-              <a:rPr lang="en-US" smtClean="0"/>
-              <a:t>41</a:t>
-            </a:fld>
-            <a:endParaRPr lang="en-US"/>
-          </a:p>
-        </p:txBody>
-      </p:sp>
-    </p:spTree>
-    <p:extLst>
-      <p:ext uri="{BB962C8B-B14F-4D97-AF65-F5344CB8AC3E}">
-        <p14:creationId xmlns:p14="http://schemas.microsoft.com/office/powerpoint/2010/main" val="4002111195"/>
-      </p:ext>
-    </p:extLst>
-  </p:cSld>
-  <p:clrMapOvr>
-    <a:masterClrMapping/>
-  </p:clrMapOvr>
-</p:sld>
-</file>
-
-<file path=ppt/slides/slide42.xml><?xml version="1.0" encoding="utf-8"?>
-<p:sld xmlns:a="http://schemas.openxmlformats.org/drawingml/2006/main" xmlns:r="http://schemas.openxmlformats.org/officeDocument/2006/relationships" xmlns:p="http://schemas.openxmlformats.org/presentationml/2006/main">
-  <p:cSld>
-    <p:spTree>
-      <p:nvGrpSpPr>
-        <p:cNvPr id="1" name=""/>
-        <p:cNvGrpSpPr/>
-        <p:nvPr/>
-      </p:nvGrpSpPr>
-      <p:grpSpPr>
-        <a:xfrm>
-          <a:off x="0" y="0"/>
-          <a:ext cx="0" cy="0"/>
-          <a:chOff x="0" y="0"/>
-          <a:chExt cx="0" cy="0"/>
-        </a:xfrm>
-      </p:grpSpPr>
-      <p:sp>
-        <p:nvSpPr>
-          <p:cNvPr id="2" name="Title 1">
-            <a:extLst>
-              <a:ext uri="{FF2B5EF4-FFF2-40B4-BE49-F238E27FC236}">
                 <a16:creationId xmlns:a16="http://schemas.microsoft.com/office/drawing/2014/main" id="{384E433E-E8A9-4EEC-AFE5-EE946F2FF79D}"/>
               </a:ext>
             </a:extLst>
@@ -17162,8 +16404,16 @@
           <a:lstStyle/>
           <a:p>
             <a:r>
-              <a:rPr lang="en-US"/>
-              <a:t>(c) Arthur Lee, Tony Mione- SUNY Korea - CSE 101</a:t>
+              <a:rPr lang="en-US" dirty="0"/>
+              <a:t>(c) Pravin Pawar, Arthur Lee, Tony </a:t>
+            </a:r>
+            <a:r>
+              <a:rPr lang="en-US" dirty="0" err="1"/>
+              <a:t>Mione</a:t>
+            </a:r>
+            <a:r>
+              <a:rPr lang="en-US" dirty="0"/>
+              <a:t>- SUNY Korea - CSE 101</a:t>
             </a:r>
           </a:p>
         </p:txBody>
@@ -17191,7 +16441,7 @@
           <a:p>
             <a:fld id="{DADD426C-F078-4967-9FE7-1015426B2B1F}" type="slidenum">
               <a:rPr lang="en-US" smtClean="0"/>
-              <a:t>42</a:t>
+              <a:t>40</a:t>
             </a:fld>
             <a:endParaRPr lang="en-US"/>
           </a:p>
@@ -17523,8 +16773,16 @@
           <a:lstStyle/>
           <a:p>
             <a:r>
-              <a:rPr lang="en-US"/>
-              <a:t>(c) Arthur Lee, Tony Mione- SUNY Korea - CSE 101</a:t>
+              <a:rPr lang="en-US" dirty="0"/>
+              <a:t>(c) Pravin Pawar, Arthur Lee, Tony </a:t>
+            </a:r>
+            <a:r>
+              <a:rPr lang="en-US" dirty="0" err="1"/>
+              <a:t>Mione</a:t>
+            </a:r>
+            <a:r>
+              <a:rPr lang="en-US" dirty="0"/>
+              <a:t>- SUNY Korea - CSE 101</a:t>
             </a:r>
           </a:p>
         </p:txBody>
@@ -17945,8 +17203,16 @@
           <a:lstStyle/>
           <a:p>
             <a:r>
-              <a:rPr lang="en-US"/>
-              <a:t>(c) Arthur Lee, Tony Mione- SUNY Korea - CSE 101</a:t>
+              <a:rPr lang="en-US" dirty="0"/>
+              <a:t>(c) Pravin Pawar, Arthur Lee, Tony </a:t>
+            </a:r>
+            <a:r>
+              <a:rPr lang="en-US" dirty="0" err="1"/>
+              <a:t>Mione</a:t>
+            </a:r>
+            <a:r>
+              <a:rPr lang="en-US" dirty="0"/>
+              <a:t>- SUNY Korea - CSE 101</a:t>
             </a:r>
           </a:p>
         </p:txBody>
@@ -18171,8 +17437,16 @@
           <a:lstStyle/>
           <a:p>
             <a:r>
-              <a:rPr lang="en-US"/>
-              <a:t>(c) Arthur Lee, Tony Mione- SUNY Korea - CSE 101</a:t>
+              <a:rPr lang="en-US" dirty="0"/>
+              <a:t>(c) Pravin Pawar, Arthur Lee, Tony </a:t>
+            </a:r>
+            <a:r>
+              <a:rPr lang="en-US" dirty="0" err="1"/>
+              <a:t>Mione</a:t>
+            </a:r>
+            <a:r>
+              <a:rPr lang="en-US" dirty="0"/>
+              <a:t>- SUNY Korea - CSE 101</a:t>
             </a:r>
           </a:p>
         </p:txBody>
@@ -18941,8 +18215,16 @@
           <a:lstStyle/>
           <a:p>
             <a:r>
-              <a:rPr lang="en-US"/>
-              <a:t>(c) Arthur Lee, Tony Mione- SUNY Korea - CSE 101</a:t>
+              <a:rPr lang="en-US" dirty="0"/>
+              <a:t>(c) Pravin Pawar, Arthur Lee, Tony </a:t>
+            </a:r>
+            <a:r>
+              <a:rPr lang="en-US" dirty="0" err="1"/>
+              <a:t>Mione</a:t>
+            </a:r>
+            <a:r>
+              <a:rPr lang="en-US" dirty="0"/>
+              <a:t>- SUNY Korea - CSE 101</a:t>
             </a:r>
           </a:p>
         </p:txBody>
@@ -19318,8 +18600,16 @@
           <a:lstStyle/>
           <a:p>
             <a:r>
-              <a:rPr lang="en-US"/>
-              <a:t>(c) Arthur Lee, Tony Mione- SUNY Korea - CSE 101</a:t>
+              <a:rPr lang="en-US" dirty="0"/>
+              <a:t>(c) Pravin Pawar, Arthur Lee, Tony </a:t>
+            </a:r>
+            <a:r>
+              <a:rPr lang="en-US" dirty="0" err="1"/>
+              <a:t>Mione</a:t>
+            </a:r>
+            <a:r>
+              <a:rPr lang="en-US" dirty="0"/>
+              <a:t>- SUNY Korea - CSE 101</a:t>
             </a:r>
           </a:p>
         </p:txBody>
